--- a/Truvel - Project 1.pptx
+++ b/Truvel - Project 1.pptx
@@ -2,7 +2,7 @@
 <file path=ppt/presentation.xml><?xml version="1.0" encoding="utf-8"?>
 <p:presentation xmlns:a="http://schemas.openxmlformats.org/drawingml/2006/main" xmlns:r="http://schemas.openxmlformats.org/officeDocument/2006/relationships" xmlns:p="http://schemas.openxmlformats.org/presentationml/2006/main" saveSubsetFonts="1">
   <p:sldMasterIdLst>
-    <p:sldMasterId id="2147483648" r:id="rId1"/>
+    <p:sldMasterId id="2147483684" r:id="rId1"/>
   </p:sldMasterIdLst>
   <p:sldIdLst>
     <p:sldId id="256" r:id="rId2"/>
@@ -122,7 +122,7 @@
 </file>
 
 <file path=ppt/slideLayouts/slideLayout1.xml><?xml version="1.0" encoding="utf-8"?>
-<p:sldLayout xmlns:a="http://schemas.openxmlformats.org/drawingml/2006/main" xmlns:r="http://schemas.openxmlformats.org/officeDocument/2006/relationships" xmlns:p="http://schemas.openxmlformats.org/presentationml/2006/main" type="title" preserve="1">
+<p:sldLayout xmlns:a="http://schemas.openxmlformats.org/drawingml/2006/main" xmlns:r="http://schemas.openxmlformats.org/officeDocument/2006/relationships" xmlns:p="http://schemas.openxmlformats.org/presentationml/2006/main" showMasterSp="0" type="title" preserve="1">
   <p:cSld name="Title Slide">
     <p:spTree>
       <p:nvGrpSpPr>
@@ -140,50 +140,305 @@
       </p:grpSpPr>
       <p:sp>
         <p:nvSpPr>
-          <p:cNvPr id="2" name="Title 1">
-            <a:extLst>
-              <a:ext uri="{FF2B5EF4-FFF2-40B4-BE49-F238E27FC236}">
-                <a16:creationId xmlns:a16="http://schemas.microsoft.com/office/drawing/2014/main" id="{2DA51F79-2C92-43BE-880B-2F16EFA5946A}"/>
-              </a:ext>
-            </a:extLst>
-          </p:cNvPr>
-          <p:cNvSpPr>
-            <a:spLocks noGrp="1"/>
-          </p:cNvSpPr>
-          <p:nvPr>
-            <p:ph type="ctrTitle"/>
-          </p:nvPr>
+          <p:cNvPr id="7" name="Rectangle 6"/>
+          <p:cNvSpPr/>
+          <p:nvPr/>
         </p:nvSpPr>
         <p:spPr>
           <a:xfrm>
-            <a:off x="1524000" y="1122363"/>
-            <a:ext cx="9144000" cy="2387600"/>
+            <a:off x="920834" y="1346946"/>
+            <a:ext cx="10222992" cy="80683"/>
+          </a:xfrm>
+          <a:prstGeom prst="rect">
+            <a:avLst/>
+          </a:prstGeom>
+          <a:blipFill dpi="0" rotWithShape="1">
+            <a:blip r:embed="rId2">
+              <a:alphaModFix amt="85000"/>
+              <a:lum bright="70000" contrast="-70000"/>
+              <a:extLst>
+                <a:ext uri="{BEBA8EAE-BF5A-486C-A8C5-ECC9F3942E4B}">
+                  <a14:imgProps xmlns:a14="http://schemas.microsoft.com/office/drawing/2010/main">
+                    <a14:imgLayer r:embed="rId3">
+                      <a14:imgEffect>
+                        <a14:sharpenSoften amount="61000"/>
+                      </a14:imgEffect>
+                    </a14:imgLayer>
+                  </a14:imgProps>
+                </a:ext>
+                <a:ext uri="{28A0092B-C50C-407E-A947-70E740481C1C}">
+                  <a14:useLocalDpi xmlns:a14="http://schemas.microsoft.com/office/drawing/2010/main" val="0"/>
+                </a:ext>
+              </a:extLst>
+            </a:blip>
+            <a:srcRect/>
+            <a:tile tx="0" ty="-762000" sx="92000" sy="89000" flip="xy" algn="ctr"/>
+          </a:blipFill>
+          <a:ln>
+            <a:noFill/>
+          </a:ln>
+        </p:spPr>
+        <p:style>
+          <a:lnRef idx="2">
+            <a:schemeClr val="accent1">
+              <a:shade val="50000"/>
+            </a:schemeClr>
+          </a:lnRef>
+          <a:fillRef idx="1">
+            <a:schemeClr val="accent1"/>
+          </a:fillRef>
+          <a:effectRef idx="0">
+            <a:schemeClr val="accent1"/>
+          </a:effectRef>
+          <a:fontRef idx="minor">
+            <a:schemeClr val="lt1"/>
+          </a:fontRef>
+        </p:style>
+      </p:sp>
+      <p:sp>
+        <p:nvSpPr>
+          <p:cNvPr id="8" name="Rectangle 7"/>
+          <p:cNvSpPr/>
+          <p:nvPr/>
+        </p:nvSpPr>
+        <p:spPr>
+          <a:xfrm>
+            <a:off x="920834" y="4299696"/>
+            <a:ext cx="10222992" cy="80683"/>
+          </a:xfrm>
+          <a:prstGeom prst="rect">
+            <a:avLst/>
+          </a:prstGeom>
+          <a:blipFill dpi="0" rotWithShape="1">
+            <a:blip r:embed="rId2">
+              <a:alphaModFix amt="85000"/>
+              <a:lum bright="70000" contrast="-70000"/>
+              <a:extLst>
+                <a:ext uri="{BEBA8EAE-BF5A-486C-A8C5-ECC9F3942E4B}">
+                  <a14:imgProps xmlns:a14="http://schemas.microsoft.com/office/drawing/2010/main">
+                    <a14:imgLayer r:embed="rId3">
+                      <a14:imgEffect>
+                        <a14:sharpenSoften amount="61000"/>
+                      </a14:imgEffect>
+                    </a14:imgLayer>
+                  </a14:imgProps>
+                </a:ext>
+                <a:ext uri="{28A0092B-C50C-407E-A947-70E740481C1C}">
+                  <a14:useLocalDpi xmlns:a14="http://schemas.microsoft.com/office/drawing/2010/main" val="0"/>
+                </a:ext>
+              </a:extLst>
+            </a:blip>
+            <a:srcRect/>
+            <a:tile tx="0" ty="-717550" sx="92000" sy="89000" flip="xy" algn="ctr"/>
+          </a:blipFill>
+          <a:ln>
+            <a:noFill/>
+          </a:ln>
+        </p:spPr>
+        <p:style>
+          <a:lnRef idx="2">
+            <a:schemeClr val="accent1">
+              <a:shade val="50000"/>
+            </a:schemeClr>
+          </a:lnRef>
+          <a:fillRef idx="1">
+            <a:schemeClr val="accent1"/>
+          </a:fillRef>
+          <a:effectRef idx="0">
+            <a:schemeClr val="accent1"/>
+          </a:effectRef>
+          <a:fontRef idx="minor">
+            <a:schemeClr val="lt1"/>
+          </a:fontRef>
+        </p:style>
+      </p:sp>
+      <p:sp>
+        <p:nvSpPr>
+          <p:cNvPr id="9" name="Rectangle 8"/>
+          <p:cNvSpPr/>
+          <p:nvPr/>
+        </p:nvSpPr>
+        <p:spPr>
+          <a:xfrm>
+            <a:off x="920834" y="1484779"/>
+            <a:ext cx="10222992" cy="2743200"/>
+          </a:xfrm>
+          <a:prstGeom prst="rect">
+            <a:avLst/>
+          </a:prstGeom>
+          <a:blipFill dpi="0" rotWithShape="1">
+            <a:blip r:embed="rId2">
+              <a:alphaModFix amt="85000"/>
+              <a:lum bright="70000" contrast="-70000"/>
+              <a:extLst>
+                <a:ext uri="{BEBA8EAE-BF5A-486C-A8C5-ECC9F3942E4B}">
+                  <a14:imgProps xmlns:a14="http://schemas.microsoft.com/office/drawing/2010/main">
+                    <a14:imgLayer r:embed="rId3">
+                      <a14:imgEffect>
+                        <a14:sharpenSoften amount="61000"/>
+                      </a14:imgEffect>
+                    </a14:imgLayer>
+                  </a14:imgProps>
+                </a:ext>
+                <a:ext uri="{28A0092B-C50C-407E-A947-70E740481C1C}">
+                  <a14:useLocalDpi xmlns:a14="http://schemas.microsoft.com/office/drawing/2010/main" val="0"/>
+                </a:ext>
+              </a:extLst>
+            </a:blip>
+            <a:srcRect/>
+            <a:tile tx="0" ty="-704850" sx="92000" sy="89000" flip="xy" algn="ctr"/>
+          </a:blipFill>
+          <a:ln>
+            <a:noFill/>
+          </a:ln>
+        </p:spPr>
+        <p:style>
+          <a:lnRef idx="2">
+            <a:schemeClr val="accent1">
+              <a:shade val="50000"/>
+            </a:schemeClr>
+          </a:lnRef>
+          <a:fillRef idx="1">
+            <a:schemeClr val="accent1"/>
+          </a:fillRef>
+          <a:effectRef idx="0">
+            <a:schemeClr val="accent1"/>
+          </a:effectRef>
+          <a:fontRef idx="minor">
+            <a:schemeClr val="lt1"/>
+          </a:fontRef>
+        </p:style>
+      </p:sp>
+      <p:grpSp>
+        <p:nvGrpSpPr>
+          <p:cNvPr id="10" name="Group 9"/>
+          <p:cNvGrpSpPr/>
+          <p:nvPr/>
+        </p:nvGrpSpPr>
+        <p:grpSpPr>
+          <a:xfrm>
+            <a:off x="9649215" y="4068923"/>
+            <a:ext cx="1080904" cy="1080902"/>
+            <a:chOff x="9685338" y="4460675"/>
+            <a:chExt cx="1080904" cy="1080902"/>
+          </a:xfrm>
+        </p:grpSpPr>
+        <p:sp>
+          <p:nvSpPr>
+            <p:cNvPr id="11" name="Oval 10"/>
+            <p:cNvSpPr/>
+            <p:nvPr/>
+          </p:nvSpPr>
+          <p:spPr>
+            <a:xfrm>
+              <a:off x="9685338" y="4460675"/>
+              <a:ext cx="1080904" cy="1080902"/>
+            </a:xfrm>
+            <a:prstGeom prst="ellipse">
+              <a:avLst/>
+            </a:prstGeom>
+            <a:blipFill dpi="0" rotWithShape="1">
+              <a:blip r:embed="rId4">
+                <a:duotone>
+                  <a:schemeClr val="accent1">
+                    <a:shade val="45000"/>
+                    <a:satMod val="135000"/>
+                  </a:schemeClr>
+                  <a:prstClr val="white"/>
+                </a:duotone>
+                <a:extLst>
+                  <a:ext uri="{BEBA8EAE-BF5A-486C-A8C5-ECC9F3942E4B}">
+                    <a14:imgProps xmlns:a14="http://schemas.microsoft.com/office/drawing/2010/main">
+                      <a14:imgLayer r:embed="rId5">
+                        <a14:imgEffect>
+                          <a14:saturation sat="95000"/>
+                        </a14:imgEffect>
+                      </a14:imgLayer>
+                    </a14:imgProps>
+                  </a:ext>
+                </a:extLst>
+              </a:blip>
+              <a:srcRect/>
+              <a:tile tx="0" ty="0" sx="85000" sy="85000" flip="none" algn="tl"/>
+            </a:blipFill>
+            <a:ln w="25400" cap="flat" cmpd="sng" algn="ctr">
+              <a:noFill/>
+              <a:prstDash val="solid"/>
+            </a:ln>
+            <a:effectLst/>
+          </p:spPr>
+        </p:sp>
+        <p:sp>
+          <p:nvSpPr>
+            <p:cNvPr id="12" name="Oval 11"/>
+            <p:cNvSpPr/>
+            <p:nvPr/>
+          </p:nvSpPr>
+          <p:spPr>
+            <a:xfrm>
+              <a:off x="9793429" y="4568765"/>
+              <a:ext cx="864723" cy="864722"/>
+            </a:xfrm>
+            <a:prstGeom prst="ellipse">
+              <a:avLst/>
+            </a:prstGeom>
+            <a:noFill/>
+            <a:ln w="25400" cap="flat" cmpd="sng" algn="ctr">
+              <a:solidFill>
+                <a:sysClr val="window" lastClr="FFFFFF"/>
+              </a:solidFill>
+              <a:prstDash val="solid"/>
+            </a:ln>
+            <a:effectLst/>
+          </p:spPr>
+        </p:sp>
+      </p:grpSp>
+      <p:sp>
+        <p:nvSpPr>
+          <p:cNvPr id="2" name="Title 1"/>
+          <p:cNvSpPr>
+            <a:spLocks noGrp="1"/>
+          </p:cNvSpPr>
+          <p:nvPr>
+            <p:ph type="ctrTitle"/>
+          </p:nvPr>
+        </p:nvSpPr>
+        <p:spPr>
+          <a:xfrm>
+            <a:off x="1051560" y="1432223"/>
+            <a:ext cx="9966960" cy="3035808"/>
           </a:xfrm>
         </p:spPr>
         <p:txBody>
-          <a:bodyPr anchor="b"/>
+          <a:bodyPr anchor="ctr">
+            <a:noAutofit/>
+          </a:bodyPr>
           <a:lstStyle>
-            <a:lvl1pPr algn="ctr">
-              <a:defRPr sz="6000"/>
+            <a:lvl1pPr algn="l">
+              <a:lnSpc>
+                <a:spcPct val="80000"/>
+              </a:lnSpc>
+              <a:defRPr sz="9600" cap="all" baseline="0">
+                <a:blipFill dpi="0" rotWithShape="1">
+                  <a:blip r:embed="rId4"/>
+                  <a:srcRect/>
+                  <a:tile tx="6350" ty="-127000" sx="65000" sy="64000" flip="none" algn="tl"/>
+                </a:blipFill>
+              </a:defRPr>
             </a:lvl1pPr>
           </a:lstStyle>
           <a:p>
             <a:r>
-              <a:rPr lang="en-US"/>
+              <a:rPr lang="en-US" smtClean="0"/>
               <a:t>Click to edit Master title style</a:t>
             </a:r>
-          </a:p>
-        </p:txBody>
-      </p:sp>
-      <p:sp>
-        <p:nvSpPr>
-          <p:cNvPr id="3" name="Subtitle 2">
-            <a:extLst>
-              <a:ext uri="{FF2B5EF4-FFF2-40B4-BE49-F238E27FC236}">
-                <a16:creationId xmlns:a16="http://schemas.microsoft.com/office/drawing/2014/main" id="{CF750E60-74CA-4E91-9DF2-90A715B8588B}"/>
-              </a:ext>
-            </a:extLst>
-          </p:cNvPr>
+            <a:endParaRPr lang="en-US" dirty="0"/>
+          </a:p>
+        </p:txBody>
+      </p:sp>
+      <p:sp>
+        <p:nvSpPr>
+          <p:cNvPr id="3" name="Subtitle 2"/>
           <p:cNvSpPr>
             <a:spLocks noGrp="1"/>
           </p:cNvSpPr>
@@ -193,67 +448,68 @@
         </p:nvSpPr>
         <p:spPr>
           <a:xfrm>
-            <a:off x="1524000" y="3602038"/>
-            <a:ext cx="9144000" cy="1655762"/>
+            <a:off x="1069848" y="4389120"/>
+            <a:ext cx="7891272" cy="1069848"/>
           </a:xfrm>
         </p:spPr>
         <p:txBody>
-          <a:bodyPr/>
+          <a:bodyPr>
+            <a:normAutofit/>
+          </a:bodyPr>
           <a:lstStyle>
-            <a:lvl1pPr marL="0" indent="0" algn="ctr">
+            <a:lvl1pPr marL="0" indent="0" algn="l">
               <a:buNone/>
-              <a:defRPr sz="2400"/>
+              <a:defRPr sz="2200">
+                <a:solidFill>
+                  <a:schemeClr val="tx1"/>
+                </a:solidFill>
+              </a:defRPr>
             </a:lvl1pPr>
             <a:lvl2pPr marL="457200" indent="0" algn="ctr">
               <a:buNone/>
-              <a:defRPr sz="2000"/>
+              <a:defRPr sz="2200"/>
             </a:lvl2pPr>
             <a:lvl3pPr marL="914400" indent="0" algn="ctr">
               <a:buNone/>
-              <a:defRPr sz="1800"/>
+              <a:defRPr sz="2200"/>
             </a:lvl3pPr>
             <a:lvl4pPr marL="1371600" indent="0" algn="ctr">
               <a:buNone/>
-              <a:defRPr sz="1600"/>
+              <a:defRPr sz="2000"/>
             </a:lvl4pPr>
             <a:lvl5pPr marL="1828800" indent="0" algn="ctr">
               <a:buNone/>
-              <a:defRPr sz="1600"/>
+              <a:defRPr sz="2000"/>
             </a:lvl5pPr>
             <a:lvl6pPr marL="2286000" indent="0" algn="ctr">
               <a:buNone/>
-              <a:defRPr sz="1600"/>
+              <a:defRPr sz="2000"/>
             </a:lvl6pPr>
             <a:lvl7pPr marL="2743200" indent="0" algn="ctr">
               <a:buNone/>
-              <a:defRPr sz="1600"/>
+              <a:defRPr sz="2000"/>
             </a:lvl7pPr>
             <a:lvl8pPr marL="3200400" indent="0" algn="ctr">
               <a:buNone/>
-              <a:defRPr sz="1600"/>
+              <a:defRPr sz="2000"/>
             </a:lvl8pPr>
             <a:lvl9pPr marL="3657600" indent="0" algn="ctr">
               <a:buNone/>
-              <a:defRPr sz="1600"/>
+              <a:defRPr sz="2000"/>
             </a:lvl9pPr>
           </a:lstStyle>
           <a:p>
             <a:r>
-              <a:rPr lang="en-US"/>
+              <a:rPr lang="en-US" smtClean="0"/>
               <a:t>Click to edit Master subtitle style</a:t>
             </a:r>
-          </a:p>
-        </p:txBody>
-      </p:sp>
-      <p:sp>
-        <p:nvSpPr>
-          <p:cNvPr id="4" name="Date Placeholder 3">
-            <a:extLst>
-              <a:ext uri="{FF2B5EF4-FFF2-40B4-BE49-F238E27FC236}">
-                <a16:creationId xmlns:a16="http://schemas.microsoft.com/office/drawing/2014/main" id="{56A9E7A4-8F9A-41BA-86F2-A4A435A82C4E}"/>
-              </a:ext>
-            </a:extLst>
-          </p:cNvPr>
+            <a:endParaRPr lang="en-US" dirty="0"/>
+          </a:p>
+        </p:txBody>
+      </p:sp>
+      <p:sp>
+        <p:nvSpPr>
+          <p:cNvPr id="4" name="Date Placeholder 3"/>
           <p:cNvSpPr>
             <a:spLocks noGrp="1"/>
           </p:cNvSpPr>
@@ -276,13 +532,7 @@
       </p:sp>
       <p:sp>
         <p:nvSpPr>
-          <p:cNvPr id="5" name="Footer Placeholder 4">
-            <a:extLst>
-              <a:ext uri="{FF2B5EF4-FFF2-40B4-BE49-F238E27FC236}">
-                <a16:creationId xmlns:a16="http://schemas.microsoft.com/office/drawing/2014/main" id="{DA471A75-3230-4348-8A5F-C877EF52BF5E}"/>
-              </a:ext>
-            </a:extLst>
-          </p:cNvPr>
+          <p:cNvPr id="5" name="Footer Placeholder 4"/>
           <p:cNvSpPr>
             <a:spLocks noGrp="1"/>
           </p:cNvSpPr>
@@ -301,13 +551,7 @@
       </p:sp>
       <p:sp>
         <p:nvSpPr>
-          <p:cNvPr id="6" name="Slide Number Placeholder 5">
-            <a:extLst>
-              <a:ext uri="{FF2B5EF4-FFF2-40B4-BE49-F238E27FC236}">
-                <a16:creationId xmlns:a16="http://schemas.microsoft.com/office/drawing/2014/main" id="{A3C8685A-642F-4CF5-A573-7A3803553887}"/>
-              </a:ext>
-            </a:extLst>
-          </p:cNvPr>
+          <p:cNvPr id="6" name="Slide Number Placeholder 5"/>
           <p:cNvSpPr>
             <a:spLocks noGrp="1"/>
           </p:cNvSpPr>
@@ -315,10 +559,19 @@
             <p:ph type="sldNum" sz="quarter" idx="12"/>
           </p:nvPr>
         </p:nvSpPr>
-        <p:spPr/>
+        <p:spPr>
+          <a:xfrm>
+            <a:off x="9592733" y="4289334"/>
+            <a:ext cx="1193868" cy="640080"/>
+          </a:xfrm>
+        </p:spPr>
         <p:txBody>
           <a:bodyPr/>
-          <a:lstStyle/>
+          <a:lstStyle>
+            <a:lvl1pPr>
+              <a:defRPr sz="2800"/>
+            </a:lvl1pPr>
+          </a:lstStyle>
           <a:p>
             <a:fld id="{3851292C-9960-40AC-8B4C-BFC394C94A5B}" type="slidenum">
               <a:rPr lang="en-US" smtClean="0"/>
@@ -331,7 +584,7 @@
     </p:spTree>
     <p:extLst>
       <p:ext uri="{BB962C8B-B14F-4D97-AF65-F5344CB8AC3E}">
-        <p14:creationId xmlns:p14="http://schemas.microsoft.com/office/powerpoint/2010/main" val="1880793334"/>
+        <p14:creationId xmlns:p14="http://schemas.microsoft.com/office/powerpoint/2010/main" val="1174213202"/>
       </p:ext>
     </p:extLst>
   </p:cSld>
@@ -360,13 +613,7 @@
       </p:grpSpPr>
       <p:sp>
         <p:nvSpPr>
-          <p:cNvPr id="2" name="Title 1">
-            <a:extLst>
-              <a:ext uri="{FF2B5EF4-FFF2-40B4-BE49-F238E27FC236}">
-                <a16:creationId xmlns:a16="http://schemas.microsoft.com/office/drawing/2014/main" id="{6C63BD79-C064-41BE-9002-A696BE22BF94}"/>
-              </a:ext>
-            </a:extLst>
-          </p:cNvPr>
+          <p:cNvPr id="2" name="Title 1"/>
           <p:cNvSpPr>
             <a:spLocks noGrp="1"/>
           </p:cNvSpPr>
@@ -380,21 +627,16 @@
           <a:lstStyle/>
           <a:p>
             <a:r>
-              <a:rPr lang="en-US"/>
+              <a:rPr lang="en-US" smtClean="0"/>
               <a:t>Click to edit Master title style</a:t>
             </a:r>
-          </a:p>
-        </p:txBody>
-      </p:sp>
-      <p:sp>
-        <p:nvSpPr>
-          <p:cNvPr id="3" name="Vertical Text Placeholder 2">
-            <a:extLst>
-              <a:ext uri="{FF2B5EF4-FFF2-40B4-BE49-F238E27FC236}">
-                <a16:creationId xmlns:a16="http://schemas.microsoft.com/office/drawing/2014/main" id="{0A33C50F-B9C0-4E5E-82A8-98A1825720FF}"/>
-              </a:ext>
-            </a:extLst>
-          </p:cNvPr>
+            <a:endParaRPr lang="en-US" dirty="0"/>
+          </a:p>
+        </p:txBody>
+      </p:sp>
+      <p:sp>
+        <p:nvSpPr>
+          <p:cNvPr id="3" name="Vertical Text Placeholder 2"/>
           <p:cNvSpPr>
             <a:spLocks noGrp="1"/>
           </p:cNvSpPr>
@@ -409,49 +651,44 @@
           <a:p>
             <a:pPr lvl="0"/>
             <a:r>
-              <a:rPr lang="en-US"/>
+              <a:rPr lang="en-US" smtClean="0"/>
               <a:t>Click to edit Master text styles</a:t>
             </a:r>
           </a:p>
           <a:p>
             <a:pPr lvl="1"/>
             <a:r>
-              <a:rPr lang="en-US"/>
+              <a:rPr lang="en-US" smtClean="0"/>
               <a:t>Second level</a:t>
             </a:r>
           </a:p>
           <a:p>
             <a:pPr lvl="2"/>
             <a:r>
-              <a:rPr lang="en-US"/>
+              <a:rPr lang="en-US" smtClean="0"/>
               <a:t>Third level</a:t>
             </a:r>
           </a:p>
           <a:p>
             <a:pPr lvl="3"/>
             <a:r>
-              <a:rPr lang="en-US"/>
+              <a:rPr lang="en-US" smtClean="0"/>
               <a:t>Fourth level</a:t>
             </a:r>
           </a:p>
           <a:p>
             <a:pPr lvl="4"/>
             <a:r>
-              <a:rPr lang="en-US"/>
+              <a:rPr lang="en-US" smtClean="0"/>
               <a:t>Fifth level</a:t>
             </a:r>
-          </a:p>
-        </p:txBody>
-      </p:sp>
-      <p:sp>
-        <p:nvSpPr>
-          <p:cNvPr id="4" name="Date Placeholder 3">
-            <a:extLst>
-              <a:ext uri="{FF2B5EF4-FFF2-40B4-BE49-F238E27FC236}">
-                <a16:creationId xmlns:a16="http://schemas.microsoft.com/office/drawing/2014/main" id="{5C979743-C9A7-439B-93D8-43FE77C371B6}"/>
-              </a:ext>
-            </a:extLst>
-          </p:cNvPr>
+            <a:endParaRPr lang="en-US" dirty="0"/>
+          </a:p>
+        </p:txBody>
+      </p:sp>
+      <p:sp>
+        <p:nvSpPr>
+          <p:cNvPr id="4" name="Date Placeholder 3"/>
           <p:cNvSpPr>
             <a:spLocks noGrp="1"/>
           </p:cNvSpPr>
@@ -474,13 +711,7 @@
       </p:sp>
       <p:sp>
         <p:nvSpPr>
-          <p:cNvPr id="5" name="Footer Placeholder 4">
-            <a:extLst>
-              <a:ext uri="{FF2B5EF4-FFF2-40B4-BE49-F238E27FC236}">
-                <a16:creationId xmlns:a16="http://schemas.microsoft.com/office/drawing/2014/main" id="{9AA06EB3-3E4A-4528-8FB1-14CCD94946B2}"/>
-              </a:ext>
-            </a:extLst>
-          </p:cNvPr>
+          <p:cNvPr id="5" name="Footer Placeholder 4"/>
           <p:cNvSpPr>
             <a:spLocks noGrp="1"/>
           </p:cNvSpPr>
@@ -499,13 +730,7 @@
       </p:sp>
       <p:sp>
         <p:nvSpPr>
-          <p:cNvPr id="6" name="Slide Number Placeholder 5">
-            <a:extLst>
-              <a:ext uri="{FF2B5EF4-FFF2-40B4-BE49-F238E27FC236}">
-                <a16:creationId xmlns:a16="http://schemas.microsoft.com/office/drawing/2014/main" id="{8374144F-EFA6-40D4-BCDD-5DBFADEADF04}"/>
-              </a:ext>
-            </a:extLst>
-          </p:cNvPr>
+          <p:cNvPr id="6" name="Slide Number Placeholder 5"/>
           <p:cNvSpPr>
             <a:spLocks noGrp="1"/>
           </p:cNvSpPr>
@@ -529,7 +754,7 @@
     </p:spTree>
     <p:extLst>
       <p:ext uri="{BB962C8B-B14F-4D97-AF65-F5344CB8AC3E}">
-        <p14:creationId xmlns:p14="http://schemas.microsoft.com/office/powerpoint/2010/main" val="2173399608"/>
+        <p14:creationId xmlns:p14="http://schemas.microsoft.com/office/powerpoint/2010/main" val="3919661925"/>
       </p:ext>
     </p:extLst>
   </p:cSld>
@@ -558,13 +783,7 @@
       </p:grpSpPr>
       <p:sp>
         <p:nvSpPr>
-          <p:cNvPr id="2" name="Vertical Title 1">
-            <a:extLst>
-              <a:ext uri="{FF2B5EF4-FFF2-40B4-BE49-F238E27FC236}">
-                <a16:creationId xmlns:a16="http://schemas.microsoft.com/office/drawing/2014/main" id="{C5E4DE27-F17C-4F22-8FB4-A70B9F38DDE7}"/>
-              </a:ext>
-            </a:extLst>
-          </p:cNvPr>
+          <p:cNvPr id="2" name="Vertical Title 1"/>
           <p:cNvSpPr>
             <a:spLocks noGrp="1"/>
           </p:cNvSpPr>
@@ -574,8 +793,8 @@
         </p:nvSpPr>
         <p:spPr>
           <a:xfrm>
-            <a:off x="8724900" y="365125"/>
-            <a:ext cx="2628900" cy="5811838"/>
+            <a:off x="8724900" y="533400"/>
+            <a:ext cx="2552700" cy="5638800"/>
           </a:xfrm>
         </p:spPr>
         <p:txBody>
@@ -583,21 +802,16 @@
           <a:lstStyle/>
           <a:p>
             <a:r>
-              <a:rPr lang="en-US"/>
+              <a:rPr lang="en-US" smtClean="0"/>
               <a:t>Click to edit Master title style</a:t>
             </a:r>
-          </a:p>
-        </p:txBody>
-      </p:sp>
-      <p:sp>
-        <p:nvSpPr>
-          <p:cNvPr id="3" name="Vertical Text Placeholder 2">
-            <a:extLst>
-              <a:ext uri="{FF2B5EF4-FFF2-40B4-BE49-F238E27FC236}">
-                <a16:creationId xmlns:a16="http://schemas.microsoft.com/office/drawing/2014/main" id="{C2BF10CC-C9B3-4195-9605-C3A306BC0090}"/>
-              </a:ext>
-            </a:extLst>
-          </p:cNvPr>
+            <a:endParaRPr lang="en-US" dirty="0"/>
+          </a:p>
+        </p:txBody>
+      </p:sp>
+      <p:sp>
+        <p:nvSpPr>
+          <p:cNvPr id="3" name="Vertical Text Placeholder 2"/>
           <p:cNvSpPr>
             <a:spLocks noGrp="1"/>
           </p:cNvSpPr>
@@ -607,8 +821,8 @@
         </p:nvSpPr>
         <p:spPr>
           <a:xfrm>
-            <a:off x="838200" y="365125"/>
-            <a:ext cx="7734300" cy="5811838"/>
+            <a:off x="1066800" y="533400"/>
+            <a:ext cx="7505700" cy="5638800"/>
           </a:xfrm>
         </p:spPr>
         <p:txBody>
@@ -617,49 +831,44 @@
           <a:p>
             <a:pPr lvl="0"/>
             <a:r>
-              <a:rPr lang="en-US"/>
+              <a:rPr lang="en-US" smtClean="0"/>
               <a:t>Click to edit Master text styles</a:t>
             </a:r>
           </a:p>
           <a:p>
             <a:pPr lvl="1"/>
             <a:r>
-              <a:rPr lang="en-US"/>
+              <a:rPr lang="en-US" smtClean="0"/>
               <a:t>Second level</a:t>
             </a:r>
           </a:p>
           <a:p>
             <a:pPr lvl="2"/>
             <a:r>
-              <a:rPr lang="en-US"/>
+              <a:rPr lang="en-US" smtClean="0"/>
               <a:t>Third level</a:t>
             </a:r>
           </a:p>
           <a:p>
             <a:pPr lvl="3"/>
             <a:r>
-              <a:rPr lang="en-US"/>
+              <a:rPr lang="en-US" smtClean="0"/>
               <a:t>Fourth level</a:t>
             </a:r>
           </a:p>
           <a:p>
             <a:pPr lvl="4"/>
             <a:r>
-              <a:rPr lang="en-US"/>
+              <a:rPr lang="en-US" smtClean="0"/>
               <a:t>Fifth level</a:t>
             </a:r>
-          </a:p>
-        </p:txBody>
-      </p:sp>
-      <p:sp>
-        <p:nvSpPr>
-          <p:cNvPr id="4" name="Date Placeholder 3">
-            <a:extLst>
-              <a:ext uri="{FF2B5EF4-FFF2-40B4-BE49-F238E27FC236}">
-                <a16:creationId xmlns:a16="http://schemas.microsoft.com/office/drawing/2014/main" id="{5B9B9552-BCF4-4F77-9530-96BC562FED51}"/>
-              </a:ext>
-            </a:extLst>
-          </p:cNvPr>
+            <a:endParaRPr lang="en-US" dirty="0"/>
+          </a:p>
+        </p:txBody>
+      </p:sp>
+      <p:sp>
+        <p:nvSpPr>
+          <p:cNvPr id="4" name="Date Placeholder 3"/>
           <p:cNvSpPr>
             <a:spLocks noGrp="1"/>
           </p:cNvSpPr>
@@ -682,13 +891,7 @@
       </p:sp>
       <p:sp>
         <p:nvSpPr>
-          <p:cNvPr id="5" name="Footer Placeholder 4">
-            <a:extLst>
-              <a:ext uri="{FF2B5EF4-FFF2-40B4-BE49-F238E27FC236}">
-                <a16:creationId xmlns:a16="http://schemas.microsoft.com/office/drawing/2014/main" id="{46B1854C-9507-4D11-BADC-907EFAA248FA}"/>
-              </a:ext>
-            </a:extLst>
-          </p:cNvPr>
+          <p:cNvPr id="5" name="Footer Placeholder 4"/>
           <p:cNvSpPr>
             <a:spLocks noGrp="1"/>
           </p:cNvSpPr>
@@ -707,13 +910,7 @@
       </p:sp>
       <p:sp>
         <p:nvSpPr>
-          <p:cNvPr id="6" name="Slide Number Placeholder 5">
-            <a:extLst>
-              <a:ext uri="{FF2B5EF4-FFF2-40B4-BE49-F238E27FC236}">
-                <a16:creationId xmlns:a16="http://schemas.microsoft.com/office/drawing/2014/main" id="{4EBECCE7-9A16-4965-B27A-5F4A6ADB6472}"/>
-              </a:ext>
-            </a:extLst>
-          </p:cNvPr>
+          <p:cNvPr id="6" name="Slide Number Placeholder 5"/>
           <p:cNvSpPr>
             <a:spLocks noGrp="1"/>
           </p:cNvSpPr>
@@ -737,7 +934,7 @@
     </p:spTree>
     <p:extLst>
       <p:ext uri="{BB962C8B-B14F-4D97-AF65-F5344CB8AC3E}">
-        <p14:creationId xmlns:p14="http://schemas.microsoft.com/office/powerpoint/2010/main" val="1344251126"/>
+        <p14:creationId xmlns:p14="http://schemas.microsoft.com/office/powerpoint/2010/main" val="4156653963"/>
       </p:ext>
     </p:extLst>
   </p:cSld>
@@ -766,13 +963,7 @@
       </p:grpSpPr>
       <p:sp>
         <p:nvSpPr>
-          <p:cNvPr id="2" name="Title 1">
-            <a:extLst>
-              <a:ext uri="{FF2B5EF4-FFF2-40B4-BE49-F238E27FC236}">
-                <a16:creationId xmlns:a16="http://schemas.microsoft.com/office/drawing/2014/main" id="{CFCE1AD2-18F2-4D73-BE3E-04AC64BE04DC}"/>
-              </a:ext>
-            </a:extLst>
-          </p:cNvPr>
+          <p:cNvPr id="2" name="Title 1"/>
           <p:cNvSpPr>
             <a:spLocks noGrp="1"/>
           </p:cNvSpPr>
@@ -786,21 +977,16 @@
           <a:lstStyle/>
           <a:p>
             <a:r>
-              <a:rPr lang="en-US"/>
+              <a:rPr lang="en-US" smtClean="0"/>
               <a:t>Click to edit Master title style</a:t>
             </a:r>
-          </a:p>
-        </p:txBody>
-      </p:sp>
-      <p:sp>
-        <p:nvSpPr>
-          <p:cNvPr id="3" name="Content Placeholder 2">
-            <a:extLst>
-              <a:ext uri="{FF2B5EF4-FFF2-40B4-BE49-F238E27FC236}">
-                <a16:creationId xmlns:a16="http://schemas.microsoft.com/office/drawing/2014/main" id="{516A1669-F85E-4651-B491-DEBE8EEAEE4E}"/>
-              </a:ext>
-            </a:extLst>
-          </p:cNvPr>
+            <a:endParaRPr lang="en-US" dirty="0"/>
+          </a:p>
+        </p:txBody>
+      </p:sp>
+      <p:sp>
+        <p:nvSpPr>
+          <p:cNvPr id="3" name="Content Placeholder 2"/>
           <p:cNvSpPr>
             <a:spLocks noGrp="1"/>
           </p:cNvSpPr>
@@ -815,49 +1001,44 @@
           <a:p>
             <a:pPr lvl="0"/>
             <a:r>
-              <a:rPr lang="en-US"/>
+              <a:rPr lang="en-US" smtClean="0"/>
               <a:t>Click to edit Master text styles</a:t>
             </a:r>
           </a:p>
           <a:p>
             <a:pPr lvl="1"/>
             <a:r>
-              <a:rPr lang="en-US"/>
+              <a:rPr lang="en-US" smtClean="0"/>
               <a:t>Second level</a:t>
             </a:r>
           </a:p>
           <a:p>
             <a:pPr lvl="2"/>
             <a:r>
-              <a:rPr lang="en-US"/>
+              <a:rPr lang="en-US" smtClean="0"/>
               <a:t>Third level</a:t>
             </a:r>
           </a:p>
           <a:p>
             <a:pPr lvl="3"/>
             <a:r>
-              <a:rPr lang="en-US"/>
+              <a:rPr lang="en-US" smtClean="0"/>
               <a:t>Fourth level</a:t>
             </a:r>
           </a:p>
           <a:p>
             <a:pPr lvl="4"/>
             <a:r>
-              <a:rPr lang="en-US"/>
+              <a:rPr lang="en-US" smtClean="0"/>
               <a:t>Fifth level</a:t>
             </a:r>
-          </a:p>
-        </p:txBody>
-      </p:sp>
-      <p:sp>
-        <p:nvSpPr>
-          <p:cNvPr id="4" name="Date Placeholder 3">
-            <a:extLst>
-              <a:ext uri="{FF2B5EF4-FFF2-40B4-BE49-F238E27FC236}">
-                <a16:creationId xmlns:a16="http://schemas.microsoft.com/office/drawing/2014/main" id="{78B12BEB-039C-47AC-8306-5782FBF50098}"/>
-              </a:ext>
-            </a:extLst>
-          </p:cNvPr>
+            <a:endParaRPr lang="en-US" dirty="0"/>
+          </a:p>
+        </p:txBody>
+      </p:sp>
+      <p:sp>
+        <p:nvSpPr>
+          <p:cNvPr id="4" name="Date Placeholder 3"/>
           <p:cNvSpPr>
             <a:spLocks noGrp="1"/>
           </p:cNvSpPr>
@@ -880,13 +1061,7 @@
       </p:sp>
       <p:sp>
         <p:nvSpPr>
-          <p:cNvPr id="5" name="Footer Placeholder 4">
-            <a:extLst>
-              <a:ext uri="{FF2B5EF4-FFF2-40B4-BE49-F238E27FC236}">
-                <a16:creationId xmlns:a16="http://schemas.microsoft.com/office/drawing/2014/main" id="{C097F91F-2D58-44DB-B0E4-038F554BF871}"/>
-              </a:ext>
-            </a:extLst>
-          </p:cNvPr>
+          <p:cNvPr id="5" name="Footer Placeholder 4"/>
           <p:cNvSpPr>
             <a:spLocks noGrp="1"/>
           </p:cNvSpPr>
@@ -905,13 +1080,7 @@
       </p:sp>
       <p:sp>
         <p:nvSpPr>
-          <p:cNvPr id="6" name="Slide Number Placeholder 5">
-            <a:extLst>
-              <a:ext uri="{FF2B5EF4-FFF2-40B4-BE49-F238E27FC236}">
-                <a16:creationId xmlns:a16="http://schemas.microsoft.com/office/drawing/2014/main" id="{7D7A3EF7-4679-434D-939D-AA0E65DF1EB9}"/>
-              </a:ext>
-            </a:extLst>
-          </p:cNvPr>
+          <p:cNvPr id="6" name="Slide Number Placeholder 5"/>
           <p:cNvSpPr>
             <a:spLocks noGrp="1"/>
           </p:cNvSpPr>
@@ -935,7 +1104,7 @@
     </p:spTree>
     <p:extLst>
       <p:ext uri="{BB962C8B-B14F-4D97-AF65-F5344CB8AC3E}">
-        <p14:creationId xmlns:p14="http://schemas.microsoft.com/office/powerpoint/2010/main" val="2771193371"/>
+        <p14:creationId xmlns:p14="http://schemas.microsoft.com/office/powerpoint/2010/main" val="105559243"/>
       </p:ext>
     </p:extLst>
   </p:cSld>
@@ -946,7 +1115,7 @@
 </file>
 
 <file path=ppt/slideLayouts/slideLayout3.xml><?xml version="1.0" encoding="utf-8"?>
-<p:sldLayout xmlns:a="http://schemas.openxmlformats.org/drawingml/2006/main" xmlns:r="http://schemas.openxmlformats.org/officeDocument/2006/relationships" xmlns:p="http://schemas.openxmlformats.org/presentationml/2006/main" type="secHead" preserve="1">
+<p:sldLayout xmlns:a="http://schemas.openxmlformats.org/drawingml/2006/main" xmlns:r="http://schemas.openxmlformats.org/officeDocument/2006/relationships" xmlns:p="http://schemas.openxmlformats.org/presentationml/2006/main" showMasterSp="0" type="secHead" preserve="1">
   <p:cSld name="Section Header">
     <p:spTree>
       <p:nvGrpSpPr>
@@ -964,50 +1133,101 @@
       </p:grpSpPr>
       <p:sp>
         <p:nvSpPr>
-          <p:cNvPr id="2" name="Title 1">
-            <a:extLst>
-              <a:ext uri="{FF2B5EF4-FFF2-40B4-BE49-F238E27FC236}">
-                <a16:creationId xmlns:a16="http://schemas.microsoft.com/office/drawing/2014/main" id="{A3230085-0119-48B9-B812-17C8E0486773}"/>
-              </a:ext>
-            </a:extLst>
-          </p:cNvPr>
-          <p:cNvSpPr>
-            <a:spLocks noGrp="1"/>
-          </p:cNvSpPr>
-          <p:nvPr>
-            <p:ph type="title"/>
-          </p:nvPr>
+          <p:cNvPr id="7" name="Rectangle 6"/>
+          <p:cNvSpPr/>
+          <p:nvPr/>
         </p:nvSpPr>
         <p:spPr>
           <a:xfrm>
-            <a:off x="831850" y="1709738"/>
-            <a:ext cx="10515600" cy="2852737"/>
+            <a:off x="0" y="4917989"/>
+            <a:ext cx="12192000" cy="1940010"/>
+          </a:xfrm>
+          <a:prstGeom prst="rect">
+            <a:avLst/>
+          </a:prstGeom>
+          <a:blipFill dpi="0" rotWithShape="1">
+            <a:blip r:embed="rId2">
+              <a:alphaModFix amt="85000"/>
+              <a:lum bright="70000" contrast="-70000"/>
+              <a:extLst>
+                <a:ext uri="{BEBA8EAE-BF5A-486C-A8C5-ECC9F3942E4B}">
+                  <a14:imgProps xmlns:a14="http://schemas.microsoft.com/office/drawing/2010/main">
+                    <a14:imgLayer r:embed="rId3">
+                      <a14:imgEffect>
+                        <a14:sharpenSoften amount="61000"/>
+                      </a14:imgEffect>
+                    </a14:imgLayer>
+                  </a14:imgProps>
+                </a:ext>
+                <a:ext uri="{28A0092B-C50C-407E-A947-70E740481C1C}">
+                  <a14:useLocalDpi xmlns:a14="http://schemas.microsoft.com/office/drawing/2010/main" val="0"/>
+                </a:ext>
+              </a:extLst>
+            </a:blip>
+            <a:srcRect/>
+            <a:tile tx="0" ty="-704850" sx="92000" sy="89000" flip="xy" algn="ctr"/>
+          </a:blipFill>
+          <a:ln>
+            <a:noFill/>
+          </a:ln>
+        </p:spPr>
+        <p:style>
+          <a:lnRef idx="2">
+            <a:schemeClr val="accent1">
+              <a:shade val="50000"/>
+            </a:schemeClr>
+          </a:lnRef>
+          <a:fillRef idx="1">
+            <a:schemeClr val="accent1"/>
+          </a:fillRef>
+          <a:effectRef idx="0">
+            <a:schemeClr val="accent1"/>
+          </a:effectRef>
+          <a:fontRef idx="minor">
+            <a:schemeClr val="lt1"/>
+          </a:fontRef>
+        </p:style>
+      </p:sp>
+      <p:sp>
+        <p:nvSpPr>
+          <p:cNvPr id="2" name="Title 1"/>
+          <p:cNvSpPr>
+            <a:spLocks noGrp="1"/>
+          </p:cNvSpPr>
+          <p:nvPr>
+            <p:ph type="title"/>
+          </p:nvPr>
+        </p:nvSpPr>
+        <p:spPr>
+          <a:xfrm>
+            <a:off x="2167128" y="1225296"/>
+            <a:ext cx="9281160" cy="3520440"/>
           </a:xfrm>
         </p:spPr>
         <p:txBody>
-          <a:bodyPr anchor="b"/>
+          <a:bodyPr anchor="ctr">
+            <a:normAutofit/>
+          </a:bodyPr>
           <a:lstStyle>
             <a:lvl1pPr>
-              <a:defRPr sz="6000"/>
+              <a:lnSpc>
+                <a:spcPct val="80000"/>
+              </a:lnSpc>
+              <a:defRPr sz="8000" b="0"/>
             </a:lvl1pPr>
           </a:lstStyle>
           <a:p>
             <a:r>
-              <a:rPr lang="en-US"/>
+              <a:rPr lang="en-US" smtClean="0"/>
               <a:t>Click to edit Master title style</a:t>
             </a:r>
-          </a:p>
-        </p:txBody>
-      </p:sp>
-      <p:sp>
-        <p:nvSpPr>
-          <p:cNvPr id="3" name="Text Placeholder 2">
-            <a:extLst>
-              <a:ext uri="{FF2B5EF4-FFF2-40B4-BE49-F238E27FC236}">
-                <a16:creationId xmlns:a16="http://schemas.microsoft.com/office/drawing/2014/main" id="{8D9FB3D2-5804-48EE-8487-BBBEFD5A1530}"/>
-              </a:ext>
-            </a:extLst>
-          </p:cNvPr>
+            <a:endParaRPr lang="en-US" dirty="0"/>
+          </a:p>
+        </p:txBody>
+      </p:sp>
+      <p:sp>
+        <p:nvSpPr>
+          <p:cNvPr id="3" name="Text Placeholder 2"/>
           <p:cNvSpPr>
             <a:spLocks noGrp="1"/>
           </p:cNvSpPr>
@@ -1017,26 +1237,26 @@
         </p:nvSpPr>
         <p:spPr>
           <a:xfrm>
-            <a:off x="831850" y="4589463"/>
-            <a:ext cx="10515600" cy="1500187"/>
+            <a:off x="2165774" y="5020056"/>
+            <a:ext cx="9052560" cy="1066800"/>
           </a:xfrm>
         </p:spPr>
         <p:txBody>
-          <a:bodyPr/>
+          <a:bodyPr anchor="t">
+            <a:normAutofit/>
+          </a:bodyPr>
           <a:lstStyle>
             <a:lvl1pPr marL="0" indent="0">
               <a:buNone/>
-              <a:defRPr sz="2400">
+              <a:defRPr sz="2000">
                 <a:solidFill>
-                  <a:schemeClr val="tx1">
-                    <a:tint val="75000"/>
-                  </a:schemeClr>
+                  <a:schemeClr val="tx1"/>
                 </a:solidFill>
               </a:defRPr>
             </a:lvl1pPr>
             <a:lvl2pPr marL="457200" indent="0">
               <a:buNone/>
-              <a:defRPr sz="2000">
+              <a:defRPr sz="1800">
                 <a:solidFill>
                   <a:schemeClr val="tx1">
                     <a:tint val="75000"/>
@@ -1046,7 +1266,7 @@
             </a:lvl2pPr>
             <a:lvl3pPr marL="914400" indent="0">
               <a:buNone/>
-              <a:defRPr sz="1800">
+              <a:defRPr sz="1600">
                 <a:solidFill>
                   <a:schemeClr val="tx1">
                     <a:tint val="75000"/>
@@ -1056,7 +1276,7 @@
             </a:lvl3pPr>
             <a:lvl4pPr marL="1371600" indent="0">
               <a:buNone/>
-              <a:defRPr sz="1600">
+              <a:defRPr sz="1400">
                 <a:solidFill>
                   <a:schemeClr val="tx1">
                     <a:tint val="75000"/>
@@ -1066,7 +1286,7 @@
             </a:lvl4pPr>
             <a:lvl5pPr marL="1828800" indent="0">
               <a:buNone/>
-              <a:defRPr sz="1600">
+              <a:defRPr sz="1400">
                 <a:solidFill>
                   <a:schemeClr val="tx1">
                     <a:tint val="75000"/>
@@ -1076,7 +1296,7 @@
             </a:lvl5pPr>
             <a:lvl6pPr marL="2286000" indent="0">
               <a:buNone/>
-              <a:defRPr sz="1600">
+              <a:defRPr sz="1400">
                 <a:solidFill>
                   <a:schemeClr val="tx1">
                     <a:tint val="75000"/>
@@ -1086,7 +1306,7 @@
             </a:lvl6pPr>
             <a:lvl7pPr marL="2743200" indent="0">
               <a:buNone/>
-              <a:defRPr sz="1600">
+              <a:defRPr sz="1400">
                 <a:solidFill>
                   <a:schemeClr val="tx1">
                     <a:tint val="75000"/>
@@ -1096,7 +1316,7 @@
             </a:lvl7pPr>
             <a:lvl8pPr marL="3200400" indent="0">
               <a:buNone/>
-              <a:defRPr sz="1600">
+              <a:defRPr sz="1400">
                 <a:solidFill>
                   <a:schemeClr val="tx1">
                     <a:tint val="75000"/>
@@ -1106,7 +1326,7 @@
             </a:lvl8pPr>
             <a:lvl9pPr marL="3657600" indent="0">
               <a:buNone/>
-              <a:defRPr sz="1600">
+              <a:defRPr sz="1400">
                 <a:solidFill>
                   <a:schemeClr val="tx1">
                     <a:tint val="75000"/>
@@ -1118,7 +1338,7 @@
           <a:p>
             <a:pPr lvl="0"/>
             <a:r>
-              <a:rPr lang="en-US"/>
+              <a:rPr lang="en-US" smtClean="0"/>
               <a:t>Click to edit Master text styles</a:t>
             </a:r>
           </a:p>
@@ -1126,13 +1346,7 @@
       </p:sp>
       <p:sp>
         <p:nvSpPr>
-          <p:cNvPr id="4" name="Date Placeholder 3">
-            <a:extLst>
-              <a:ext uri="{FF2B5EF4-FFF2-40B4-BE49-F238E27FC236}">
-                <a16:creationId xmlns:a16="http://schemas.microsoft.com/office/drawing/2014/main" id="{4ED7872A-47E9-4B50-B95F-AE550CA2A274}"/>
-              </a:ext>
-            </a:extLst>
-          </p:cNvPr>
+          <p:cNvPr id="4" name="Date Placeholder 3"/>
           <p:cNvSpPr>
             <a:spLocks noGrp="1"/>
           </p:cNvSpPr>
@@ -1140,7 +1354,12 @@
             <p:ph type="dt" sz="half" idx="10"/>
           </p:nvPr>
         </p:nvSpPr>
-        <p:spPr/>
+        <p:spPr>
+          <a:xfrm>
+            <a:off x="8593667" y="6272784"/>
+            <a:ext cx="2644309" cy="365125"/>
+          </a:xfrm>
+        </p:spPr>
         <p:txBody>
           <a:bodyPr/>
           <a:lstStyle/>
@@ -1155,13 +1374,7 @@
       </p:sp>
       <p:sp>
         <p:nvSpPr>
-          <p:cNvPr id="5" name="Footer Placeholder 4">
-            <a:extLst>
-              <a:ext uri="{FF2B5EF4-FFF2-40B4-BE49-F238E27FC236}">
-                <a16:creationId xmlns:a16="http://schemas.microsoft.com/office/drawing/2014/main" id="{ECBB248E-9026-47E4-B2B3-3C30C2FAC217}"/>
-              </a:ext>
-            </a:extLst>
-          </p:cNvPr>
+          <p:cNvPr id="5" name="Footer Placeholder 4"/>
           <p:cNvSpPr>
             <a:spLocks noGrp="1"/>
           </p:cNvSpPr>
@@ -1169,7 +1382,12 @@
             <p:ph type="ftr" sz="quarter" idx="11"/>
           </p:nvPr>
         </p:nvSpPr>
-        <p:spPr/>
+        <p:spPr>
+          <a:xfrm>
+            <a:off x="2182708" y="6272784"/>
+            <a:ext cx="6327648" cy="365125"/>
+          </a:xfrm>
+        </p:spPr>
         <p:txBody>
           <a:bodyPr/>
           <a:lstStyle/>
@@ -1178,15 +1396,93 @@
           </a:p>
         </p:txBody>
       </p:sp>
-      <p:sp>
-        <p:nvSpPr>
-          <p:cNvPr id="6" name="Slide Number Placeholder 5">
-            <a:extLst>
-              <a:ext uri="{FF2B5EF4-FFF2-40B4-BE49-F238E27FC236}">
-                <a16:creationId xmlns:a16="http://schemas.microsoft.com/office/drawing/2014/main" id="{A50EE57E-D3B6-46D9-8AE7-52D413937F50}"/>
-              </a:ext>
-            </a:extLst>
-          </p:cNvPr>
+      <p:grpSp>
+        <p:nvGrpSpPr>
+          <p:cNvPr id="8" name="Group 7"/>
+          <p:cNvGrpSpPr/>
+          <p:nvPr/>
+        </p:nvGrpSpPr>
+        <p:grpSpPr>
+          <a:xfrm>
+            <a:off x="897399" y="2325848"/>
+            <a:ext cx="1080904" cy="1080902"/>
+            <a:chOff x="9685338" y="4460675"/>
+            <a:chExt cx="1080904" cy="1080902"/>
+          </a:xfrm>
+        </p:grpSpPr>
+        <p:sp>
+          <p:nvSpPr>
+            <p:cNvPr id="9" name="Oval 8"/>
+            <p:cNvSpPr/>
+            <p:nvPr/>
+          </p:nvSpPr>
+          <p:spPr>
+            <a:xfrm>
+              <a:off x="9685338" y="4460675"/>
+              <a:ext cx="1080904" cy="1080902"/>
+            </a:xfrm>
+            <a:prstGeom prst="ellipse">
+              <a:avLst/>
+            </a:prstGeom>
+            <a:blipFill dpi="0" rotWithShape="1">
+              <a:blip r:embed="rId4">
+                <a:duotone>
+                  <a:schemeClr val="accent1">
+                    <a:shade val="45000"/>
+                    <a:satMod val="135000"/>
+                  </a:schemeClr>
+                  <a:prstClr val="white"/>
+                </a:duotone>
+                <a:extLst>
+                  <a:ext uri="{BEBA8EAE-BF5A-486C-A8C5-ECC9F3942E4B}">
+                    <a14:imgProps xmlns:a14="http://schemas.microsoft.com/office/drawing/2010/main">
+                      <a14:imgLayer r:embed="rId5">
+                        <a14:imgEffect>
+                          <a14:saturation sat="95000"/>
+                        </a14:imgEffect>
+                      </a14:imgLayer>
+                    </a14:imgProps>
+                  </a:ext>
+                </a:extLst>
+              </a:blip>
+              <a:srcRect/>
+              <a:tile tx="0" ty="0" sx="85000" sy="85000" flip="none" algn="tl"/>
+            </a:blipFill>
+            <a:ln w="25400" cap="flat" cmpd="sng" algn="ctr">
+              <a:noFill/>
+              <a:prstDash val="solid"/>
+            </a:ln>
+            <a:effectLst/>
+          </p:spPr>
+        </p:sp>
+        <p:sp>
+          <p:nvSpPr>
+            <p:cNvPr id="10" name="Oval 9"/>
+            <p:cNvSpPr/>
+            <p:nvPr/>
+          </p:nvSpPr>
+          <p:spPr>
+            <a:xfrm>
+              <a:off x="9793429" y="4568765"/>
+              <a:ext cx="864723" cy="864722"/>
+            </a:xfrm>
+            <a:prstGeom prst="ellipse">
+              <a:avLst/>
+            </a:prstGeom>
+            <a:noFill/>
+            <a:ln w="25400" cap="flat" cmpd="sng" algn="ctr">
+              <a:solidFill>
+                <a:sysClr val="window" lastClr="FFFFFF"/>
+              </a:solidFill>
+              <a:prstDash val="solid"/>
+            </a:ln>
+            <a:effectLst/>
+          </p:spPr>
+        </p:sp>
+      </p:grpSp>
+      <p:sp>
+        <p:nvSpPr>
+          <p:cNvPr id="6" name="Slide Number Placeholder 5"/>
           <p:cNvSpPr>
             <a:spLocks noGrp="1"/>
           </p:cNvSpPr>
@@ -1194,10 +1490,19 @@
             <p:ph type="sldNum" sz="quarter" idx="12"/>
           </p:nvPr>
         </p:nvSpPr>
-        <p:spPr/>
+        <p:spPr>
+          <a:xfrm>
+            <a:off x="843702" y="2506133"/>
+            <a:ext cx="1188298" cy="720332"/>
+          </a:xfrm>
+        </p:spPr>
         <p:txBody>
           <a:bodyPr/>
-          <a:lstStyle/>
+          <a:lstStyle>
+            <a:lvl1pPr>
+              <a:defRPr sz="2800"/>
+            </a:lvl1pPr>
+          </a:lstStyle>
           <a:p>
             <a:fld id="{3851292C-9960-40AC-8B4C-BFC394C94A5B}" type="slidenum">
               <a:rPr lang="en-US" smtClean="0"/>
@@ -1210,7 +1515,7 @@
     </p:spTree>
     <p:extLst>
       <p:ext uri="{BB962C8B-B14F-4D97-AF65-F5344CB8AC3E}">
-        <p14:creationId xmlns:p14="http://schemas.microsoft.com/office/powerpoint/2010/main" val="2251746865"/>
+        <p14:creationId xmlns:p14="http://schemas.microsoft.com/office/powerpoint/2010/main" val="1825947227"/>
       </p:ext>
     </p:extLst>
   </p:cSld>
@@ -1239,13 +1544,7 @@
       </p:grpSpPr>
       <p:sp>
         <p:nvSpPr>
-          <p:cNvPr id="2" name="Title 1">
-            <a:extLst>
-              <a:ext uri="{FF2B5EF4-FFF2-40B4-BE49-F238E27FC236}">
-                <a16:creationId xmlns:a16="http://schemas.microsoft.com/office/drawing/2014/main" id="{FA5D154A-10BA-43BF-A7D5-2B989B9FD065}"/>
-              </a:ext>
-            </a:extLst>
-          </p:cNvPr>
+          <p:cNvPr id="2" name="Title 1"/>
           <p:cNvSpPr>
             <a:spLocks noGrp="1"/>
           </p:cNvSpPr>
@@ -1259,21 +1558,16 @@
           <a:lstStyle/>
           <a:p>
             <a:r>
-              <a:rPr lang="en-US"/>
+              <a:rPr lang="en-US" smtClean="0"/>
               <a:t>Click to edit Master title style</a:t>
             </a:r>
-          </a:p>
-        </p:txBody>
-      </p:sp>
-      <p:sp>
-        <p:nvSpPr>
-          <p:cNvPr id="3" name="Content Placeholder 2">
-            <a:extLst>
-              <a:ext uri="{FF2B5EF4-FFF2-40B4-BE49-F238E27FC236}">
-                <a16:creationId xmlns:a16="http://schemas.microsoft.com/office/drawing/2014/main" id="{3326B98D-7C2C-42CA-ADB3-306B455FA0FB}"/>
-              </a:ext>
-            </a:extLst>
-          </p:cNvPr>
+            <a:endParaRPr lang="en-US" dirty="0"/>
+          </a:p>
+        </p:txBody>
+      </p:sp>
+      <p:sp>
+        <p:nvSpPr>
+          <p:cNvPr id="3" name="Content Placeholder 2"/>
           <p:cNvSpPr>
             <a:spLocks noGrp="1"/>
           </p:cNvSpPr>
@@ -1283,59 +1577,82 @@
         </p:nvSpPr>
         <p:spPr>
           <a:xfrm>
-            <a:off x="838200" y="1825625"/>
-            <a:ext cx="5181600" cy="4351338"/>
+            <a:off x="1069848" y="2194560"/>
+            <a:ext cx="4754880" cy="3977640"/>
           </a:xfrm>
         </p:spPr>
         <p:txBody>
           <a:bodyPr/>
-          <a:lstStyle/>
+          <a:lstStyle>
+            <a:lvl1pPr>
+              <a:defRPr sz="2000"/>
+            </a:lvl1pPr>
+            <a:lvl2pPr>
+              <a:defRPr sz="1800"/>
+            </a:lvl2pPr>
+            <a:lvl3pPr>
+              <a:defRPr sz="1600"/>
+            </a:lvl3pPr>
+            <a:lvl4pPr>
+              <a:defRPr sz="1600"/>
+            </a:lvl4pPr>
+            <a:lvl5pPr>
+              <a:defRPr sz="1600"/>
+            </a:lvl5pPr>
+            <a:lvl6pPr>
+              <a:defRPr sz="1600"/>
+            </a:lvl6pPr>
+            <a:lvl7pPr>
+              <a:defRPr sz="1600"/>
+            </a:lvl7pPr>
+            <a:lvl8pPr>
+              <a:defRPr sz="1600"/>
+            </a:lvl8pPr>
+            <a:lvl9pPr>
+              <a:defRPr sz="1600"/>
+            </a:lvl9pPr>
+          </a:lstStyle>
           <a:p>
             <a:pPr lvl="0"/>
             <a:r>
-              <a:rPr lang="en-US"/>
+              <a:rPr lang="en-US" smtClean="0"/>
               <a:t>Click to edit Master text styles</a:t>
             </a:r>
           </a:p>
           <a:p>
             <a:pPr lvl="1"/>
             <a:r>
-              <a:rPr lang="en-US"/>
+              <a:rPr lang="en-US" smtClean="0"/>
               <a:t>Second level</a:t>
             </a:r>
           </a:p>
           <a:p>
             <a:pPr lvl="2"/>
             <a:r>
-              <a:rPr lang="en-US"/>
+              <a:rPr lang="en-US" smtClean="0"/>
               <a:t>Third level</a:t>
             </a:r>
           </a:p>
           <a:p>
             <a:pPr lvl="3"/>
             <a:r>
-              <a:rPr lang="en-US"/>
+              <a:rPr lang="en-US" smtClean="0"/>
               <a:t>Fourth level</a:t>
             </a:r>
           </a:p>
           <a:p>
             <a:pPr lvl="4"/>
             <a:r>
-              <a:rPr lang="en-US"/>
+              <a:rPr lang="en-US" smtClean="0"/>
               <a:t>Fifth level</a:t>
             </a:r>
-          </a:p>
-        </p:txBody>
-      </p:sp>
-      <p:sp>
-        <p:nvSpPr>
-          <p:cNvPr id="4" name="Content Placeholder 3">
-            <a:extLst>
-              <a:ext uri="{FF2B5EF4-FFF2-40B4-BE49-F238E27FC236}">
-                <a16:creationId xmlns:a16="http://schemas.microsoft.com/office/drawing/2014/main" id="{307731A9-76C8-4A05-B2C8-51C3B4332FCF}"/>
-              </a:ext>
-            </a:extLst>
-          </p:cNvPr>
+            <a:endParaRPr lang="en-US" dirty="0"/>
+          </a:p>
+        </p:txBody>
+      </p:sp>
+      <p:sp>
+        <p:nvSpPr>
+          <p:cNvPr id="4" name="Content Placeholder 3"/>
           <p:cNvSpPr>
             <a:spLocks noGrp="1"/>
           </p:cNvSpPr>
@@ -1345,59 +1662,82 @@
         </p:nvSpPr>
         <p:spPr>
           <a:xfrm>
-            <a:off x="6172200" y="1825625"/>
-            <a:ext cx="5181600" cy="4351338"/>
+            <a:off x="6364224" y="2194560"/>
+            <a:ext cx="4754880" cy="3977640"/>
           </a:xfrm>
         </p:spPr>
         <p:txBody>
           <a:bodyPr/>
-          <a:lstStyle/>
+          <a:lstStyle>
+            <a:lvl1pPr>
+              <a:defRPr sz="2000"/>
+            </a:lvl1pPr>
+            <a:lvl2pPr>
+              <a:defRPr sz="1800"/>
+            </a:lvl2pPr>
+            <a:lvl3pPr>
+              <a:defRPr sz="1600"/>
+            </a:lvl3pPr>
+            <a:lvl4pPr>
+              <a:defRPr sz="1600"/>
+            </a:lvl4pPr>
+            <a:lvl5pPr>
+              <a:defRPr sz="1600"/>
+            </a:lvl5pPr>
+            <a:lvl6pPr>
+              <a:defRPr sz="1600"/>
+            </a:lvl6pPr>
+            <a:lvl7pPr>
+              <a:defRPr sz="1600"/>
+            </a:lvl7pPr>
+            <a:lvl8pPr>
+              <a:defRPr sz="1600"/>
+            </a:lvl8pPr>
+            <a:lvl9pPr>
+              <a:defRPr sz="1600"/>
+            </a:lvl9pPr>
+          </a:lstStyle>
           <a:p>
             <a:pPr lvl="0"/>
             <a:r>
-              <a:rPr lang="en-US"/>
+              <a:rPr lang="en-US" smtClean="0"/>
               <a:t>Click to edit Master text styles</a:t>
             </a:r>
           </a:p>
           <a:p>
             <a:pPr lvl="1"/>
             <a:r>
-              <a:rPr lang="en-US"/>
+              <a:rPr lang="en-US" smtClean="0"/>
               <a:t>Second level</a:t>
             </a:r>
           </a:p>
           <a:p>
             <a:pPr lvl="2"/>
             <a:r>
-              <a:rPr lang="en-US"/>
+              <a:rPr lang="en-US" smtClean="0"/>
               <a:t>Third level</a:t>
             </a:r>
           </a:p>
           <a:p>
             <a:pPr lvl="3"/>
             <a:r>
-              <a:rPr lang="en-US"/>
+              <a:rPr lang="en-US" smtClean="0"/>
               <a:t>Fourth level</a:t>
             </a:r>
           </a:p>
           <a:p>
             <a:pPr lvl="4"/>
             <a:r>
-              <a:rPr lang="en-US"/>
+              <a:rPr lang="en-US" smtClean="0"/>
               <a:t>Fifth level</a:t>
             </a:r>
-          </a:p>
-        </p:txBody>
-      </p:sp>
-      <p:sp>
-        <p:nvSpPr>
-          <p:cNvPr id="5" name="Date Placeholder 4">
-            <a:extLst>
-              <a:ext uri="{FF2B5EF4-FFF2-40B4-BE49-F238E27FC236}">
-                <a16:creationId xmlns:a16="http://schemas.microsoft.com/office/drawing/2014/main" id="{FBD7D54E-C93F-40FA-949C-A8016372A472}"/>
-              </a:ext>
-            </a:extLst>
-          </p:cNvPr>
+            <a:endParaRPr lang="en-US" dirty="0"/>
+          </a:p>
+        </p:txBody>
+      </p:sp>
+      <p:sp>
+        <p:nvSpPr>
+          <p:cNvPr id="5" name="Date Placeholder 4"/>
           <p:cNvSpPr>
             <a:spLocks noGrp="1"/>
           </p:cNvSpPr>
@@ -1420,13 +1760,7 @@
       </p:sp>
       <p:sp>
         <p:nvSpPr>
-          <p:cNvPr id="6" name="Footer Placeholder 5">
-            <a:extLst>
-              <a:ext uri="{FF2B5EF4-FFF2-40B4-BE49-F238E27FC236}">
-                <a16:creationId xmlns:a16="http://schemas.microsoft.com/office/drawing/2014/main" id="{C6CE8B13-BA5D-4A3F-9AE1-85F6ABB923AF}"/>
-              </a:ext>
-            </a:extLst>
-          </p:cNvPr>
+          <p:cNvPr id="6" name="Footer Placeholder 5"/>
           <p:cNvSpPr>
             <a:spLocks noGrp="1"/>
           </p:cNvSpPr>
@@ -1445,13 +1779,7 @@
       </p:sp>
       <p:sp>
         <p:nvSpPr>
-          <p:cNvPr id="7" name="Slide Number Placeholder 6">
-            <a:extLst>
-              <a:ext uri="{FF2B5EF4-FFF2-40B4-BE49-F238E27FC236}">
-                <a16:creationId xmlns:a16="http://schemas.microsoft.com/office/drawing/2014/main" id="{55E615E3-3D29-46A7-A6F4-E9732B2F41EB}"/>
-              </a:ext>
-            </a:extLst>
-          </p:cNvPr>
+          <p:cNvPr id="7" name="Slide Number Placeholder 6"/>
           <p:cNvSpPr>
             <a:spLocks noGrp="1"/>
           </p:cNvSpPr>
@@ -1475,7 +1803,7 @@
     </p:spTree>
     <p:extLst>
       <p:ext uri="{BB962C8B-B14F-4D97-AF65-F5344CB8AC3E}">
-        <p14:creationId xmlns:p14="http://schemas.microsoft.com/office/powerpoint/2010/main" val="1372072854"/>
+        <p14:creationId xmlns:p14="http://schemas.microsoft.com/office/powerpoint/2010/main" val="3757531601"/>
       </p:ext>
     </p:extLst>
   </p:cSld>
@@ -1504,65 +1832,57 @@
       </p:grpSpPr>
       <p:sp>
         <p:nvSpPr>
-          <p:cNvPr id="2" name="Title 1">
-            <a:extLst>
-              <a:ext uri="{FF2B5EF4-FFF2-40B4-BE49-F238E27FC236}">
-                <a16:creationId xmlns:a16="http://schemas.microsoft.com/office/drawing/2014/main" id="{BFDFAF5E-B827-4FC7-8F85-1B7E0D41899A}"/>
-              </a:ext>
-            </a:extLst>
-          </p:cNvPr>
+          <p:cNvPr id="10" name="Title 9"/>
           <p:cNvSpPr>
             <a:spLocks noGrp="1"/>
           </p:cNvSpPr>
           <p:nvPr>
             <p:ph type="title"/>
+          </p:nvPr>
+        </p:nvSpPr>
+        <p:spPr/>
+        <p:txBody>
+          <a:bodyPr/>
+          <a:lstStyle/>
+          <a:p>
+            <a:r>
+              <a:rPr lang="en-US" smtClean="0"/>
+              <a:t>Click to edit Master title style</a:t>
+            </a:r>
+            <a:endParaRPr lang="en-US" dirty="0"/>
+          </a:p>
+        </p:txBody>
+      </p:sp>
+      <p:sp>
+        <p:nvSpPr>
+          <p:cNvPr id="3" name="Text Placeholder 2"/>
+          <p:cNvSpPr>
+            <a:spLocks noGrp="1"/>
+          </p:cNvSpPr>
+          <p:nvPr>
+            <p:ph type="body" idx="1"/>
           </p:nvPr>
         </p:nvSpPr>
         <p:spPr>
           <a:xfrm>
-            <a:off x="839788" y="365125"/>
-            <a:ext cx="10515600" cy="1325563"/>
+            <a:off x="1066800" y="2048256"/>
+            <a:ext cx="4754880" cy="640080"/>
           </a:xfrm>
         </p:spPr>
         <p:txBody>
-          <a:bodyPr/>
-          <a:lstStyle/>
-          <a:p>
-            <a:r>
-              <a:rPr lang="en-US"/>
-              <a:t>Click to edit Master title style</a:t>
-            </a:r>
-          </a:p>
-        </p:txBody>
-      </p:sp>
-      <p:sp>
-        <p:nvSpPr>
-          <p:cNvPr id="3" name="Text Placeholder 2">
-            <a:extLst>
-              <a:ext uri="{FF2B5EF4-FFF2-40B4-BE49-F238E27FC236}">
-                <a16:creationId xmlns:a16="http://schemas.microsoft.com/office/drawing/2014/main" id="{F5537612-FB74-4607-B629-F2D0C7589302}"/>
-              </a:ext>
-            </a:extLst>
-          </p:cNvPr>
-          <p:cNvSpPr>
-            <a:spLocks noGrp="1"/>
-          </p:cNvSpPr>
-          <p:nvPr>
-            <p:ph type="body" idx="1"/>
-          </p:nvPr>
-        </p:nvSpPr>
-        <p:spPr>
-          <a:xfrm>
-            <a:off x="839788" y="1681163"/>
-            <a:ext cx="5157787" cy="823912"/>
-          </a:xfrm>
-        </p:spPr>
-        <p:txBody>
-          <a:bodyPr anchor="b"/>
+          <a:bodyPr anchor="ctr">
+            <a:normAutofit/>
+          </a:bodyPr>
           <a:lstStyle>
             <a:lvl1pPr marL="0" indent="0">
               <a:buNone/>
-              <a:defRPr sz="2400" b="1"/>
+              <a:defRPr sz="2000" b="1">
+                <a:solidFill>
+                  <a:schemeClr val="accent1">
+                    <a:lumMod val="75000"/>
+                  </a:schemeClr>
+                </a:solidFill>
+              </a:defRPr>
             </a:lvl1pPr>
             <a:lvl2pPr marL="457200" indent="0">
               <a:buNone/>
@@ -1600,7 +1920,7 @@
           <a:p>
             <a:pPr lvl="0"/>
             <a:r>
-              <a:rPr lang="en-US"/>
+              <a:rPr lang="en-US" smtClean="0"/>
               <a:t>Click to edit Master text styles</a:t>
             </a:r>
           </a:p>
@@ -1608,13 +1928,7 @@
       </p:sp>
       <p:sp>
         <p:nvSpPr>
-          <p:cNvPr id="4" name="Content Placeholder 3">
-            <a:extLst>
-              <a:ext uri="{FF2B5EF4-FFF2-40B4-BE49-F238E27FC236}">
-                <a16:creationId xmlns:a16="http://schemas.microsoft.com/office/drawing/2014/main" id="{D76F060F-2518-46AD-9FC7-3D58B9BFFBB2}"/>
-              </a:ext>
-            </a:extLst>
-          </p:cNvPr>
+          <p:cNvPr id="4" name="Content Placeholder 3"/>
           <p:cNvSpPr>
             <a:spLocks noGrp="1"/>
           </p:cNvSpPr>
@@ -1624,59 +1938,82 @@
         </p:nvSpPr>
         <p:spPr>
           <a:xfrm>
-            <a:off x="839788" y="2505075"/>
-            <a:ext cx="5157787" cy="3684588"/>
+            <a:off x="1069848" y="2743200"/>
+            <a:ext cx="4754880" cy="3291840"/>
           </a:xfrm>
         </p:spPr>
         <p:txBody>
           <a:bodyPr/>
-          <a:lstStyle/>
+          <a:lstStyle>
+            <a:lvl1pPr>
+              <a:defRPr sz="2000"/>
+            </a:lvl1pPr>
+            <a:lvl2pPr>
+              <a:defRPr sz="1800"/>
+            </a:lvl2pPr>
+            <a:lvl3pPr>
+              <a:defRPr sz="1600"/>
+            </a:lvl3pPr>
+            <a:lvl4pPr>
+              <a:defRPr sz="1600"/>
+            </a:lvl4pPr>
+            <a:lvl5pPr>
+              <a:defRPr sz="1600"/>
+            </a:lvl5pPr>
+            <a:lvl6pPr>
+              <a:defRPr sz="1600"/>
+            </a:lvl6pPr>
+            <a:lvl7pPr>
+              <a:defRPr sz="1600"/>
+            </a:lvl7pPr>
+            <a:lvl8pPr>
+              <a:defRPr sz="1600"/>
+            </a:lvl8pPr>
+            <a:lvl9pPr>
+              <a:defRPr sz="1600"/>
+            </a:lvl9pPr>
+          </a:lstStyle>
           <a:p>
             <a:pPr lvl="0"/>
             <a:r>
-              <a:rPr lang="en-US"/>
+              <a:rPr lang="en-US" smtClean="0"/>
               <a:t>Click to edit Master text styles</a:t>
             </a:r>
           </a:p>
           <a:p>
             <a:pPr lvl="1"/>
             <a:r>
-              <a:rPr lang="en-US"/>
+              <a:rPr lang="en-US" smtClean="0"/>
               <a:t>Second level</a:t>
             </a:r>
           </a:p>
           <a:p>
             <a:pPr lvl="2"/>
             <a:r>
-              <a:rPr lang="en-US"/>
+              <a:rPr lang="en-US" smtClean="0"/>
               <a:t>Third level</a:t>
             </a:r>
           </a:p>
           <a:p>
             <a:pPr lvl="3"/>
             <a:r>
-              <a:rPr lang="en-US"/>
+              <a:rPr lang="en-US" smtClean="0"/>
               <a:t>Fourth level</a:t>
             </a:r>
           </a:p>
           <a:p>
             <a:pPr lvl="4"/>
             <a:r>
-              <a:rPr lang="en-US"/>
+              <a:rPr lang="en-US" smtClean="0"/>
               <a:t>Fifth level</a:t>
             </a:r>
-          </a:p>
-        </p:txBody>
-      </p:sp>
-      <p:sp>
-        <p:nvSpPr>
-          <p:cNvPr id="5" name="Text Placeholder 4">
-            <a:extLst>
-              <a:ext uri="{FF2B5EF4-FFF2-40B4-BE49-F238E27FC236}">
-                <a16:creationId xmlns:a16="http://schemas.microsoft.com/office/drawing/2014/main" id="{0801A8F3-C2FF-4A5E-AB03-A14BF1F9B4A1}"/>
-              </a:ext>
-            </a:extLst>
-          </p:cNvPr>
+            <a:endParaRPr lang="en-US" dirty="0"/>
+          </a:p>
+        </p:txBody>
+      </p:sp>
+      <p:sp>
+        <p:nvSpPr>
+          <p:cNvPr id="5" name="Text Placeholder 4"/>
           <p:cNvSpPr>
             <a:spLocks noGrp="1"/>
           </p:cNvSpPr>
@@ -1686,16 +2023,24 @@
         </p:nvSpPr>
         <p:spPr>
           <a:xfrm>
-            <a:off x="6172200" y="1681163"/>
-            <a:ext cx="5183188" cy="823912"/>
+            <a:off x="6364224" y="2048256"/>
+            <a:ext cx="4754880" cy="640080"/>
           </a:xfrm>
         </p:spPr>
         <p:txBody>
-          <a:bodyPr anchor="b"/>
+          <a:bodyPr anchor="ctr">
+            <a:normAutofit/>
+          </a:bodyPr>
           <a:lstStyle>
             <a:lvl1pPr marL="0" indent="0">
               <a:buNone/>
-              <a:defRPr sz="2400" b="1"/>
+              <a:defRPr sz="2000" b="1">
+                <a:solidFill>
+                  <a:schemeClr val="accent1">
+                    <a:lumMod val="75000"/>
+                  </a:schemeClr>
+                </a:solidFill>
+              </a:defRPr>
             </a:lvl1pPr>
             <a:lvl2pPr marL="457200" indent="0">
               <a:buNone/>
@@ -1733,7 +2078,7 @@
           <a:p>
             <a:pPr lvl="0"/>
             <a:r>
-              <a:rPr lang="en-US"/>
+              <a:rPr lang="en-US" smtClean="0"/>
               <a:t>Click to edit Master text styles</a:t>
             </a:r>
           </a:p>
@@ -1741,13 +2086,7 @@
       </p:sp>
       <p:sp>
         <p:nvSpPr>
-          <p:cNvPr id="6" name="Content Placeholder 5">
-            <a:extLst>
-              <a:ext uri="{FF2B5EF4-FFF2-40B4-BE49-F238E27FC236}">
-                <a16:creationId xmlns:a16="http://schemas.microsoft.com/office/drawing/2014/main" id="{D8732CA1-0565-4D42-A378-6D9C53588F93}"/>
-              </a:ext>
-            </a:extLst>
-          </p:cNvPr>
+          <p:cNvPr id="6" name="Content Placeholder 5"/>
           <p:cNvSpPr>
             <a:spLocks noGrp="1"/>
           </p:cNvSpPr>
@@ -1757,59 +2096,82 @@
         </p:nvSpPr>
         <p:spPr>
           <a:xfrm>
-            <a:off x="6172200" y="2505075"/>
-            <a:ext cx="5183188" cy="3684588"/>
+            <a:off x="6364224" y="2743200"/>
+            <a:ext cx="4754880" cy="3291840"/>
           </a:xfrm>
         </p:spPr>
         <p:txBody>
           <a:bodyPr/>
-          <a:lstStyle/>
+          <a:lstStyle>
+            <a:lvl1pPr>
+              <a:defRPr sz="2000"/>
+            </a:lvl1pPr>
+            <a:lvl2pPr>
+              <a:defRPr sz="1800"/>
+            </a:lvl2pPr>
+            <a:lvl3pPr>
+              <a:defRPr sz="1600"/>
+            </a:lvl3pPr>
+            <a:lvl4pPr>
+              <a:defRPr sz="1600"/>
+            </a:lvl4pPr>
+            <a:lvl5pPr>
+              <a:defRPr sz="1600"/>
+            </a:lvl5pPr>
+            <a:lvl6pPr>
+              <a:defRPr sz="1600"/>
+            </a:lvl6pPr>
+            <a:lvl7pPr>
+              <a:defRPr sz="1600"/>
+            </a:lvl7pPr>
+            <a:lvl8pPr>
+              <a:defRPr sz="1600"/>
+            </a:lvl8pPr>
+            <a:lvl9pPr>
+              <a:defRPr sz="1600"/>
+            </a:lvl9pPr>
+          </a:lstStyle>
           <a:p>
             <a:pPr lvl="0"/>
             <a:r>
-              <a:rPr lang="en-US"/>
+              <a:rPr lang="en-US" smtClean="0"/>
               <a:t>Click to edit Master text styles</a:t>
             </a:r>
           </a:p>
           <a:p>
             <a:pPr lvl="1"/>
             <a:r>
-              <a:rPr lang="en-US"/>
+              <a:rPr lang="en-US" smtClean="0"/>
               <a:t>Second level</a:t>
             </a:r>
           </a:p>
           <a:p>
             <a:pPr lvl="2"/>
             <a:r>
-              <a:rPr lang="en-US"/>
+              <a:rPr lang="en-US" smtClean="0"/>
               <a:t>Third level</a:t>
             </a:r>
           </a:p>
           <a:p>
             <a:pPr lvl="3"/>
             <a:r>
-              <a:rPr lang="en-US"/>
+              <a:rPr lang="en-US" smtClean="0"/>
               <a:t>Fourth level</a:t>
             </a:r>
           </a:p>
           <a:p>
             <a:pPr lvl="4"/>
             <a:r>
-              <a:rPr lang="en-US"/>
+              <a:rPr lang="en-US" smtClean="0"/>
               <a:t>Fifth level</a:t>
             </a:r>
-          </a:p>
-        </p:txBody>
-      </p:sp>
-      <p:sp>
-        <p:nvSpPr>
-          <p:cNvPr id="7" name="Date Placeholder 6">
-            <a:extLst>
-              <a:ext uri="{FF2B5EF4-FFF2-40B4-BE49-F238E27FC236}">
-                <a16:creationId xmlns:a16="http://schemas.microsoft.com/office/drawing/2014/main" id="{47F61747-9430-4928-9E87-246460BB7F4E}"/>
-              </a:ext>
-            </a:extLst>
-          </p:cNvPr>
+            <a:endParaRPr lang="en-US" dirty="0"/>
+          </a:p>
+        </p:txBody>
+      </p:sp>
+      <p:sp>
+        <p:nvSpPr>
+          <p:cNvPr id="7" name="Date Placeholder 6"/>
           <p:cNvSpPr>
             <a:spLocks noGrp="1"/>
           </p:cNvSpPr>
@@ -1832,13 +2194,7 @@
       </p:sp>
       <p:sp>
         <p:nvSpPr>
-          <p:cNvPr id="8" name="Footer Placeholder 7">
-            <a:extLst>
-              <a:ext uri="{FF2B5EF4-FFF2-40B4-BE49-F238E27FC236}">
-                <a16:creationId xmlns:a16="http://schemas.microsoft.com/office/drawing/2014/main" id="{B8BBA8AD-504A-4BFE-BC46-528976E78B48}"/>
-              </a:ext>
-            </a:extLst>
-          </p:cNvPr>
+          <p:cNvPr id="8" name="Footer Placeholder 7"/>
           <p:cNvSpPr>
             <a:spLocks noGrp="1"/>
           </p:cNvSpPr>
@@ -1857,13 +2213,7 @@
       </p:sp>
       <p:sp>
         <p:nvSpPr>
-          <p:cNvPr id="9" name="Slide Number Placeholder 8">
-            <a:extLst>
-              <a:ext uri="{FF2B5EF4-FFF2-40B4-BE49-F238E27FC236}">
-                <a16:creationId xmlns:a16="http://schemas.microsoft.com/office/drawing/2014/main" id="{A9D46EA2-B95A-41A4-BC3B-20A04C0817F9}"/>
-              </a:ext>
-            </a:extLst>
-          </p:cNvPr>
+          <p:cNvPr id="9" name="Slide Number Placeholder 8"/>
           <p:cNvSpPr>
             <a:spLocks noGrp="1"/>
           </p:cNvSpPr>
@@ -1887,7 +2237,7 @@
     </p:spTree>
     <p:extLst>
       <p:ext uri="{BB962C8B-B14F-4D97-AF65-F5344CB8AC3E}">
-        <p14:creationId xmlns:p14="http://schemas.microsoft.com/office/powerpoint/2010/main" val="3354226809"/>
+        <p14:creationId xmlns:p14="http://schemas.microsoft.com/office/powerpoint/2010/main" val="4134604872"/>
       </p:ext>
     </p:extLst>
   </p:cSld>
@@ -1916,13 +2266,7 @@
       </p:grpSpPr>
       <p:sp>
         <p:nvSpPr>
-          <p:cNvPr id="2" name="Title 1">
-            <a:extLst>
-              <a:ext uri="{FF2B5EF4-FFF2-40B4-BE49-F238E27FC236}">
-                <a16:creationId xmlns:a16="http://schemas.microsoft.com/office/drawing/2014/main" id="{8A1A83C7-9DE9-41DA-93E3-C67FB8B3DCCA}"/>
-              </a:ext>
-            </a:extLst>
-          </p:cNvPr>
+          <p:cNvPr id="6" name="Title 5"/>
           <p:cNvSpPr>
             <a:spLocks noGrp="1"/>
           </p:cNvSpPr>
@@ -1936,21 +2280,16 @@
           <a:lstStyle/>
           <a:p>
             <a:r>
-              <a:rPr lang="en-US"/>
+              <a:rPr lang="en-US" smtClean="0"/>
               <a:t>Click to edit Master title style</a:t>
             </a:r>
-          </a:p>
-        </p:txBody>
-      </p:sp>
-      <p:sp>
-        <p:nvSpPr>
-          <p:cNvPr id="3" name="Date Placeholder 2">
-            <a:extLst>
-              <a:ext uri="{FF2B5EF4-FFF2-40B4-BE49-F238E27FC236}">
-                <a16:creationId xmlns:a16="http://schemas.microsoft.com/office/drawing/2014/main" id="{87A56767-544A-4F31-BEC0-FBFEAF22B10D}"/>
-              </a:ext>
-            </a:extLst>
-          </p:cNvPr>
+            <a:endParaRPr lang="en-US" dirty="0"/>
+          </a:p>
+        </p:txBody>
+      </p:sp>
+      <p:sp>
+        <p:nvSpPr>
+          <p:cNvPr id="3" name="Date Placeholder 2"/>
           <p:cNvSpPr>
             <a:spLocks noGrp="1"/>
           </p:cNvSpPr>
@@ -1973,13 +2312,7 @@
       </p:sp>
       <p:sp>
         <p:nvSpPr>
-          <p:cNvPr id="4" name="Footer Placeholder 3">
-            <a:extLst>
-              <a:ext uri="{FF2B5EF4-FFF2-40B4-BE49-F238E27FC236}">
-                <a16:creationId xmlns:a16="http://schemas.microsoft.com/office/drawing/2014/main" id="{27914371-F0D5-4B2B-A8A9-B56199ACE0DB}"/>
-              </a:ext>
-            </a:extLst>
-          </p:cNvPr>
+          <p:cNvPr id="4" name="Footer Placeholder 3"/>
           <p:cNvSpPr>
             <a:spLocks noGrp="1"/>
           </p:cNvSpPr>
@@ -1998,13 +2331,7 @@
       </p:sp>
       <p:sp>
         <p:nvSpPr>
-          <p:cNvPr id="5" name="Slide Number Placeholder 4">
-            <a:extLst>
-              <a:ext uri="{FF2B5EF4-FFF2-40B4-BE49-F238E27FC236}">
-                <a16:creationId xmlns:a16="http://schemas.microsoft.com/office/drawing/2014/main" id="{E57E9521-89C2-45F4-9D54-96F3BB228F4E}"/>
-              </a:ext>
-            </a:extLst>
-          </p:cNvPr>
+          <p:cNvPr id="5" name="Slide Number Placeholder 4"/>
           <p:cNvSpPr>
             <a:spLocks noGrp="1"/>
           </p:cNvSpPr>
@@ -2028,7 +2355,7 @@
     </p:spTree>
     <p:extLst>
       <p:ext uri="{BB962C8B-B14F-4D97-AF65-F5344CB8AC3E}">
-        <p14:creationId xmlns:p14="http://schemas.microsoft.com/office/powerpoint/2010/main" val="2988591724"/>
+        <p14:creationId xmlns:p14="http://schemas.microsoft.com/office/powerpoint/2010/main" val="3126329557"/>
       </p:ext>
     </p:extLst>
   </p:cSld>
@@ -2057,13 +2384,7 @@
       </p:grpSpPr>
       <p:sp>
         <p:nvSpPr>
-          <p:cNvPr id="2" name="Date Placeholder 1">
-            <a:extLst>
-              <a:ext uri="{FF2B5EF4-FFF2-40B4-BE49-F238E27FC236}">
-                <a16:creationId xmlns:a16="http://schemas.microsoft.com/office/drawing/2014/main" id="{CA13A990-9070-45B6-BADF-FCA5A484A8EC}"/>
-              </a:ext>
-            </a:extLst>
-          </p:cNvPr>
+          <p:cNvPr id="2" name="Date Placeholder 1"/>
           <p:cNvSpPr>
             <a:spLocks noGrp="1"/>
           </p:cNvSpPr>
@@ -2086,13 +2407,7 @@
       </p:sp>
       <p:sp>
         <p:nvSpPr>
-          <p:cNvPr id="3" name="Footer Placeholder 2">
-            <a:extLst>
-              <a:ext uri="{FF2B5EF4-FFF2-40B4-BE49-F238E27FC236}">
-                <a16:creationId xmlns:a16="http://schemas.microsoft.com/office/drawing/2014/main" id="{328968B3-4CB9-4CF7-91BE-D2C40A98893B}"/>
-              </a:ext>
-            </a:extLst>
-          </p:cNvPr>
+          <p:cNvPr id="3" name="Footer Placeholder 2"/>
           <p:cNvSpPr>
             <a:spLocks noGrp="1"/>
           </p:cNvSpPr>
@@ -2111,13 +2426,7 @@
       </p:sp>
       <p:sp>
         <p:nvSpPr>
-          <p:cNvPr id="4" name="Slide Number Placeholder 3">
-            <a:extLst>
-              <a:ext uri="{FF2B5EF4-FFF2-40B4-BE49-F238E27FC236}">
-                <a16:creationId xmlns:a16="http://schemas.microsoft.com/office/drawing/2014/main" id="{7FC8335C-56E3-45F6-BBC3-C72865C2569A}"/>
-              </a:ext>
-            </a:extLst>
-          </p:cNvPr>
+          <p:cNvPr id="4" name="Slide Number Placeholder 3"/>
           <p:cNvSpPr>
             <a:spLocks noGrp="1"/>
           </p:cNvSpPr>
@@ -2141,7 +2450,7 @@
     </p:spTree>
     <p:extLst>
       <p:ext uri="{BB962C8B-B14F-4D97-AF65-F5344CB8AC3E}">
-        <p14:creationId xmlns:p14="http://schemas.microsoft.com/office/powerpoint/2010/main" val="119963660"/>
+        <p14:creationId xmlns:p14="http://schemas.microsoft.com/office/powerpoint/2010/main" val="2209080032"/>
       </p:ext>
     </p:extLst>
   </p:cSld>
@@ -2152,7 +2461,7 @@
 </file>
 
 <file path=ppt/slideLayouts/slideLayout8.xml><?xml version="1.0" encoding="utf-8"?>
-<p:sldLayout xmlns:a="http://schemas.openxmlformats.org/drawingml/2006/main" xmlns:r="http://schemas.openxmlformats.org/officeDocument/2006/relationships" xmlns:p="http://schemas.openxmlformats.org/presentationml/2006/main" type="objTx" preserve="1">
+<p:sldLayout xmlns:a="http://schemas.openxmlformats.org/drawingml/2006/main" xmlns:r="http://schemas.openxmlformats.org/officeDocument/2006/relationships" xmlns:p="http://schemas.openxmlformats.org/presentationml/2006/main" showMasterSp="0" type="objTx" preserve="1">
   <p:cSld name="Content with Caption">
     <p:spTree>
       <p:nvGrpSpPr>
@@ -2170,50 +2479,98 @@
       </p:grpSpPr>
       <p:sp>
         <p:nvSpPr>
-          <p:cNvPr id="2" name="Title 1">
-            <a:extLst>
-              <a:ext uri="{FF2B5EF4-FFF2-40B4-BE49-F238E27FC236}">
-                <a16:creationId xmlns:a16="http://schemas.microsoft.com/office/drawing/2014/main" id="{87BC00AC-96FA-45DA-8981-3BB052603D87}"/>
-              </a:ext>
-            </a:extLst>
-          </p:cNvPr>
-          <p:cNvSpPr>
-            <a:spLocks noGrp="1"/>
-          </p:cNvSpPr>
-          <p:nvPr>
-            <p:ph type="title"/>
-          </p:nvPr>
+          <p:cNvPr id="8" name="Rectangle 7"/>
+          <p:cNvSpPr/>
+          <p:nvPr/>
         </p:nvSpPr>
         <p:spPr>
           <a:xfrm>
-            <a:off x="839788" y="457200"/>
-            <a:ext cx="3932237" cy="1600200"/>
+            <a:off x="8303740" y="0"/>
+            <a:ext cx="3888259" cy="6857999"/>
+          </a:xfrm>
+          <a:prstGeom prst="rect">
+            <a:avLst/>
+          </a:prstGeom>
+          <a:blipFill dpi="0" rotWithShape="1">
+            <a:blip r:embed="rId2">
+              <a:alphaModFix amt="60000"/>
+              <a:lum bright="70000" contrast="-70000"/>
+              <a:extLst>
+                <a:ext uri="{BEBA8EAE-BF5A-486C-A8C5-ECC9F3942E4B}">
+                  <a14:imgProps xmlns:a14="http://schemas.microsoft.com/office/drawing/2010/main">
+                    <a14:imgLayer r:embed="rId3">
+                      <a14:imgEffect>
+                        <a14:sharpenSoften amount="61000"/>
+                      </a14:imgEffect>
+                    </a14:imgLayer>
+                  </a14:imgProps>
+                </a:ext>
+                <a:ext uri="{28A0092B-C50C-407E-A947-70E740481C1C}">
+                  <a14:useLocalDpi xmlns:a14="http://schemas.microsoft.com/office/drawing/2010/main" val="0"/>
+                </a:ext>
+              </a:extLst>
+            </a:blip>
+            <a:srcRect/>
+            <a:tile tx="0" ty="-704850" sx="92000" sy="89000" flip="xy" algn="ctr"/>
+          </a:blipFill>
+          <a:ln>
+            <a:noFill/>
+          </a:ln>
+        </p:spPr>
+        <p:style>
+          <a:lnRef idx="2">
+            <a:schemeClr val="accent1">
+              <a:shade val="50000"/>
+            </a:schemeClr>
+          </a:lnRef>
+          <a:fillRef idx="1">
+            <a:schemeClr val="accent1"/>
+          </a:fillRef>
+          <a:effectRef idx="0">
+            <a:schemeClr val="accent1"/>
+          </a:effectRef>
+          <a:fontRef idx="minor">
+            <a:schemeClr val="lt1"/>
+          </a:fontRef>
+        </p:style>
+      </p:sp>
+      <p:sp>
+        <p:nvSpPr>
+          <p:cNvPr id="2" name="Title 1"/>
+          <p:cNvSpPr>
+            <a:spLocks noGrp="1"/>
+          </p:cNvSpPr>
+          <p:nvPr>
+            <p:ph type="title"/>
+          </p:nvPr>
+        </p:nvSpPr>
+        <p:spPr>
+          <a:xfrm>
+            <a:off x="8549640" y="685800"/>
+            <a:ext cx="3200400" cy="1737360"/>
           </a:xfrm>
         </p:spPr>
         <p:txBody>
-          <a:bodyPr anchor="b"/>
+          <a:bodyPr anchor="b">
+            <a:normAutofit/>
+          </a:bodyPr>
           <a:lstStyle>
             <a:lvl1pPr>
-              <a:defRPr sz="3200"/>
+              <a:defRPr sz="3200" b="1"/>
             </a:lvl1pPr>
           </a:lstStyle>
           <a:p>
             <a:r>
-              <a:rPr lang="en-US"/>
+              <a:rPr lang="en-US" smtClean="0"/>
               <a:t>Click to edit Master title style</a:t>
             </a:r>
-          </a:p>
-        </p:txBody>
-      </p:sp>
-      <p:sp>
-        <p:nvSpPr>
-          <p:cNvPr id="3" name="Content Placeholder 2">
-            <a:extLst>
-              <a:ext uri="{FF2B5EF4-FFF2-40B4-BE49-F238E27FC236}">
-                <a16:creationId xmlns:a16="http://schemas.microsoft.com/office/drawing/2014/main" id="{AFB80F68-3EF4-4D3A-8EE8-086F261F3968}"/>
-              </a:ext>
-            </a:extLst>
-          </p:cNvPr>
+            <a:endParaRPr lang="en-US" dirty="0"/>
+          </a:p>
+        </p:txBody>
+      </p:sp>
+      <p:sp>
+        <p:nvSpPr>
+          <p:cNvPr id="3" name="Content Placeholder 2"/>
           <p:cNvSpPr>
             <a:spLocks noGrp="1"/>
           </p:cNvSpPr>
@@ -2223,87 +2580,82 @@
         </p:nvSpPr>
         <p:spPr>
           <a:xfrm>
-            <a:off x="5183188" y="987425"/>
-            <a:ext cx="6172200" cy="4873625"/>
+            <a:off x="838200" y="685800"/>
+            <a:ext cx="6711696" cy="5020056"/>
           </a:xfrm>
         </p:spPr>
         <p:txBody>
           <a:bodyPr/>
           <a:lstStyle>
             <a:lvl1pPr>
-              <a:defRPr sz="3200"/>
+              <a:defRPr sz="2000"/>
             </a:lvl1pPr>
             <a:lvl2pPr>
-              <a:defRPr sz="2800"/>
+              <a:defRPr sz="1800"/>
             </a:lvl2pPr>
             <a:lvl3pPr>
-              <a:defRPr sz="2400"/>
+              <a:defRPr sz="1600"/>
             </a:lvl3pPr>
             <a:lvl4pPr>
-              <a:defRPr sz="2000"/>
+              <a:defRPr sz="1600"/>
             </a:lvl4pPr>
             <a:lvl5pPr>
-              <a:defRPr sz="2000"/>
+              <a:defRPr sz="1600"/>
             </a:lvl5pPr>
             <a:lvl6pPr>
-              <a:defRPr sz="2000"/>
+              <a:defRPr sz="1600"/>
             </a:lvl6pPr>
             <a:lvl7pPr>
-              <a:defRPr sz="2000"/>
+              <a:defRPr sz="1600"/>
             </a:lvl7pPr>
             <a:lvl8pPr>
-              <a:defRPr sz="2000"/>
+              <a:defRPr sz="1600"/>
             </a:lvl8pPr>
             <a:lvl9pPr>
-              <a:defRPr sz="2000"/>
+              <a:defRPr sz="1600"/>
             </a:lvl9pPr>
           </a:lstStyle>
           <a:p>
             <a:pPr lvl="0"/>
             <a:r>
-              <a:rPr lang="en-US"/>
+              <a:rPr lang="en-US" smtClean="0"/>
               <a:t>Click to edit Master text styles</a:t>
             </a:r>
           </a:p>
           <a:p>
             <a:pPr lvl="1"/>
             <a:r>
-              <a:rPr lang="en-US"/>
+              <a:rPr lang="en-US" smtClean="0"/>
               <a:t>Second level</a:t>
             </a:r>
           </a:p>
           <a:p>
             <a:pPr lvl="2"/>
             <a:r>
-              <a:rPr lang="en-US"/>
+              <a:rPr lang="en-US" smtClean="0"/>
               <a:t>Third level</a:t>
             </a:r>
           </a:p>
           <a:p>
             <a:pPr lvl="3"/>
             <a:r>
-              <a:rPr lang="en-US"/>
+              <a:rPr lang="en-US" smtClean="0"/>
               <a:t>Fourth level</a:t>
             </a:r>
           </a:p>
           <a:p>
             <a:pPr lvl="4"/>
             <a:r>
-              <a:rPr lang="en-US"/>
+              <a:rPr lang="en-US" smtClean="0"/>
               <a:t>Fifth level</a:t>
             </a:r>
-          </a:p>
-        </p:txBody>
-      </p:sp>
-      <p:sp>
-        <p:nvSpPr>
-          <p:cNvPr id="4" name="Text Placeholder 3">
-            <a:extLst>
-              <a:ext uri="{FF2B5EF4-FFF2-40B4-BE49-F238E27FC236}">
-                <a16:creationId xmlns:a16="http://schemas.microsoft.com/office/drawing/2014/main" id="{498A7BB4-22C5-4C8A-98D4-FF4A4861244C}"/>
-              </a:ext>
-            </a:extLst>
-          </p:cNvPr>
+            <a:endParaRPr lang="en-US" dirty="0"/>
+          </a:p>
+        </p:txBody>
+      </p:sp>
+      <p:sp>
+        <p:nvSpPr>
+          <p:cNvPr id="4" name="Text Placeholder 3"/>
           <p:cNvSpPr>
             <a:spLocks noGrp="1"/>
           </p:cNvSpPr>
@@ -2313,54 +2665,68 @@
         </p:nvSpPr>
         <p:spPr>
           <a:xfrm>
-            <a:off x="839788" y="2057400"/>
-            <a:ext cx="3932237" cy="3811588"/>
+            <a:off x="8549640" y="2423160"/>
+            <a:ext cx="3200400" cy="3291840"/>
           </a:xfrm>
         </p:spPr>
         <p:txBody>
-          <a:bodyPr/>
+          <a:bodyPr>
+            <a:normAutofit/>
+          </a:bodyPr>
           <a:lstStyle>
             <a:lvl1pPr marL="0" indent="0">
+              <a:lnSpc>
+                <a:spcPct val="100000"/>
+              </a:lnSpc>
+              <a:spcBef>
+                <a:spcPts val="1000"/>
+              </a:spcBef>
               <a:buNone/>
-              <a:defRPr sz="1600"/>
+              <a:defRPr sz="1400">
+                <a:solidFill>
+                  <a:schemeClr val="accent1">
+                    <a:lumMod val="75000"/>
+                  </a:schemeClr>
+                </a:solidFill>
+              </a:defRPr>
             </a:lvl1pPr>
             <a:lvl2pPr marL="457200" indent="0">
               <a:buNone/>
-              <a:defRPr sz="1400"/>
+              <a:defRPr sz="1200"/>
             </a:lvl2pPr>
             <a:lvl3pPr marL="914400" indent="0">
               <a:buNone/>
-              <a:defRPr sz="1200"/>
+              <a:defRPr sz="1000"/>
             </a:lvl3pPr>
             <a:lvl4pPr marL="1371600" indent="0">
               <a:buNone/>
-              <a:defRPr sz="1000"/>
+              <a:defRPr sz="900"/>
             </a:lvl4pPr>
             <a:lvl5pPr marL="1828800" indent="0">
               <a:buNone/>
-              <a:defRPr sz="1000"/>
+              <a:defRPr sz="900"/>
             </a:lvl5pPr>
             <a:lvl6pPr marL="2286000" indent="0">
               <a:buNone/>
-              <a:defRPr sz="1000"/>
+              <a:defRPr sz="900"/>
             </a:lvl6pPr>
             <a:lvl7pPr marL="2743200" indent="0">
               <a:buNone/>
-              <a:defRPr sz="1000"/>
+              <a:defRPr sz="900"/>
             </a:lvl7pPr>
             <a:lvl8pPr marL="3200400" indent="0">
               <a:buNone/>
-              <a:defRPr sz="1000"/>
+              <a:defRPr sz="900"/>
             </a:lvl8pPr>
             <a:lvl9pPr marL="3657600" indent="0">
               <a:buNone/>
-              <a:defRPr sz="1000"/>
+              <a:defRPr sz="900"/>
             </a:lvl9pPr>
           </a:lstStyle>
           <a:p>
             <a:pPr lvl="0"/>
             <a:r>
-              <a:rPr lang="en-US"/>
+              <a:rPr lang="en-US" smtClean="0"/>
               <a:t>Click to edit Master text styles</a:t>
             </a:r>
           </a:p>
@@ -2368,13 +2734,7 @@
       </p:sp>
       <p:sp>
         <p:nvSpPr>
-          <p:cNvPr id="5" name="Date Placeholder 4">
-            <a:extLst>
-              <a:ext uri="{FF2B5EF4-FFF2-40B4-BE49-F238E27FC236}">
-                <a16:creationId xmlns:a16="http://schemas.microsoft.com/office/drawing/2014/main" id="{AC073DA1-0954-4270-9A3E-F2ED9053F04C}"/>
-              </a:ext>
-            </a:extLst>
-          </p:cNvPr>
+          <p:cNvPr id="5" name="Date Placeholder 4"/>
           <p:cNvSpPr>
             <a:spLocks noGrp="1"/>
           </p:cNvSpPr>
@@ -2397,13 +2757,7 @@
       </p:sp>
       <p:sp>
         <p:nvSpPr>
-          <p:cNvPr id="6" name="Footer Placeholder 5">
-            <a:extLst>
-              <a:ext uri="{FF2B5EF4-FFF2-40B4-BE49-F238E27FC236}">
-                <a16:creationId xmlns:a16="http://schemas.microsoft.com/office/drawing/2014/main" id="{A2077AF7-7222-4B8F-A3BA-80A4F5B00251}"/>
-              </a:ext>
-            </a:extLst>
-          </p:cNvPr>
+          <p:cNvPr id="6" name="Footer Placeholder 5"/>
           <p:cNvSpPr>
             <a:spLocks noGrp="1"/>
           </p:cNvSpPr>
@@ -2420,15 +2774,98 @@
           </a:p>
         </p:txBody>
       </p:sp>
-      <p:sp>
-        <p:nvSpPr>
-          <p:cNvPr id="7" name="Slide Number Placeholder 6">
-            <a:extLst>
-              <a:ext uri="{FF2B5EF4-FFF2-40B4-BE49-F238E27FC236}">
-                <a16:creationId xmlns:a16="http://schemas.microsoft.com/office/drawing/2014/main" id="{049D439A-223A-44C3-A5C6-56B7724A1107}"/>
-              </a:ext>
-            </a:extLst>
-          </p:cNvPr>
+      <p:grpSp>
+        <p:nvGrpSpPr>
+          <p:cNvPr id="9" name="Group 8"/>
+          <p:cNvGrpSpPr>
+            <a:grpSpLocks noChangeAspect="1"/>
+          </p:cNvGrpSpPr>
+          <p:nvPr/>
+        </p:nvGrpSpPr>
+        <p:grpSpPr>
+          <a:xfrm>
+            <a:off x="11401725" y="6229681"/>
+            <a:ext cx="457200" cy="457200"/>
+            <a:chOff x="11361456" y="6195813"/>
+            <a:chExt cx="548640" cy="548640"/>
+          </a:xfrm>
+        </p:grpSpPr>
+        <p:sp>
+          <p:nvSpPr>
+            <p:cNvPr id="10" name="Oval 9"/>
+            <p:cNvSpPr/>
+            <p:nvPr/>
+          </p:nvSpPr>
+          <p:spPr>
+            <a:xfrm>
+              <a:off x="11361456" y="6195813"/>
+              <a:ext cx="548640" cy="548640"/>
+            </a:xfrm>
+            <a:prstGeom prst="ellipse">
+              <a:avLst/>
+            </a:prstGeom>
+            <a:blipFill dpi="0" rotWithShape="1">
+              <a:blip r:embed="rId4">
+                <a:duotone>
+                  <a:schemeClr val="accent1">
+                    <a:shade val="45000"/>
+                    <a:satMod val="135000"/>
+                  </a:schemeClr>
+                  <a:prstClr val="white"/>
+                </a:duotone>
+                <a:extLst>
+                  <a:ext uri="{BEBA8EAE-BF5A-486C-A8C5-ECC9F3942E4B}">
+                    <a14:imgProps xmlns:a14="http://schemas.microsoft.com/office/drawing/2010/main">
+                      <a14:imgLayer r:embed="rId5">
+                        <a14:imgEffect>
+                          <a14:saturation sat="95000"/>
+                        </a14:imgEffect>
+                        <a14:imgEffect>
+                          <a14:brightnessContrast bright="-40000" contrast="20000"/>
+                        </a14:imgEffect>
+                      </a14:imgLayer>
+                    </a14:imgProps>
+                  </a:ext>
+                </a:extLst>
+              </a:blip>
+              <a:srcRect/>
+              <a:tile tx="50800" ty="0" sx="85000" sy="85000" flip="none" algn="tl"/>
+            </a:blipFill>
+            <a:ln w="25400" cap="flat" cmpd="sng" algn="ctr">
+              <a:noFill/>
+              <a:prstDash val="solid"/>
+            </a:ln>
+            <a:effectLst/>
+          </p:spPr>
+        </p:sp>
+        <p:sp>
+          <p:nvSpPr>
+            <p:cNvPr id="11" name="Oval 10"/>
+            <p:cNvSpPr/>
+            <p:nvPr/>
+          </p:nvSpPr>
+          <p:spPr>
+            <a:xfrm>
+              <a:off x="11396488" y="6230844"/>
+              <a:ext cx="478576" cy="478578"/>
+            </a:xfrm>
+            <a:prstGeom prst="ellipse">
+              <a:avLst/>
+            </a:prstGeom>
+            <a:noFill/>
+            <a:ln w="12700" cap="flat" cmpd="sng" algn="ctr">
+              <a:solidFill>
+                <a:sysClr val="window" lastClr="FFFFFF"/>
+              </a:solidFill>
+              <a:prstDash val="solid"/>
+            </a:ln>
+            <a:effectLst/>
+          </p:spPr>
+        </p:sp>
+      </p:grpSp>
+      <p:sp>
+        <p:nvSpPr>
+          <p:cNvPr id="7" name="Slide Number Placeholder 6"/>
           <p:cNvSpPr>
             <a:spLocks noGrp="1"/>
           </p:cNvSpPr>
@@ -2452,7 +2889,7 @@
     </p:spTree>
     <p:extLst>
       <p:ext uri="{BB962C8B-B14F-4D97-AF65-F5344CB8AC3E}">
-        <p14:creationId xmlns:p14="http://schemas.microsoft.com/office/powerpoint/2010/main" val="2771837527"/>
+        <p14:creationId xmlns:p14="http://schemas.microsoft.com/office/powerpoint/2010/main" val="675961328"/>
       </p:ext>
     </p:extLst>
   </p:cSld>
@@ -2463,7 +2900,7 @@
 </file>
 
 <file path=ppt/slideLayouts/slideLayout9.xml><?xml version="1.0" encoding="utf-8"?>
-<p:sldLayout xmlns:a="http://schemas.openxmlformats.org/drawingml/2006/main" xmlns:r="http://schemas.openxmlformats.org/officeDocument/2006/relationships" xmlns:p="http://schemas.openxmlformats.org/presentationml/2006/main" type="picTx" preserve="1">
+<p:sldLayout xmlns:a="http://schemas.openxmlformats.org/drawingml/2006/main" xmlns:r="http://schemas.openxmlformats.org/officeDocument/2006/relationships" xmlns:p="http://schemas.openxmlformats.org/presentationml/2006/main" showMasterSp="0" type="picTx" preserve="1">
   <p:cSld name="Picture with Caption">
     <p:spTree>
       <p:nvGrpSpPr>
@@ -2481,52 +2918,100 @@
       </p:grpSpPr>
       <p:sp>
         <p:nvSpPr>
-          <p:cNvPr id="2" name="Title 1">
-            <a:extLst>
-              <a:ext uri="{FF2B5EF4-FFF2-40B4-BE49-F238E27FC236}">
-                <a16:creationId xmlns:a16="http://schemas.microsoft.com/office/drawing/2014/main" id="{20CE28C4-C966-4C62-A1F8-9656565DDB91}"/>
-              </a:ext>
-            </a:extLst>
-          </p:cNvPr>
-          <p:cNvSpPr>
-            <a:spLocks noGrp="1"/>
-          </p:cNvSpPr>
-          <p:nvPr>
-            <p:ph type="title"/>
-          </p:nvPr>
+          <p:cNvPr id="11" name="Rectangle 10"/>
+          <p:cNvSpPr/>
+          <p:nvPr/>
         </p:nvSpPr>
         <p:spPr>
           <a:xfrm>
-            <a:off x="839788" y="457200"/>
-            <a:ext cx="3932237" cy="1600200"/>
+            <a:off x="8303740" y="0"/>
+            <a:ext cx="3888259" cy="6857999"/>
+          </a:xfrm>
+          <a:prstGeom prst="rect">
+            <a:avLst/>
+          </a:prstGeom>
+          <a:blipFill dpi="0" rotWithShape="1">
+            <a:blip r:embed="rId2">
+              <a:alphaModFix amt="60000"/>
+              <a:lum bright="70000" contrast="-70000"/>
+              <a:extLst>
+                <a:ext uri="{BEBA8EAE-BF5A-486C-A8C5-ECC9F3942E4B}">
+                  <a14:imgProps xmlns:a14="http://schemas.microsoft.com/office/drawing/2010/main">
+                    <a14:imgLayer r:embed="rId3">
+                      <a14:imgEffect>
+                        <a14:sharpenSoften amount="61000"/>
+                      </a14:imgEffect>
+                    </a14:imgLayer>
+                  </a14:imgProps>
+                </a:ext>
+                <a:ext uri="{28A0092B-C50C-407E-A947-70E740481C1C}">
+                  <a14:useLocalDpi xmlns:a14="http://schemas.microsoft.com/office/drawing/2010/main" val="0"/>
+                </a:ext>
+              </a:extLst>
+            </a:blip>
+            <a:srcRect/>
+            <a:tile tx="0" ty="-704850" sx="92000" sy="89000" flip="xy" algn="ctr"/>
+          </a:blipFill>
+          <a:ln>
+            <a:noFill/>
+          </a:ln>
+        </p:spPr>
+        <p:style>
+          <a:lnRef idx="2">
+            <a:schemeClr val="accent1">
+              <a:shade val="50000"/>
+            </a:schemeClr>
+          </a:lnRef>
+          <a:fillRef idx="1">
+            <a:schemeClr val="accent1"/>
+          </a:fillRef>
+          <a:effectRef idx="0">
+            <a:schemeClr val="accent1"/>
+          </a:effectRef>
+          <a:fontRef idx="minor">
+            <a:schemeClr val="lt1"/>
+          </a:fontRef>
+        </p:style>
+      </p:sp>
+      <p:sp>
+        <p:nvSpPr>
+          <p:cNvPr id="2" name="Title 1"/>
+          <p:cNvSpPr>
+            <a:spLocks noGrp="1"/>
+          </p:cNvSpPr>
+          <p:nvPr>
+            <p:ph type="title"/>
+          </p:nvPr>
+        </p:nvSpPr>
+        <p:spPr>
+          <a:xfrm>
+            <a:off x="8549640" y="685800"/>
+            <a:ext cx="3200400" cy="1737360"/>
           </a:xfrm>
         </p:spPr>
         <p:txBody>
-          <a:bodyPr anchor="b"/>
+          <a:bodyPr anchor="b">
+            <a:normAutofit/>
+          </a:bodyPr>
           <a:lstStyle>
             <a:lvl1pPr>
-              <a:defRPr sz="3200"/>
+              <a:defRPr sz="3200" b="1"/>
             </a:lvl1pPr>
           </a:lstStyle>
           <a:p>
             <a:r>
-              <a:rPr lang="en-US"/>
+              <a:rPr lang="en-US" smtClean="0"/>
               <a:t>Click to edit Master title style</a:t>
             </a:r>
-          </a:p>
-        </p:txBody>
-      </p:sp>
-      <p:sp>
-        <p:nvSpPr>
-          <p:cNvPr id="3" name="Picture Placeholder 2">
-            <a:extLst>
-              <a:ext uri="{FF2B5EF4-FFF2-40B4-BE49-F238E27FC236}">
-                <a16:creationId xmlns:a16="http://schemas.microsoft.com/office/drawing/2014/main" id="{96317C11-BBEF-4F25-9B0D-55458FDC16D0}"/>
-              </a:ext>
-            </a:extLst>
-          </p:cNvPr>
-          <p:cNvSpPr>
-            <a:spLocks noGrp="1"/>
+            <a:endParaRPr lang="en-US" dirty="0"/>
+          </a:p>
+        </p:txBody>
+      </p:sp>
+      <p:sp>
+        <p:nvSpPr>
+          <p:cNvPr id="3" name="Picture Placeholder 2"/>
+          <p:cNvSpPr>
+            <a:spLocks noGrp="1" noChangeAspect="1"/>
           </p:cNvSpPr>
           <p:nvPr>
             <p:ph type="pic" idx="1"/>
@@ -2534,12 +3019,18 @@
         </p:nvSpPr>
         <p:spPr>
           <a:xfrm>
-            <a:off x="5183188" y="987425"/>
-            <a:ext cx="6172200" cy="4873625"/>
+            <a:off x="0" y="0"/>
+            <a:ext cx="8303740" cy="6858000"/>
           </a:xfrm>
+          <a:solidFill>
+            <a:schemeClr val="tx2">
+              <a:lumMod val="20000"/>
+              <a:lumOff val="80000"/>
+            </a:schemeClr>
+          </a:solidFill>
         </p:spPr>
         <p:txBody>
-          <a:bodyPr/>
+          <a:bodyPr anchor="t"/>
           <a:lstStyle>
             <a:lvl1pPr marL="0" indent="0">
               <a:buNone/>
@@ -2579,19 +3070,17 @@
             </a:lvl9pPr>
           </a:lstStyle>
           <a:p>
-            <a:endParaRPr lang="en-US"/>
-          </a:p>
-        </p:txBody>
-      </p:sp>
-      <p:sp>
-        <p:nvSpPr>
-          <p:cNvPr id="4" name="Text Placeholder 3">
-            <a:extLst>
-              <a:ext uri="{FF2B5EF4-FFF2-40B4-BE49-F238E27FC236}">
-                <a16:creationId xmlns:a16="http://schemas.microsoft.com/office/drawing/2014/main" id="{48407001-0284-4000-B1CD-3D22C7A4A800}"/>
-              </a:ext>
-            </a:extLst>
-          </p:cNvPr>
+            <a:r>
+              <a:rPr lang="en-US" smtClean="0"/>
+              <a:t>Click icon to add picture</a:t>
+            </a:r>
+            <a:endParaRPr lang="en-US" dirty="0"/>
+          </a:p>
+        </p:txBody>
+      </p:sp>
+      <p:sp>
+        <p:nvSpPr>
+          <p:cNvPr id="4" name="Text Placeholder 3"/>
           <p:cNvSpPr>
             <a:spLocks noGrp="1"/>
           </p:cNvSpPr>
@@ -2601,54 +3090,68 @@
         </p:nvSpPr>
         <p:spPr>
           <a:xfrm>
-            <a:off x="839788" y="2057400"/>
-            <a:ext cx="3932237" cy="3811588"/>
+            <a:off x="8549640" y="2423160"/>
+            <a:ext cx="3200400" cy="3291840"/>
           </a:xfrm>
         </p:spPr>
         <p:txBody>
-          <a:bodyPr/>
+          <a:bodyPr>
+            <a:normAutofit/>
+          </a:bodyPr>
           <a:lstStyle>
             <a:lvl1pPr marL="0" indent="0">
+              <a:lnSpc>
+                <a:spcPct val="100000"/>
+              </a:lnSpc>
+              <a:spcBef>
+                <a:spcPts val="1000"/>
+              </a:spcBef>
               <a:buNone/>
-              <a:defRPr sz="1600"/>
+              <a:defRPr sz="1400">
+                <a:solidFill>
+                  <a:schemeClr val="accent1">
+                    <a:lumMod val="75000"/>
+                  </a:schemeClr>
+                </a:solidFill>
+              </a:defRPr>
             </a:lvl1pPr>
             <a:lvl2pPr marL="457200" indent="0">
               <a:buNone/>
-              <a:defRPr sz="1400"/>
+              <a:defRPr sz="1200"/>
             </a:lvl2pPr>
             <a:lvl3pPr marL="914400" indent="0">
               <a:buNone/>
-              <a:defRPr sz="1200"/>
+              <a:defRPr sz="1000"/>
             </a:lvl3pPr>
             <a:lvl4pPr marL="1371600" indent="0">
               <a:buNone/>
-              <a:defRPr sz="1000"/>
+              <a:defRPr sz="900"/>
             </a:lvl4pPr>
             <a:lvl5pPr marL="1828800" indent="0">
               <a:buNone/>
-              <a:defRPr sz="1000"/>
+              <a:defRPr sz="900"/>
             </a:lvl5pPr>
             <a:lvl6pPr marL="2286000" indent="0">
               <a:buNone/>
-              <a:defRPr sz="1000"/>
+              <a:defRPr sz="900"/>
             </a:lvl6pPr>
             <a:lvl7pPr marL="2743200" indent="0">
               <a:buNone/>
-              <a:defRPr sz="1000"/>
+              <a:defRPr sz="900"/>
             </a:lvl7pPr>
             <a:lvl8pPr marL="3200400" indent="0">
               <a:buNone/>
-              <a:defRPr sz="1000"/>
+              <a:defRPr sz="900"/>
             </a:lvl8pPr>
             <a:lvl9pPr marL="3657600" indent="0">
               <a:buNone/>
-              <a:defRPr sz="1000"/>
+              <a:defRPr sz="900"/>
             </a:lvl9pPr>
           </a:lstStyle>
           <a:p>
             <a:pPr lvl="0"/>
             <a:r>
-              <a:rPr lang="en-US"/>
+              <a:rPr lang="en-US" smtClean="0"/>
               <a:t>Click to edit Master text styles</a:t>
             </a:r>
           </a:p>
@@ -2656,13 +3159,7 @@
       </p:sp>
       <p:sp>
         <p:nvSpPr>
-          <p:cNvPr id="5" name="Date Placeholder 4">
-            <a:extLst>
-              <a:ext uri="{FF2B5EF4-FFF2-40B4-BE49-F238E27FC236}">
-                <a16:creationId xmlns:a16="http://schemas.microsoft.com/office/drawing/2014/main" id="{9306C202-6253-400A-9049-DC119D5C4D18}"/>
-              </a:ext>
-            </a:extLst>
-          </p:cNvPr>
+          <p:cNvPr id="5" name="Date Placeholder 4"/>
           <p:cNvSpPr>
             <a:spLocks noGrp="1"/>
           </p:cNvSpPr>
@@ -2683,40 +3180,98 @@
           </a:p>
         </p:txBody>
       </p:sp>
-      <p:sp>
-        <p:nvSpPr>
-          <p:cNvPr id="6" name="Footer Placeholder 5">
-            <a:extLst>
-              <a:ext uri="{FF2B5EF4-FFF2-40B4-BE49-F238E27FC236}">
-                <a16:creationId xmlns:a16="http://schemas.microsoft.com/office/drawing/2014/main" id="{30798D50-C008-4369-9A2B-8C98A36FF088}"/>
-              </a:ext>
-            </a:extLst>
-          </p:cNvPr>
-          <p:cNvSpPr>
-            <a:spLocks noGrp="1"/>
-          </p:cNvSpPr>
-          <p:nvPr>
-            <p:ph type="ftr" sz="quarter" idx="11"/>
-          </p:nvPr>
-        </p:nvSpPr>
-        <p:spPr/>
-        <p:txBody>
-          <a:bodyPr/>
-          <a:lstStyle/>
-          <a:p>
-            <a:endParaRPr lang="en-US"/>
-          </a:p>
-        </p:txBody>
-      </p:sp>
-      <p:sp>
-        <p:nvSpPr>
-          <p:cNvPr id="7" name="Slide Number Placeholder 6">
-            <a:extLst>
-              <a:ext uri="{FF2B5EF4-FFF2-40B4-BE49-F238E27FC236}">
-                <a16:creationId xmlns:a16="http://schemas.microsoft.com/office/drawing/2014/main" id="{42D95083-B70A-469A-9847-FC797C49AF6E}"/>
-              </a:ext>
-            </a:extLst>
-          </p:cNvPr>
+      <p:grpSp>
+        <p:nvGrpSpPr>
+          <p:cNvPr id="8" name="Group 7"/>
+          <p:cNvGrpSpPr>
+            <a:grpSpLocks noChangeAspect="1"/>
+          </p:cNvGrpSpPr>
+          <p:nvPr/>
+        </p:nvGrpSpPr>
+        <p:grpSpPr>
+          <a:xfrm>
+            <a:off x="11401725" y="6229681"/>
+            <a:ext cx="457200" cy="457200"/>
+            <a:chOff x="11361456" y="6195813"/>
+            <a:chExt cx="548640" cy="548640"/>
+          </a:xfrm>
+        </p:grpSpPr>
+        <p:sp>
+          <p:nvSpPr>
+            <p:cNvPr id="9" name="Oval 8"/>
+            <p:cNvSpPr/>
+            <p:nvPr/>
+          </p:nvSpPr>
+          <p:spPr>
+            <a:xfrm>
+              <a:off x="11361456" y="6195813"/>
+              <a:ext cx="548640" cy="548640"/>
+            </a:xfrm>
+            <a:prstGeom prst="ellipse">
+              <a:avLst/>
+            </a:prstGeom>
+            <a:blipFill dpi="0" rotWithShape="1">
+              <a:blip r:embed="rId4">
+                <a:duotone>
+                  <a:schemeClr val="accent1">
+                    <a:shade val="45000"/>
+                    <a:satMod val="135000"/>
+                  </a:schemeClr>
+                  <a:prstClr val="white"/>
+                </a:duotone>
+                <a:extLst>
+                  <a:ext uri="{BEBA8EAE-BF5A-486C-A8C5-ECC9F3942E4B}">
+                    <a14:imgProps xmlns:a14="http://schemas.microsoft.com/office/drawing/2010/main">
+                      <a14:imgLayer r:embed="rId5">
+                        <a14:imgEffect>
+                          <a14:saturation sat="95000"/>
+                        </a14:imgEffect>
+                        <a14:imgEffect>
+                          <a14:brightnessContrast bright="-40000" contrast="20000"/>
+                        </a14:imgEffect>
+                      </a14:imgLayer>
+                    </a14:imgProps>
+                  </a:ext>
+                </a:extLst>
+              </a:blip>
+              <a:srcRect/>
+              <a:tile tx="50800" ty="0" sx="85000" sy="85000" flip="none" algn="tl"/>
+            </a:blipFill>
+            <a:ln w="25400" cap="flat" cmpd="sng" algn="ctr">
+              <a:noFill/>
+              <a:prstDash val="solid"/>
+            </a:ln>
+            <a:effectLst/>
+          </p:spPr>
+        </p:sp>
+        <p:sp>
+          <p:nvSpPr>
+            <p:cNvPr id="10" name="Oval 9"/>
+            <p:cNvSpPr/>
+            <p:nvPr/>
+          </p:nvSpPr>
+          <p:spPr>
+            <a:xfrm>
+              <a:off x="11396488" y="6230844"/>
+              <a:ext cx="478576" cy="478578"/>
+            </a:xfrm>
+            <a:prstGeom prst="ellipse">
+              <a:avLst/>
+            </a:prstGeom>
+            <a:noFill/>
+            <a:ln w="12700" cap="flat" cmpd="sng" algn="ctr">
+              <a:solidFill>
+                <a:sysClr val="window" lastClr="FFFFFF"/>
+              </a:solidFill>
+              <a:prstDash val="solid"/>
+            </a:ln>
+            <a:effectLst/>
+          </p:spPr>
+        </p:sp>
+      </p:grpSp>
+      <p:sp>
+        <p:nvSpPr>
+          <p:cNvPr id="7" name="Slide Number Placeholder 6"/>
           <p:cNvSpPr>
             <a:spLocks noGrp="1"/>
           </p:cNvSpPr>
@@ -2740,7 +3295,7 @@
     </p:spTree>
     <p:extLst>
       <p:ext uri="{BB962C8B-B14F-4D97-AF65-F5344CB8AC3E}">
-        <p14:creationId xmlns:p14="http://schemas.microsoft.com/office/powerpoint/2010/main" val="4145804353"/>
+        <p14:creationId xmlns:p14="http://schemas.microsoft.com/office/powerpoint/2010/main" val="406514023"/>
       </p:ext>
     </p:extLst>
   </p:cSld>
@@ -2774,13 +3329,7 @@
       </p:grpSpPr>
       <p:sp>
         <p:nvSpPr>
-          <p:cNvPr id="2" name="Title Placeholder 1">
-            <a:extLst>
-              <a:ext uri="{FF2B5EF4-FFF2-40B4-BE49-F238E27FC236}">
-                <a16:creationId xmlns:a16="http://schemas.microsoft.com/office/drawing/2014/main" id="{C54CA108-6F4D-4198-8C9B-C8A46FFB1B93}"/>
-              </a:ext>
-            </a:extLst>
-          </p:cNvPr>
+          <p:cNvPr id="2" name="Title Placeholder 1"/>
           <p:cNvSpPr>
             <a:spLocks noGrp="1"/>
           </p:cNvSpPr>
@@ -2790,8 +3339,8 @@
         </p:nvSpPr>
         <p:spPr>
           <a:xfrm>
-            <a:off x="838200" y="365125"/>
-            <a:ext cx="10515600" cy="1325563"/>
+            <a:off x="1069848" y="484632"/>
+            <a:ext cx="10058400" cy="1609344"/>
           </a:xfrm>
           <a:prstGeom prst="rect">
             <a:avLst/>
@@ -2804,21 +3353,16 @@
           <a:lstStyle/>
           <a:p>
             <a:r>
-              <a:rPr lang="en-US"/>
+              <a:rPr lang="en-US" smtClean="0"/>
               <a:t>Click to edit Master title style</a:t>
             </a:r>
-          </a:p>
-        </p:txBody>
-      </p:sp>
-      <p:sp>
-        <p:nvSpPr>
-          <p:cNvPr id="3" name="Text Placeholder 2">
-            <a:extLst>
-              <a:ext uri="{FF2B5EF4-FFF2-40B4-BE49-F238E27FC236}">
-                <a16:creationId xmlns:a16="http://schemas.microsoft.com/office/drawing/2014/main" id="{68088F74-EEA8-4601-B01A-FEA0AE5FFB11}"/>
-              </a:ext>
-            </a:extLst>
-          </p:cNvPr>
+            <a:endParaRPr lang="en-US" dirty="0"/>
+          </a:p>
+        </p:txBody>
+      </p:sp>
+      <p:sp>
+        <p:nvSpPr>
+          <p:cNvPr id="3" name="Text Placeholder 2"/>
           <p:cNvSpPr>
             <a:spLocks noGrp="1"/>
           </p:cNvSpPr>
@@ -2828,8 +3372,8 @@
         </p:nvSpPr>
         <p:spPr>
           <a:xfrm>
-            <a:off x="838200" y="1825625"/>
-            <a:ext cx="10515600" cy="4351338"/>
+            <a:off x="1069848" y="2121408"/>
+            <a:ext cx="10058400" cy="4050792"/>
           </a:xfrm>
           <a:prstGeom prst="rect">
             <a:avLst/>
@@ -2843,49 +3387,44 @@
           <a:p>
             <a:pPr lvl="0"/>
             <a:r>
-              <a:rPr lang="en-US"/>
+              <a:rPr lang="en-US" smtClean="0"/>
               <a:t>Click to edit Master text styles</a:t>
             </a:r>
           </a:p>
           <a:p>
             <a:pPr lvl="1"/>
             <a:r>
-              <a:rPr lang="en-US"/>
+              <a:rPr lang="en-US" smtClean="0"/>
               <a:t>Second level</a:t>
             </a:r>
           </a:p>
           <a:p>
             <a:pPr lvl="2"/>
             <a:r>
-              <a:rPr lang="en-US"/>
+              <a:rPr lang="en-US" smtClean="0"/>
               <a:t>Third level</a:t>
             </a:r>
           </a:p>
           <a:p>
             <a:pPr lvl="3"/>
             <a:r>
-              <a:rPr lang="en-US"/>
+              <a:rPr lang="en-US" smtClean="0"/>
               <a:t>Fourth level</a:t>
             </a:r>
           </a:p>
           <a:p>
             <a:pPr lvl="4"/>
             <a:r>
-              <a:rPr lang="en-US"/>
+              <a:rPr lang="en-US" smtClean="0"/>
               <a:t>Fifth level</a:t>
             </a:r>
-          </a:p>
-        </p:txBody>
-      </p:sp>
-      <p:sp>
-        <p:nvSpPr>
-          <p:cNvPr id="4" name="Date Placeholder 3">
-            <a:extLst>
-              <a:ext uri="{FF2B5EF4-FFF2-40B4-BE49-F238E27FC236}">
-                <a16:creationId xmlns:a16="http://schemas.microsoft.com/office/drawing/2014/main" id="{803BD2C4-EBDA-40DE-B5F3-023D1CA8757D}"/>
-              </a:ext>
-            </a:extLst>
-          </p:cNvPr>
+            <a:endParaRPr lang="en-US" dirty="0"/>
+          </a:p>
+        </p:txBody>
+      </p:sp>
+      <p:sp>
+        <p:nvSpPr>
+          <p:cNvPr id="4" name="Date Placeholder 3"/>
           <p:cNvSpPr>
             <a:spLocks noGrp="1"/>
           </p:cNvSpPr>
@@ -2895,8 +3434,8 @@
         </p:nvSpPr>
         <p:spPr>
           <a:xfrm>
-            <a:off x="838200" y="6356350"/>
-            <a:ext cx="2743200" cy="365125"/>
+            <a:off x="7964424" y="6272784"/>
+            <a:ext cx="3273552" cy="365125"/>
           </a:xfrm>
           <a:prstGeom prst="rect">
             <a:avLst/>
@@ -2905,12 +3444,10 @@
         <p:txBody>
           <a:bodyPr vert="horz" lIns="91440" tIns="45720" rIns="91440" bIns="45720" rtlCol="0" anchor="ctr"/>
           <a:lstStyle>
-            <a:lvl1pPr algn="l">
-              <a:defRPr sz="1200">
+            <a:lvl1pPr algn="r">
+              <a:defRPr sz="1100">
                 <a:solidFill>
-                  <a:schemeClr val="tx1">
-                    <a:tint val="75000"/>
-                  </a:schemeClr>
+                  <a:schemeClr val="tx2"/>
                 </a:solidFill>
               </a:defRPr>
             </a:lvl1pPr>
@@ -2926,13 +3463,7 @@
       </p:sp>
       <p:sp>
         <p:nvSpPr>
-          <p:cNvPr id="5" name="Footer Placeholder 4">
-            <a:extLst>
-              <a:ext uri="{FF2B5EF4-FFF2-40B4-BE49-F238E27FC236}">
-                <a16:creationId xmlns:a16="http://schemas.microsoft.com/office/drawing/2014/main" id="{93A2C0F6-08FF-4C1E-BCA2-A4464890E43B}"/>
-              </a:ext>
-            </a:extLst>
-          </p:cNvPr>
+          <p:cNvPr id="5" name="Footer Placeholder 4"/>
           <p:cNvSpPr>
             <a:spLocks noGrp="1"/>
           </p:cNvSpPr>
@@ -2942,8 +3473,8 @@
         </p:nvSpPr>
         <p:spPr>
           <a:xfrm>
-            <a:off x="4038600" y="6356350"/>
-            <a:ext cx="4114800" cy="365125"/>
+            <a:off x="1088136" y="6272784"/>
+            <a:ext cx="6327648" cy="365125"/>
           </a:xfrm>
           <a:prstGeom prst="rect">
             <a:avLst/>
@@ -2952,12 +3483,10 @@
         <p:txBody>
           <a:bodyPr vert="horz" lIns="91440" tIns="45720" rIns="91440" bIns="45720" rtlCol="0" anchor="ctr"/>
           <a:lstStyle>
-            <a:lvl1pPr algn="ctr">
-              <a:defRPr sz="1200">
+            <a:lvl1pPr algn="l">
+              <a:defRPr sz="1100">
                 <a:solidFill>
-                  <a:schemeClr val="tx1">
-                    <a:tint val="75000"/>
-                  </a:schemeClr>
+                  <a:schemeClr val="tx2"/>
                 </a:solidFill>
               </a:defRPr>
             </a:lvl1pPr>
@@ -2967,15 +3496,98 @@
           </a:p>
         </p:txBody>
       </p:sp>
-      <p:sp>
-        <p:nvSpPr>
-          <p:cNvPr id="6" name="Slide Number Placeholder 5">
-            <a:extLst>
-              <a:ext uri="{FF2B5EF4-FFF2-40B4-BE49-F238E27FC236}">
-                <a16:creationId xmlns:a16="http://schemas.microsoft.com/office/drawing/2014/main" id="{52794169-F334-4EC6-8991-75015FBE51DB}"/>
-              </a:ext>
-            </a:extLst>
-          </p:cNvPr>
+      <p:grpSp>
+        <p:nvGrpSpPr>
+          <p:cNvPr id="7" name="Group 6"/>
+          <p:cNvGrpSpPr>
+            <a:grpSpLocks noChangeAspect="1"/>
+          </p:cNvGrpSpPr>
+          <p:nvPr/>
+        </p:nvGrpSpPr>
+        <p:grpSpPr>
+          <a:xfrm>
+            <a:off x="11401725" y="6229681"/>
+            <a:ext cx="457200" cy="457200"/>
+            <a:chOff x="11361456" y="6195813"/>
+            <a:chExt cx="548640" cy="548640"/>
+          </a:xfrm>
+        </p:grpSpPr>
+        <p:sp>
+          <p:nvSpPr>
+            <p:cNvPr id="8" name="Oval 7"/>
+            <p:cNvSpPr/>
+            <p:nvPr/>
+          </p:nvSpPr>
+          <p:spPr>
+            <a:xfrm>
+              <a:off x="11361456" y="6195813"/>
+              <a:ext cx="548640" cy="548640"/>
+            </a:xfrm>
+            <a:prstGeom prst="ellipse">
+              <a:avLst/>
+            </a:prstGeom>
+            <a:blipFill dpi="0" rotWithShape="1">
+              <a:blip r:embed="rId13">
+                <a:duotone>
+                  <a:schemeClr val="accent1">
+                    <a:shade val="45000"/>
+                    <a:satMod val="135000"/>
+                  </a:schemeClr>
+                  <a:prstClr val="white"/>
+                </a:duotone>
+                <a:extLst>
+                  <a:ext uri="{BEBA8EAE-BF5A-486C-A8C5-ECC9F3942E4B}">
+                    <a14:imgProps xmlns:a14="http://schemas.microsoft.com/office/drawing/2010/main">
+                      <a14:imgLayer r:embed="rId14">
+                        <a14:imgEffect>
+                          <a14:saturation sat="95000"/>
+                        </a14:imgEffect>
+                        <a14:imgEffect>
+                          <a14:brightnessContrast bright="-40000" contrast="20000"/>
+                        </a14:imgEffect>
+                      </a14:imgLayer>
+                    </a14:imgProps>
+                  </a:ext>
+                </a:extLst>
+              </a:blip>
+              <a:srcRect/>
+              <a:tile tx="50800" ty="0" sx="85000" sy="85000" flip="none" algn="tl"/>
+            </a:blipFill>
+            <a:ln w="25400" cap="flat" cmpd="sng" algn="ctr">
+              <a:noFill/>
+              <a:prstDash val="solid"/>
+            </a:ln>
+            <a:effectLst/>
+          </p:spPr>
+        </p:sp>
+        <p:sp>
+          <p:nvSpPr>
+            <p:cNvPr id="9" name="Oval 8"/>
+            <p:cNvSpPr/>
+            <p:nvPr/>
+          </p:nvSpPr>
+          <p:spPr>
+            <a:xfrm>
+              <a:off x="11396488" y="6230844"/>
+              <a:ext cx="478576" cy="478578"/>
+            </a:xfrm>
+            <a:prstGeom prst="ellipse">
+              <a:avLst/>
+            </a:prstGeom>
+            <a:noFill/>
+            <a:ln w="12700" cap="flat" cmpd="sng" algn="ctr">
+              <a:solidFill>
+                <a:srgbClr val="FFFFFF"/>
+              </a:solidFill>
+              <a:prstDash val="solid"/>
+            </a:ln>
+            <a:effectLst/>
+          </p:spPr>
+        </p:sp>
+      </p:grpSp>
+      <p:sp>
+        <p:nvSpPr>
+          <p:cNvPr id="6" name="Slide Number Placeholder 5"/>
           <p:cNvSpPr>
             <a:spLocks noGrp="1"/>
           </p:cNvSpPr>
@@ -2985,8 +3597,8 @@
         </p:nvSpPr>
         <p:spPr>
           <a:xfrm>
-            <a:off x="8610600" y="6356350"/>
-            <a:ext cx="2743200" cy="365125"/>
+            <a:off x="11311128" y="6272784"/>
+            <a:ext cx="640080" cy="365125"/>
           </a:xfrm>
           <a:prstGeom prst="rect">
             <a:avLst/>
@@ -2995,13 +3607,12 @@
         <p:txBody>
           <a:bodyPr vert="horz" lIns="91440" tIns="45720" rIns="91440" bIns="45720" rtlCol="0" anchor="ctr"/>
           <a:lstStyle>
-            <a:lvl1pPr algn="r">
-              <a:defRPr sz="1200">
+            <a:lvl1pPr algn="ctr">
+              <a:defRPr sz="1400" b="1">
                 <a:solidFill>
-                  <a:schemeClr val="tx1">
-                    <a:tint val="75000"/>
-                  </a:schemeClr>
+                  <a:srgbClr val="FFFFFF"/>
                 </a:solidFill>
+                <a:latin typeface="+mj-lt"/>
               </a:defRPr>
             </a:lvl1pPr>
           </a:lstStyle>
@@ -3017,23 +3628,23 @@
     </p:spTree>
     <p:extLst>
       <p:ext uri="{BB962C8B-B14F-4D97-AF65-F5344CB8AC3E}">
-        <p14:creationId xmlns:p14="http://schemas.microsoft.com/office/powerpoint/2010/main" val="2194054041"/>
+        <p14:creationId xmlns:p14="http://schemas.microsoft.com/office/powerpoint/2010/main" val="1195237292"/>
       </p:ext>
     </p:extLst>
   </p:cSld>
   <p:clrMap bg1="lt1" tx1="dk1" bg2="lt2" tx2="dk2" accent1="accent1" accent2="accent2" accent3="accent3" accent4="accent4" accent5="accent5" accent6="accent6" hlink="hlink" folHlink="folHlink"/>
   <p:sldLayoutIdLst>
-    <p:sldLayoutId id="2147483649" r:id="rId1"/>
-    <p:sldLayoutId id="2147483650" r:id="rId2"/>
-    <p:sldLayoutId id="2147483651" r:id="rId3"/>
-    <p:sldLayoutId id="2147483652" r:id="rId4"/>
-    <p:sldLayoutId id="2147483653" r:id="rId5"/>
-    <p:sldLayoutId id="2147483654" r:id="rId6"/>
-    <p:sldLayoutId id="2147483655" r:id="rId7"/>
-    <p:sldLayoutId id="2147483656" r:id="rId8"/>
-    <p:sldLayoutId id="2147483657" r:id="rId9"/>
-    <p:sldLayoutId id="2147483658" r:id="rId10"/>
-    <p:sldLayoutId id="2147483659" r:id="rId11"/>
+    <p:sldLayoutId id="2147483685" r:id="rId1"/>
+    <p:sldLayoutId id="2147483686" r:id="rId2"/>
+    <p:sldLayoutId id="2147483687" r:id="rId3"/>
+    <p:sldLayoutId id="2147483688" r:id="rId4"/>
+    <p:sldLayoutId id="2147483689" r:id="rId5"/>
+    <p:sldLayoutId id="2147483690" r:id="rId6"/>
+    <p:sldLayoutId id="2147483691" r:id="rId7"/>
+    <p:sldLayoutId id="2147483692" r:id="rId8"/>
+    <p:sldLayoutId id="2147483693" r:id="rId9"/>
+    <p:sldLayoutId id="2147483694" r:id="rId10"/>
+    <p:sldLayoutId id="2147483695" r:id="rId11"/>
   </p:sldLayoutIdLst>
   <p:txStyles>
     <p:titleStyle>
@@ -3045,10 +3656,17 @@
           <a:spcPct val="0"/>
         </a:spcBef>
         <a:buNone/>
-        <a:defRPr sz="4400" kern="1200">
-          <a:solidFill>
-            <a:schemeClr val="tx1"/>
-          </a:solidFill>
+        <a:defRPr sz="5400" kern="1200" cap="all" baseline="0">
+          <a:blipFill>
+            <a:blip r:embed="rId15">
+              <a:extLst>
+                <a:ext uri="{28A0092B-C50C-407E-A947-70E740481C1C}">
+                  <a14:useLocalDpi xmlns:a14="http://schemas.microsoft.com/office/drawing/2010/main" val="0"/>
+                </a:ext>
+              </a:extLst>
+            </a:blip>
+            <a:tile tx="6350" ty="-127000" sx="65000" sy="64000" flip="none" algn="tl"/>
+          </a:blipFill>
           <a:latin typeface="+mj-lt"/>
           <a:ea typeface="+mj-ea"/>
           <a:cs typeface="+mj-cs"/>
@@ -3056,16 +3674,22 @@
       </a:lvl1pPr>
     </p:titleStyle>
     <p:bodyStyle>
-      <a:lvl1pPr marL="228600" indent="-228600" algn="l" defTabSz="914400" rtl="0" eaLnBrk="1" latinLnBrk="0" hangingPunct="1">
+      <a:lvl1pPr marL="182880" indent="-182880" algn="l" defTabSz="914400" rtl="0" eaLnBrk="1" latinLnBrk="0" hangingPunct="1">
         <a:lnSpc>
           <a:spcPct val="90000"/>
         </a:lnSpc>
         <a:spcBef>
-          <a:spcPts val="1000"/>
+          <a:spcPts val="1200"/>
         </a:spcBef>
-        <a:buFont typeface="Arial" panose="020B0604020202020204" pitchFamily="34" charset="0"/>
-        <a:buChar char="•"/>
-        <a:defRPr sz="2800" kern="1200">
+        <a:buClr>
+          <a:schemeClr val="accent1">
+            <a:lumMod val="75000"/>
+          </a:schemeClr>
+        </a:buClr>
+        <a:buSzPct val="85000"/>
+        <a:buFont typeface="Wingdings" pitchFamily="2" charset="2"/>
+        <a:buChar char="§"/>
+        <a:defRPr sz="2000" kern="1200">
           <a:solidFill>
             <a:schemeClr val="tx1"/>
           </a:solidFill>
@@ -3074,16 +3698,25 @@
           <a:cs typeface="+mn-cs"/>
         </a:defRPr>
       </a:lvl1pPr>
-      <a:lvl2pPr marL="685800" indent="-228600" algn="l" defTabSz="914400" rtl="0" eaLnBrk="1" latinLnBrk="0" hangingPunct="1">
+      <a:lvl2pPr marL="457200" indent="-182880" algn="l" defTabSz="914400" rtl="0" eaLnBrk="1" latinLnBrk="0" hangingPunct="1">
         <a:lnSpc>
           <a:spcPct val="90000"/>
         </a:lnSpc>
         <a:spcBef>
-          <a:spcPts val="500"/>
+          <a:spcPts val="400"/>
         </a:spcBef>
-        <a:buFont typeface="Arial" panose="020B0604020202020204" pitchFamily="34" charset="0"/>
-        <a:buChar char="•"/>
-        <a:defRPr sz="2400" kern="1200">
+        <a:spcAft>
+          <a:spcPts val="200"/>
+        </a:spcAft>
+        <a:buClr>
+          <a:schemeClr val="accent1">
+            <a:lumMod val="75000"/>
+          </a:schemeClr>
+        </a:buClr>
+        <a:buSzPct val="85000"/>
+        <a:buFont typeface="Wingdings" pitchFamily="2" charset="2"/>
+        <a:buChar char="§"/>
+        <a:defRPr sz="1800" kern="1200">
           <a:solidFill>
             <a:schemeClr val="tx1"/>
           </a:solidFill>
@@ -3092,16 +3725,25 @@
           <a:cs typeface="+mn-cs"/>
         </a:defRPr>
       </a:lvl2pPr>
-      <a:lvl3pPr marL="1143000" indent="-228600" algn="l" defTabSz="914400" rtl="0" eaLnBrk="1" latinLnBrk="0" hangingPunct="1">
+      <a:lvl3pPr marL="731520" indent="-182880" algn="l" defTabSz="914400" rtl="0" eaLnBrk="1" latinLnBrk="0" hangingPunct="1">
         <a:lnSpc>
           <a:spcPct val="90000"/>
         </a:lnSpc>
         <a:spcBef>
-          <a:spcPts val="500"/>
+          <a:spcPts val="400"/>
         </a:spcBef>
-        <a:buFont typeface="Arial" panose="020B0604020202020204" pitchFamily="34" charset="0"/>
-        <a:buChar char="•"/>
-        <a:defRPr sz="2000" kern="1200">
+        <a:spcAft>
+          <a:spcPts val="200"/>
+        </a:spcAft>
+        <a:buClr>
+          <a:schemeClr val="accent1">
+            <a:lumMod val="75000"/>
+          </a:schemeClr>
+        </a:buClr>
+        <a:buSzPct val="85000"/>
+        <a:buFont typeface="Wingdings" pitchFamily="2" charset="2"/>
+        <a:buChar char="§"/>
+        <a:defRPr sz="1600" kern="1200">
           <a:solidFill>
             <a:schemeClr val="tx1"/>
           </a:solidFill>
@@ -3110,16 +3752,25 @@
           <a:cs typeface="+mn-cs"/>
         </a:defRPr>
       </a:lvl3pPr>
-      <a:lvl4pPr marL="1600200" indent="-228600" algn="l" defTabSz="914400" rtl="0" eaLnBrk="1" latinLnBrk="0" hangingPunct="1">
+      <a:lvl4pPr marL="1005840" indent="-182880" algn="l" defTabSz="914400" rtl="0" eaLnBrk="1" latinLnBrk="0" hangingPunct="1">
         <a:lnSpc>
           <a:spcPct val="90000"/>
         </a:lnSpc>
         <a:spcBef>
-          <a:spcPts val="500"/>
+          <a:spcPts val="400"/>
         </a:spcBef>
-        <a:buFont typeface="Arial" panose="020B0604020202020204" pitchFamily="34" charset="0"/>
-        <a:buChar char="•"/>
-        <a:defRPr sz="1800" kern="1200">
+        <a:spcAft>
+          <a:spcPts val="200"/>
+        </a:spcAft>
+        <a:buClr>
+          <a:schemeClr val="accent1">
+            <a:lumMod val="75000"/>
+          </a:schemeClr>
+        </a:buClr>
+        <a:buSzPct val="85000"/>
+        <a:buFont typeface="Wingdings" pitchFamily="2" charset="2"/>
+        <a:buChar char="§"/>
+        <a:defRPr sz="1600" kern="1200">
           <a:solidFill>
             <a:schemeClr val="tx1"/>
           </a:solidFill>
@@ -3128,16 +3779,25 @@
           <a:cs typeface="+mn-cs"/>
         </a:defRPr>
       </a:lvl4pPr>
-      <a:lvl5pPr marL="2057400" indent="-228600" algn="l" defTabSz="914400" rtl="0" eaLnBrk="1" latinLnBrk="0" hangingPunct="1">
+      <a:lvl5pPr marL="1280160" indent="-182880" algn="l" defTabSz="914400" rtl="0" eaLnBrk="1" latinLnBrk="0" hangingPunct="1">
         <a:lnSpc>
           <a:spcPct val="90000"/>
         </a:lnSpc>
         <a:spcBef>
-          <a:spcPts val="500"/>
+          <a:spcPts val="400"/>
         </a:spcBef>
-        <a:buFont typeface="Arial" panose="020B0604020202020204" pitchFamily="34" charset="0"/>
-        <a:buChar char="•"/>
-        <a:defRPr sz="1800" kern="1200">
+        <a:spcAft>
+          <a:spcPts val="200"/>
+        </a:spcAft>
+        <a:buClr>
+          <a:schemeClr val="accent1">
+            <a:lumMod val="75000"/>
+          </a:schemeClr>
+        </a:buClr>
+        <a:buSzPct val="85000"/>
+        <a:buFont typeface="Wingdings" pitchFamily="2" charset="2"/>
+        <a:buChar char="§"/>
+        <a:defRPr sz="1600" kern="1200">
           <a:solidFill>
             <a:schemeClr val="tx1"/>
           </a:solidFill>
@@ -3146,16 +3806,25 @@
           <a:cs typeface="+mn-cs"/>
         </a:defRPr>
       </a:lvl5pPr>
-      <a:lvl6pPr marL="2514600" indent="-228600" algn="l" defTabSz="914400" rtl="0" eaLnBrk="1" latinLnBrk="0" hangingPunct="1">
+      <a:lvl6pPr marL="1600000" indent="-228600" algn="l" defTabSz="914400" rtl="0" eaLnBrk="1" latinLnBrk="0" hangingPunct="1">
         <a:lnSpc>
           <a:spcPct val="90000"/>
         </a:lnSpc>
         <a:spcBef>
-          <a:spcPts val="500"/>
+          <a:spcPts val="400"/>
         </a:spcBef>
-        <a:buFont typeface="Arial" panose="020B0604020202020204" pitchFamily="34" charset="0"/>
-        <a:buChar char="•"/>
-        <a:defRPr sz="1800" kern="1200">
+        <a:spcAft>
+          <a:spcPts val="200"/>
+        </a:spcAft>
+        <a:buClr>
+          <a:schemeClr val="accent1">
+            <a:lumMod val="75000"/>
+          </a:schemeClr>
+        </a:buClr>
+        <a:buSzPct val="85000"/>
+        <a:buFont typeface="Wingdings" pitchFamily="2" charset="2"/>
+        <a:buChar char="§"/>
+        <a:defRPr sz="1600" kern="1200">
           <a:solidFill>
             <a:schemeClr val="tx1"/>
           </a:solidFill>
@@ -3164,16 +3833,25 @@
           <a:cs typeface="+mn-cs"/>
         </a:defRPr>
       </a:lvl6pPr>
-      <a:lvl7pPr marL="2971800" indent="-228600" algn="l" defTabSz="914400" rtl="0" eaLnBrk="1" latinLnBrk="0" hangingPunct="1">
+      <a:lvl7pPr marL="1900000" indent="-228600" algn="l" defTabSz="914400" rtl="0" eaLnBrk="1" latinLnBrk="0" hangingPunct="1">
         <a:lnSpc>
           <a:spcPct val="90000"/>
         </a:lnSpc>
         <a:spcBef>
-          <a:spcPts val="500"/>
+          <a:spcPts val="400"/>
         </a:spcBef>
-        <a:buFont typeface="Arial" panose="020B0604020202020204" pitchFamily="34" charset="0"/>
-        <a:buChar char="•"/>
-        <a:defRPr sz="1800" kern="1200">
+        <a:spcAft>
+          <a:spcPts val="200"/>
+        </a:spcAft>
+        <a:buClr>
+          <a:schemeClr val="accent1">
+            <a:lumMod val="75000"/>
+          </a:schemeClr>
+        </a:buClr>
+        <a:buSzPct val="85000"/>
+        <a:buFont typeface="Wingdings" pitchFamily="2" charset="2"/>
+        <a:buChar char="§"/>
+        <a:defRPr sz="1600" kern="1200">
           <a:solidFill>
             <a:schemeClr val="tx1"/>
           </a:solidFill>
@@ -3182,16 +3860,25 @@
           <a:cs typeface="+mn-cs"/>
         </a:defRPr>
       </a:lvl7pPr>
-      <a:lvl8pPr marL="3429000" indent="-228600" algn="l" defTabSz="914400" rtl="0" eaLnBrk="1" latinLnBrk="0" hangingPunct="1">
+      <a:lvl8pPr marL="2200000" indent="-228600" algn="l" defTabSz="914400" rtl="0" eaLnBrk="1" latinLnBrk="0" hangingPunct="1">
         <a:lnSpc>
           <a:spcPct val="90000"/>
         </a:lnSpc>
         <a:spcBef>
-          <a:spcPts val="500"/>
+          <a:spcPts val="400"/>
         </a:spcBef>
-        <a:buFont typeface="Arial" panose="020B0604020202020204" pitchFamily="34" charset="0"/>
-        <a:buChar char="•"/>
-        <a:defRPr sz="1800" kern="1200">
+        <a:spcAft>
+          <a:spcPts val="200"/>
+        </a:spcAft>
+        <a:buClr>
+          <a:schemeClr val="accent1">
+            <a:lumMod val="75000"/>
+          </a:schemeClr>
+        </a:buClr>
+        <a:buSzPct val="85000"/>
+        <a:buFont typeface="Wingdings" pitchFamily="2" charset="2"/>
+        <a:buChar char="§"/>
+        <a:defRPr sz="1600" kern="1200">
           <a:solidFill>
             <a:schemeClr val="tx1"/>
           </a:solidFill>
@@ -3200,16 +3887,25 @@
           <a:cs typeface="+mn-cs"/>
         </a:defRPr>
       </a:lvl8pPr>
-      <a:lvl9pPr marL="3886200" indent="-228600" algn="l" defTabSz="914400" rtl="0" eaLnBrk="1" latinLnBrk="0" hangingPunct="1">
+      <a:lvl9pPr marL="2500000" indent="-228600" algn="l" defTabSz="914400" rtl="0" eaLnBrk="1" latinLnBrk="0" hangingPunct="1">
         <a:lnSpc>
           <a:spcPct val="90000"/>
         </a:lnSpc>
         <a:spcBef>
-          <a:spcPts val="500"/>
+          <a:spcPts val="400"/>
         </a:spcBef>
-        <a:buFont typeface="Arial" panose="020B0604020202020204" pitchFamily="34" charset="0"/>
-        <a:buChar char="•"/>
-        <a:defRPr sz="1800" kern="1200">
+        <a:spcAft>
+          <a:spcPts val="200"/>
+        </a:spcAft>
+        <a:buClr>
+          <a:schemeClr val="accent1">
+            <a:lumMod val="75000"/>
+          </a:schemeClr>
+        </a:buClr>
+        <a:buSzPct val="85000"/>
+        <a:buFont typeface="Wingdings" pitchFamily="2" charset="2"/>
+        <a:buChar char="§"/>
+        <a:defRPr sz="1600" kern="1200">
           <a:solidFill>
             <a:schemeClr val="tx1"/>
           </a:solidFill>
@@ -3340,7 +4036,7 @@
           <p:cNvPr id="2" name="Title 1">
             <a:extLst>
               <a:ext uri="{FF2B5EF4-FFF2-40B4-BE49-F238E27FC236}">
-                <a16:creationId xmlns:a16="http://schemas.microsoft.com/office/drawing/2014/main" id="{5175B2BE-68DC-42AA-A01C-DFF7E4EB769A}"/>
+                <a16:creationId xmlns:a16="http://schemas.microsoft.com/office/drawing/2014/main" xmlns="" id="{5175B2BE-68DC-42AA-A01C-DFF7E4EB769A}"/>
               </a:ext>
             </a:extLst>
           </p:cNvPr>
@@ -3354,20 +4050,17 @@
         <p:spPr/>
         <p:txBody>
           <a:bodyPr>
-            <a:normAutofit fontScale="90000"/>
+            <a:normAutofit/>
           </a:bodyPr>
           <a:lstStyle/>
           <a:p>
             <a:r>
-              <a:rPr lang="en-US" sz="7000" dirty="0" err="1"/>
+              <a:rPr lang="en-US" sz="7000" dirty="0" err="1" smtClean="0"/>
               <a:t>Truvel</a:t>
             </a:r>
-            <a:br>
-              <a:rPr lang="en-US" dirty="0"/>
-            </a:br>
             <a:r>
               <a:rPr lang="en-US" sz="4000" dirty="0"/>
-              <a:t>Where Should you Travel to?</a:t>
+              <a:t/>
             </a:r>
             <a:br>
               <a:rPr lang="en-US" sz="4000" dirty="0"/>
@@ -3385,7 +4078,7 @@
           <p:cNvPr id="3" name="Subtitle 2">
             <a:extLst>
               <a:ext uri="{FF2B5EF4-FFF2-40B4-BE49-F238E27FC236}">
-                <a16:creationId xmlns:a16="http://schemas.microsoft.com/office/drawing/2014/main" id="{9D0F9321-FEF3-45F9-9425-BC3C4FDA68AF}"/>
+                <a16:creationId xmlns:a16="http://schemas.microsoft.com/office/drawing/2014/main" xmlns="" id="{9D0F9321-FEF3-45F9-9425-BC3C4FDA68AF}"/>
               </a:ext>
             </a:extLst>
           </p:cNvPr>
@@ -3398,7 +4091,7 @@
         </p:nvSpPr>
         <p:spPr>
           <a:xfrm>
-            <a:off x="1524000" y="4204711"/>
+            <a:off x="1463040" y="4468031"/>
             <a:ext cx="9144000" cy="1655762"/>
           </a:xfrm>
         </p:spPr>
@@ -3496,7 +4189,7 @@
           <p:cNvPr id="2" name="Title 1">
             <a:extLst>
               <a:ext uri="{FF2B5EF4-FFF2-40B4-BE49-F238E27FC236}">
-                <a16:creationId xmlns:a16="http://schemas.microsoft.com/office/drawing/2014/main" id="{7A040973-DD4A-4355-9F53-D95CDC61B429}"/>
+                <a16:creationId xmlns:a16="http://schemas.microsoft.com/office/drawing/2014/main" xmlns="" id="{7A040973-DD4A-4355-9F53-D95CDC61B429}"/>
               </a:ext>
             </a:extLst>
           </p:cNvPr>
@@ -3529,7 +4222,7 @@
           <p:cNvPr id="3" name="Content Placeholder 2">
             <a:extLst>
               <a:ext uri="{FF2B5EF4-FFF2-40B4-BE49-F238E27FC236}">
-                <a16:creationId xmlns:a16="http://schemas.microsoft.com/office/drawing/2014/main" id="{B00CABB1-6BEF-45CD-BA62-4E79E4D6203C}"/>
+                <a16:creationId xmlns:a16="http://schemas.microsoft.com/office/drawing/2014/main" xmlns="" id="{B00CABB1-6BEF-45CD-BA62-4E79E4D6203C}"/>
               </a:ext>
             </a:extLst>
           </p:cNvPr>
@@ -3598,7 +4291,7 @@
           <p:cNvPr id="2" name="Title 1">
             <a:extLst>
               <a:ext uri="{FF2B5EF4-FFF2-40B4-BE49-F238E27FC236}">
-                <a16:creationId xmlns:a16="http://schemas.microsoft.com/office/drawing/2014/main" id="{8AB3B7DA-C9B3-4CC9-9B76-38C4A012569F}"/>
+                <a16:creationId xmlns:a16="http://schemas.microsoft.com/office/drawing/2014/main" xmlns="" id="{8AB3B7DA-C9B3-4CC9-9B76-38C4A012569F}"/>
               </a:ext>
             </a:extLst>
           </p:cNvPr>
@@ -3626,7 +4319,7 @@
           <p:cNvPr id="3" name="Content Placeholder 2">
             <a:extLst>
               <a:ext uri="{FF2B5EF4-FFF2-40B4-BE49-F238E27FC236}">
-                <a16:creationId xmlns:a16="http://schemas.microsoft.com/office/drawing/2014/main" id="{E2EE22F3-C60D-4C0E-8A76-4EE98C064756}"/>
+                <a16:creationId xmlns:a16="http://schemas.microsoft.com/office/drawing/2014/main" xmlns="" id="{E2EE22F3-C60D-4C0E-8A76-4EE98C064756}"/>
               </a:ext>
             </a:extLst>
           </p:cNvPr>
@@ -3663,14 +4356,28 @@
           <a:p>
             <a:r>
               <a:rPr lang="en-US" dirty="0"/>
-              <a:t>Cost of Living Index – source</a:t>
-            </a:r>
+              <a:t>Cost of Living Index – </a:t>
+            </a:r>
+            <a:r>
+              <a:rPr lang="en-US" dirty="0" err="1" smtClean="0"/>
+              <a:t>Kaggle</a:t>
+            </a:r>
+            <a:r>
+              <a:rPr lang="en-US" dirty="0" smtClean="0"/>
+              <a:t> Dataset / Budget Your Trip </a:t>
+            </a:r>
+            <a:endParaRPr lang="en-US" dirty="0"/>
           </a:p>
           <a:p>
             <a:r>
               <a:rPr lang="en-US" dirty="0"/>
-              <a:t>Top vacation lists - source</a:t>
-            </a:r>
+              <a:t>Top vacation lists </a:t>
+            </a:r>
+            <a:r>
+              <a:rPr lang="en-US" dirty="0" smtClean="0"/>
+              <a:t>– Budget Your Trip</a:t>
+            </a:r>
+            <a:endParaRPr lang="en-US" dirty="0"/>
           </a:p>
         </p:txBody>
       </p:sp>
@@ -3709,7 +4416,7 @@
           <p:cNvPr id="2" name="Title 1">
             <a:extLst>
               <a:ext uri="{FF2B5EF4-FFF2-40B4-BE49-F238E27FC236}">
-                <a16:creationId xmlns:a16="http://schemas.microsoft.com/office/drawing/2014/main" id="{CB6DA00C-F4AD-41C5-A83D-4917337618B8}"/>
+                <a16:creationId xmlns:a16="http://schemas.microsoft.com/office/drawing/2014/main" xmlns="" id="{CB6DA00C-F4AD-41C5-A83D-4917337618B8}"/>
               </a:ext>
             </a:extLst>
           </p:cNvPr>
@@ -3744,7 +4451,7 @@
           <p:cNvPr id="3" name="Content Placeholder 2">
             <a:extLst>
               <a:ext uri="{FF2B5EF4-FFF2-40B4-BE49-F238E27FC236}">
-                <a16:creationId xmlns:a16="http://schemas.microsoft.com/office/drawing/2014/main" id="{5D995FBC-24CC-4A64-897E-B3ED5E11D4F7}"/>
+                <a16:creationId xmlns:a16="http://schemas.microsoft.com/office/drawing/2014/main" xmlns="" id="{5D995FBC-24CC-4A64-897E-B3ED5E11D4F7}"/>
               </a:ext>
             </a:extLst>
           </p:cNvPr>
@@ -3801,15 +4508,33 @@
             <a:pPr lvl="1"/>
             <a:r>
               <a:rPr lang="en-US" dirty="0"/>
-              <a:t>Captures overall cost </a:t>
-            </a:r>
+              <a:t>Captures </a:t>
+            </a:r>
+            <a:r>
+              <a:rPr lang="en-US" dirty="0" smtClean="0"/>
+              <a:t>average cost per person per day</a:t>
+            </a:r>
+            <a:endParaRPr lang="en-US" dirty="0"/>
           </a:p>
           <a:p>
             <a:pPr lvl="1"/>
             <a:r>
               <a:rPr lang="en-US" dirty="0"/>
-              <a:t>Initial work with Google Places API indicated that many establishments didn’t have information on cost, to supplement this we grabbed a separate dataset to work with.</a:t>
-            </a:r>
+              <a:t>Initial work with Google Places API indicated that many establishments didn’t have information on cost, to supplement this we grabbed a separate dataset to work </a:t>
+            </a:r>
+            <a:r>
+              <a:rPr lang="en-US" dirty="0" smtClean="0"/>
+              <a:t>with  like </a:t>
+            </a:r>
+            <a:r>
+              <a:rPr lang="en-US" dirty="0" err="1" smtClean="0"/>
+              <a:t>Kaggle</a:t>
+            </a:r>
+            <a:r>
+              <a:rPr lang="en-US" dirty="0" smtClean="0"/>
+              <a:t> and budget my trip.</a:t>
+            </a:r>
+            <a:endParaRPr lang="en-US" dirty="0"/>
           </a:p>
         </p:txBody>
       </p:sp>
@@ -3848,7 +4573,7 @@
           <p:cNvPr id="2" name="Title 1">
             <a:extLst>
               <a:ext uri="{FF2B5EF4-FFF2-40B4-BE49-F238E27FC236}">
-                <a16:creationId xmlns:a16="http://schemas.microsoft.com/office/drawing/2014/main" id="{CB6DA00C-F4AD-41C5-A83D-4917337618B8}"/>
+                <a16:creationId xmlns:a16="http://schemas.microsoft.com/office/drawing/2014/main" xmlns="" id="{CB6DA00C-F4AD-41C5-A83D-4917337618B8}"/>
               </a:ext>
             </a:extLst>
           </p:cNvPr>
@@ -3881,7 +4606,7 @@
           <p:cNvPr id="3" name="Content Placeholder 2">
             <a:extLst>
               <a:ext uri="{FF2B5EF4-FFF2-40B4-BE49-F238E27FC236}">
-                <a16:creationId xmlns:a16="http://schemas.microsoft.com/office/drawing/2014/main" id="{5D995FBC-24CC-4A64-897E-B3ED5E11D4F7}"/>
+                <a16:creationId xmlns:a16="http://schemas.microsoft.com/office/drawing/2014/main" xmlns="" id="{5D995FBC-24CC-4A64-897E-B3ED5E11D4F7}"/>
               </a:ext>
             </a:extLst>
           </p:cNvPr>
@@ -3927,7 +4652,7 @@
           <p:cNvPr id="4" name="Table 3">
             <a:extLst>
               <a:ext uri="{FF2B5EF4-FFF2-40B4-BE49-F238E27FC236}">
-                <a16:creationId xmlns:a16="http://schemas.microsoft.com/office/drawing/2014/main" id="{372D3AC0-6116-4913-8FEA-C8756D76D300}"/>
+                <a16:creationId xmlns:a16="http://schemas.microsoft.com/office/drawing/2014/main" xmlns="" id="{372D3AC0-6116-4913-8FEA-C8756D76D300}"/>
               </a:ext>
             </a:extLst>
           </p:cNvPr>
@@ -3956,14 +4681,14 @@
                 <a:gridCol w="2291862">
                   <a:extLst>
                     <a:ext uri="{9D8B030D-6E8A-4147-A177-3AD203B41FA5}">
-                      <a16:colId xmlns:a16="http://schemas.microsoft.com/office/drawing/2014/main" val="1614340233"/>
+                      <a16:colId xmlns:a16="http://schemas.microsoft.com/office/drawing/2014/main" xmlns="" val="1614340233"/>
                     </a:ext>
                   </a:extLst>
                 </a:gridCol>
                 <a:gridCol w="2312377">
                   <a:extLst>
                     <a:ext uri="{9D8B030D-6E8A-4147-A177-3AD203B41FA5}">
-                      <a16:colId xmlns:a16="http://schemas.microsoft.com/office/drawing/2014/main" val="4227082265"/>
+                      <a16:colId xmlns:a16="http://schemas.microsoft.com/office/drawing/2014/main" xmlns="" val="4227082265"/>
                     </a:ext>
                   </a:extLst>
                 </a:gridCol>
@@ -4067,7 +4792,7 @@
                 </a:tc>
                 <a:extLst>
                   <a:ext uri="{0D108BD9-81ED-4DB2-BD59-A6C34878D82A}">
-                    <a16:rowId xmlns:a16="http://schemas.microsoft.com/office/drawing/2014/main" val="770821850"/>
+                    <a16:rowId xmlns:a16="http://schemas.microsoft.com/office/drawing/2014/main" xmlns="" val="770821850"/>
                   </a:ext>
                 </a:extLst>
               </a:tr>
@@ -4170,7 +4895,7 @@
                 </a:tc>
                 <a:extLst>
                   <a:ext uri="{0D108BD9-81ED-4DB2-BD59-A6C34878D82A}">
-                    <a16:rowId xmlns:a16="http://schemas.microsoft.com/office/drawing/2014/main" val="3309548557"/>
+                    <a16:rowId xmlns:a16="http://schemas.microsoft.com/office/drawing/2014/main" xmlns="" val="3309548557"/>
                   </a:ext>
                 </a:extLst>
               </a:tr>
@@ -4273,7 +4998,7 @@
                 </a:tc>
                 <a:extLst>
                   <a:ext uri="{0D108BD9-81ED-4DB2-BD59-A6C34878D82A}">
-                    <a16:rowId xmlns:a16="http://schemas.microsoft.com/office/drawing/2014/main" val="3321599797"/>
+                    <a16:rowId xmlns:a16="http://schemas.microsoft.com/office/drawing/2014/main" xmlns="" val="3321599797"/>
                   </a:ext>
                 </a:extLst>
               </a:tr>
@@ -4376,7 +5101,7 @@
                 </a:tc>
                 <a:extLst>
                   <a:ext uri="{0D108BD9-81ED-4DB2-BD59-A6C34878D82A}">
-                    <a16:rowId xmlns:a16="http://schemas.microsoft.com/office/drawing/2014/main" val="2055180001"/>
+                    <a16:rowId xmlns:a16="http://schemas.microsoft.com/office/drawing/2014/main" xmlns="" val="2055180001"/>
                   </a:ext>
                 </a:extLst>
               </a:tr>
@@ -4479,7 +5204,7 @@
                 </a:tc>
                 <a:extLst>
                   <a:ext uri="{0D108BD9-81ED-4DB2-BD59-A6C34878D82A}">
-                    <a16:rowId xmlns:a16="http://schemas.microsoft.com/office/drawing/2014/main" val="4256452570"/>
+                    <a16:rowId xmlns:a16="http://schemas.microsoft.com/office/drawing/2014/main" xmlns="" val="4256452570"/>
                   </a:ext>
                 </a:extLst>
               </a:tr>
@@ -4582,7 +5307,7 @@
                 </a:tc>
                 <a:extLst>
                   <a:ext uri="{0D108BD9-81ED-4DB2-BD59-A6C34878D82A}">
-                    <a16:rowId xmlns:a16="http://schemas.microsoft.com/office/drawing/2014/main" val="1026985415"/>
+                    <a16:rowId xmlns:a16="http://schemas.microsoft.com/office/drawing/2014/main" xmlns="" val="1026985415"/>
                   </a:ext>
                 </a:extLst>
               </a:tr>
@@ -4595,7 +5320,7 @@
           <p:cNvPr id="5" name="Content Placeholder 2">
             <a:extLst>
               <a:ext uri="{FF2B5EF4-FFF2-40B4-BE49-F238E27FC236}">
-                <a16:creationId xmlns:a16="http://schemas.microsoft.com/office/drawing/2014/main" id="{857AA35E-9946-4F66-A1A5-34B802916C9A}"/>
+                <a16:creationId xmlns:a16="http://schemas.microsoft.com/office/drawing/2014/main" xmlns="" id="{857AA35E-9946-4F66-A1A5-34B802916C9A}"/>
               </a:ext>
             </a:extLst>
           </p:cNvPr>
@@ -4615,7 +5340,7 @@
         </p:spPr>
         <p:txBody>
           <a:bodyPr vert="horz" lIns="91440" tIns="45720" rIns="91440" bIns="45720" rtlCol="0">
-            <a:normAutofit/>
+            <a:normAutofit lnSpcReduction="10000"/>
           </a:bodyPr>
           <a:lstStyle>
             <a:lvl1pPr marL="228600" indent="-228600" algn="l" defTabSz="914400" rtl="0" eaLnBrk="1" latinLnBrk="0" hangingPunct="1">
@@ -4880,7 +5605,7 @@
           <p:cNvPr id="7" name="Group 6">
             <a:extLst>
               <a:ext uri="{FF2B5EF4-FFF2-40B4-BE49-F238E27FC236}">
-                <a16:creationId xmlns:a16="http://schemas.microsoft.com/office/drawing/2014/main" id="{6B8C64F6-2EBE-4B82-BDAF-AE6DE010D7AA}"/>
+                <a16:creationId xmlns:a16="http://schemas.microsoft.com/office/drawing/2014/main" xmlns="" id="{6B8C64F6-2EBE-4B82-BDAF-AE6DE010D7AA}"/>
               </a:ext>
             </a:extLst>
           </p:cNvPr>
@@ -4900,7 +5625,7 @@
             <p:cNvPr id="8" name="Rectangle 7">
               <a:extLst>
                 <a:ext uri="{FF2B5EF4-FFF2-40B4-BE49-F238E27FC236}">
-                  <a16:creationId xmlns:a16="http://schemas.microsoft.com/office/drawing/2014/main" id="{0B47697E-6A99-459D-BBEC-D8C0D6D57E22}"/>
+                  <a16:creationId xmlns:a16="http://schemas.microsoft.com/office/drawing/2014/main" xmlns="" id="{0B47697E-6A99-459D-BBEC-D8C0D6D57E22}"/>
                 </a:ext>
               </a:extLst>
             </p:cNvPr>
@@ -4956,7 +5681,7 @@
             <p:cNvPr id="9" name="Rectangle 8">
               <a:extLst>
                 <a:ext uri="{FF2B5EF4-FFF2-40B4-BE49-F238E27FC236}">
-                  <a16:creationId xmlns:a16="http://schemas.microsoft.com/office/drawing/2014/main" id="{E1DEE250-DCA2-4D12-ACD2-80D6CAE44B22}"/>
+                  <a16:creationId xmlns:a16="http://schemas.microsoft.com/office/drawing/2014/main" xmlns="" id="{E1DEE250-DCA2-4D12-ACD2-80D6CAE44B22}"/>
                 </a:ext>
               </a:extLst>
             </p:cNvPr>
@@ -5013,7 +5738,7 @@
             <p:cNvPr id="10" name="Rectangle 9">
               <a:extLst>
                 <a:ext uri="{FF2B5EF4-FFF2-40B4-BE49-F238E27FC236}">
-                  <a16:creationId xmlns:a16="http://schemas.microsoft.com/office/drawing/2014/main" id="{CBE95351-0AFF-4B3D-8541-B4FF3E99F431}"/>
+                  <a16:creationId xmlns:a16="http://schemas.microsoft.com/office/drawing/2014/main" xmlns="" id="{CBE95351-0AFF-4B3D-8541-B4FF3E99F431}"/>
                 </a:ext>
               </a:extLst>
             </p:cNvPr>
@@ -5062,7 +5787,7 @@
             <p:cNvPr id="13" name="Straight Arrow Connector 12">
               <a:extLst>
                 <a:ext uri="{FF2B5EF4-FFF2-40B4-BE49-F238E27FC236}">
-                  <a16:creationId xmlns:a16="http://schemas.microsoft.com/office/drawing/2014/main" id="{FD0D2035-92AF-4DE6-A11C-FCFFBF0AC33C}"/>
+                  <a16:creationId xmlns:a16="http://schemas.microsoft.com/office/drawing/2014/main" xmlns="" id="{FD0D2035-92AF-4DE6-A11C-FCFFBF0AC33C}"/>
                 </a:ext>
               </a:extLst>
             </p:cNvPr>
@@ -5108,7 +5833,7 @@
             <p:cNvPr id="14" name="Straight Arrow Connector 13">
               <a:extLst>
                 <a:ext uri="{FF2B5EF4-FFF2-40B4-BE49-F238E27FC236}">
-                  <a16:creationId xmlns:a16="http://schemas.microsoft.com/office/drawing/2014/main" id="{75321168-2FD7-4A68-AE7F-4D3596C93EFB}"/>
+                  <a16:creationId xmlns:a16="http://schemas.microsoft.com/office/drawing/2014/main" xmlns="" id="{75321168-2FD7-4A68-AE7F-4D3596C93EFB}"/>
                 </a:ext>
               </a:extLst>
             </p:cNvPr>
@@ -5180,7 +5905,7 @@
           <p:cNvPr id="2" name="Title 1">
             <a:extLst>
               <a:ext uri="{FF2B5EF4-FFF2-40B4-BE49-F238E27FC236}">
-                <a16:creationId xmlns:a16="http://schemas.microsoft.com/office/drawing/2014/main" id="{E82538C7-9593-4BFA-AA7D-AA0D5F148DFD}"/>
+                <a16:creationId xmlns:a16="http://schemas.microsoft.com/office/drawing/2014/main" xmlns="" id="{E82538C7-9593-4BFA-AA7D-AA0D5F148DFD}"/>
               </a:ext>
             </a:extLst>
           </p:cNvPr>
@@ -5215,7 +5940,7 @@
           <p:cNvPr id="3" name="Content Placeholder 2">
             <a:extLst>
               <a:ext uri="{FF2B5EF4-FFF2-40B4-BE49-F238E27FC236}">
-                <a16:creationId xmlns:a16="http://schemas.microsoft.com/office/drawing/2014/main" id="{BED20554-0B4A-41BB-A4B9-80F2630E8074}"/>
+                <a16:creationId xmlns:a16="http://schemas.microsoft.com/office/drawing/2014/main" xmlns="" id="{BED20554-0B4A-41BB-A4B9-80F2630E8074}"/>
               </a:ext>
             </a:extLst>
           </p:cNvPr>
@@ -5326,7 +6051,7 @@
           <p:cNvPr id="2" name="Title 1">
             <a:extLst>
               <a:ext uri="{FF2B5EF4-FFF2-40B4-BE49-F238E27FC236}">
-                <a16:creationId xmlns:a16="http://schemas.microsoft.com/office/drawing/2014/main" id="{E000ED52-155B-40D6-AECA-CE1896E58B31}"/>
+                <a16:creationId xmlns:a16="http://schemas.microsoft.com/office/drawing/2014/main" xmlns="" id="{E000ED52-155B-40D6-AECA-CE1896E58B31}"/>
               </a:ext>
             </a:extLst>
           </p:cNvPr>
@@ -5345,7 +6070,7 @@
         </p:spPr>
         <p:txBody>
           <a:bodyPr>
-            <a:normAutofit/>
+            <a:normAutofit fontScale="90000"/>
           </a:bodyPr>
           <a:lstStyle/>
           <a:p>
@@ -5368,7 +6093,7 @@
           <p:cNvPr id="3" name="Content Placeholder 2">
             <a:extLst>
               <a:ext uri="{FF2B5EF4-FFF2-40B4-BE49-F238E27FC236}">
-                <a16:creationId xmlns:a16="http://schemas.microsoft.com/office/drawing/2014/main" id="{34A3D1DD-DF35-49FF-9F38-77A18CCBF7DE}"/>
+                <a16:creationId xmlns:a16="http://schemas.microsoft.com/office/drawing/2014/main" xmlns="" id="{34A3D1DD-DF35-49FF-9F38-77A18CCBF7DE}"/>
               </a:ext>
             </a:extLst>
           </p:cNvPr>
@@ -5386,7 +6111,9 @@
           </a:xfrm>
         </p:spPr>
         <p:txBody>
-          <a:bodyPr/>
+          <a:bodyPr>
+            <a:normAutofit lnSpcReduction="10000"/>
+          </a:bodyPr>
           <a:lstStyle/>
           <a:p>
             <a:r>
@@ -5459,7 +6186,7 @@
           <p:cNvPr id="4" name="Rectangle 3">
             <a:extLst>
               <a:ext uri="{FF2B5EF4-FFF2-40B4-BE49-F238E27FC236}">
-                <a16:creationId xmlns:a16="http://schemas.microsoft.com/office/drawing/2014/main" id="{841AE1C7-0E81-4E86-923D-93D7CA851AAC}"/>
+                <a16:creationId xmlns:a16="http://schemas.microsoft.com/office/drawing/2014/main" xmlns="" id="{841AE1C7-0E81-4E86-923D-93D7CA851AAC}"/>
               </a:ext>
             </a:extLst>
           </p:cNvPr>
@@ -5497,14 +6224,14 @@
           <a:p>
             <a:pPr algn="ctr"/>
             <a:r>
-              <a:rPr lang="en-US" dirty="0"/>
+              <a:rPr lang="en-US" sz="1600" dirty="0"/>
               <a:t>Google Places Summary Dataset</a:t>
             </a:r>
           </a:p>
           <a:p>
             <a:pPr algn="ctr"/>
             <a:r>
-              <a:rPr lang="en-US" dirty="0"/>
+              <a:rPr lang="en-US" sz="1600" dirty="0"/>
               <a:t>.csv</a:t>
             </a:r>
           </a:p>
@@ -5515,7 +6242,7 @@
           <p:cNvPr id="5" name="Straight Arrow Connector 4">
             <a:extLst>
               <a:ext uri="{FF2B5EF4-FFF2-40B4-BE49-F238E27FC236}">
-                <a16:creationId xmlns:a16="http://schemas.microsoft.com/office/drawing/2014/main" id="{F10C8E1A-171F-47DC-9317-6037B0511F24}"/>
+                <a16:creationId xmlns:a16="http://schemas.microsoft.com/office/drawing/2014/main" xmlns="" id="{F10C8E1A-171F-47DC-9317-6037B0511F24}"/>
               </a:ext>
             </a:extLst>
           </p:cNvPr>
@@ -5556,7 +6283,7 @@
           <p:cNvPr id="6" name="Rectangle 5">
             <a:extLst>
               <a:ext uri="{FF2B5EF4-FFF2-40B4-BE49-F238E27FC236}">
-                <a16:creationId xmlns:a16="http://schemas.microsoft.com/office/drawing/2014/main" id="{7B6E3BC4-07AD-4435-8FCE-98475179DD46}"/>
+                <a16:creationId xmlns:a16="http://schemas.microsoft.com/office/drawing/2014/main" xmlns="" id="{7B6E3BC4-07AD-4435-8FCE-98475179DD46}"/>
               </a:ext>
             </a:extLst>
           </p:cNvPr>
@@ -5604,7 +6331,7 @@
           <p:cNvPr id="7" name="Straight Arrow Connector 6">
             <a:extLst>
               <a:ext uri="{FF2B5EF4-FFF2-40B4-BE49-F238E27FC236}">
-                <a16:creationId xmlns:a16="http://schemas.microsoft.com/office/drawing/2014/main" id="{0A6400DB-527A-4352-ABD2-BFF780ED6EA8}"/>
+                <a16:creationId xmlns:a16="http://schemas.microsoft.com/office/drawing/2014/main" xmlns="" id="{0A6400DB-527A-4352-ABD2-BFF780ED6EA8}"/>
               </a:ext>
             </a:extLst>
           </p:cNvPr>
@@ -5650,7 +6377,7 @@
           <p:cNvPr id="9" name="Rectangle 8">
             <a:extLst>
               <a:ext uri="{FF2B5EF4-FFF2-40B4-BE49-F238E27FC236}">
-                <a16:creationId xmlns:a16="http://schemas.microsoft.com/office/drawing/2014/main" id="{91A1BA20-64C4-43AE-AC08-2B9B4A6600E0}"/>
+                <a16:creationId xmlns:a16="http://schemas.microsoft.com/office/drawing/2014/main" xmlns="" id="{91A1BA20-64C4-43AE-AC08-2B9B4A6600E0}"/>
               </a:ext>
             </a:extLst>
           </p:cNvPr>
@@ -5714,7 +6441,7 @@
           <p:cNvPr id="12" name="Rectangle 11">
             <a:extLst>
               <a:ext uri="{FF2B5EF4-FFF2-40B4-BE49-F238E27FC236}">
-                <a16:creationId xmlns:a16="http://schemas.microsoft.com/office/drawing/2014/main" id="{7C4853DE-79E4-445E-8DAA-AB88ABF9891B}"/>
+                <a16:creationId xmlns:a16="http://schemas.microsoft.com/office/drawing/2014/main" xmlns="" id="{7C4853DE-79E4-445E-8DAA-AB88ABF9891B}"/>
               </a:ext>
             </a:extLst>
           </p:cNvPr>
@@ -5768,7 +6495,7 @@
           <p:cNvPr id="14" name="Straight Arrow Connector 13">
             <a:extLst>
               <a:ext uri="{FF2B5EF4-FFF2-40B4-BE49-F238E27FC236}">
-                <a16:creationId xmlns:a16="http://schemas.microsoft.com/office/drawing/2014/main" id="{9C5257F7-F75B-4E97-8A4F-1A22BBB179B0}"/>
+                <a16:creationId xmlns:a16="http://schemas.microsoft.com/office/drawing/2014/main" xmlns="" id="{9C5257F7-F75B-4E97-8A4F-1A22BBB179B0}"/>
               </a:ext>
             </a:extLst>
           </p:cNvPr>
@@ -5812,7 +6539,7 @@
           <p:cNvPr id="17" name="TextBox 16">
             <a:extLst>
               <a:ext uri="{FF2B5EF4-FFF2-40B4-BE49-F238E27FC236}">
-                <a16:creationId xmlns:a16="http://schemas.microsoft.com/office/drawing/2014/main" id="{4E573656-6B13-49D4-8BFB-43C39F54EF77}"/>
+                <a16:creationId xmlns:a16="http://schemas.microsoft.com/office/drawing/2014/main" xmlns="" id="{4E573656-6B13-49D4-8BFB-43C39F54EF77}"/>
               </a:ext>
             </a:extLst>
           </p:cNvPr>
@@ -5847,7 +6574,7 @@
           <p:cNvPr id="19" name="Rectangle 18">
             <a:extLst>
               <a:ext uri="{FF2B5EF4-FFF2-40B4-BE49-F238E27FC236}">
-                <a16:creationId xmlns:a16="http://schemas.microsoft.com/office/drawing/2014/main" id="{EA8FA456-F83C-47FB-BACF-30B850E705E3}"/>
+                <a16:creationId xmlns:a16="http://schemas.microsoft.com/office/drawing/2014/main" xmlns="" id="{EA8FA456-F83C-47FB-BACF-30B850E705E3}"/>
               </a:ext>
             </a:extLst>
           </p:cNvPr>
@@ -5895,7 +6622,7 @@
           <p:cNvPr id="20" name="Straight Arrow Connector 19">
             <a:extLst>
               <a:ext uri="{FF2B5EF4-FFF2-40B4-BE49-F238E27FC236}">
-                <a16:creationId xmlns:a16="http://schemas.microsoft.com/office/drawing/2014/main" id="{083B9E91-ACE0-4338-A756-77515B00A133}"/>
+                <a16:creationId xmlns:a16="http://schemas.microsoft.com/office/drawing/2014/main" xmlns="" id="{083B9E91-ACE0-4338-A756-77515B00A133}"/>
               </a:ext>
             </a:extLst>
           </p:cNvPr>
@@ -5939,7 +6666,7 @@
           <p:cNvPr id="22" name="TextBox 21">
             <a:extLst>
               <a:ext uri="{FF2B5EF4-FFF2-40B4-BE49-F238E27FC236}">
-                <a16:creationId xmlns:a16="http://schemas.microsoft.com/office/drawing/2014/main" id="{823ED9F3-39A8-4F3C-A5EC-DB05623BDC7F}"/>
+                <a16:creationId xmlns:a16="http://schemas.microsoft.com/office/drawing/2014/main" xmlns="" id="{823ED9F3-39A8-4F3C-A5EC-DB05623BDC7F}"/>
               </a:ext>
             </a:extLst>
           </p:cNvPr>
@@ -5974,7 +6701,7 @@
           <p:cNvPr id="26" name="Straight Arrow Connector 25">
             <a:extLst>
               <a:ext uri="{FF2B5EF4-FFF2-40B4-BE49-F238E27FC236}">
-                <a16:creationId xmlns:a16="http://schemas.microsoft.com/office/drawing/2014/main" id="{956717B1-BA6C-44EC-8ED9-811E70034C4F}"/>
+                <a16:creationId xmlns:a16="http://schemas.microsoft.com/office/drawing/2014/main" xmlns="" id="{956717B1-BA6C-44EC-8ED9-811E70034C4F}"/>
               </a:ext>
             </a:extLst>
           </p:cNvPr>
@@ -6013,7 +6740,7 @@
           <p:cNvPr id="27" name="Straight Arrow Connector 26">
             <a:extLst>
               <a:ext uri="{FF2B5EF4-FFF2-40B4-BE49-F238E27FC236}">
-                <a16:creationId xmlns:a16="http://schemas.microsoft.com/office/drawing/2014/main" id="{8BBF665D-DBBA-40EF-A6B3-54BAC86C3A6E}"/>
+                <a16:creationId xmlns:a16="http://schemas.microsoft.com/office/drawing/2014/main" xmlns="" id="{8BBF665D-DBBA-40EF-A6B3-54BAC86C3A6E}"/>
               </a:ext>
             </a:extLst>
           </p:cNvPr>
@@ -6082,7 +6809,7 @@
           <p:cNvPr id="2" name="Title 1">
             <a:extLst>
               <a:ext uri="{FF2B5EF4-FFF2-40B4-BE49-F238E27FC236}">
-                <a16:creationId xmlns:a16="http://schemas.microsoft.com/office/drawing/2014/main" id="{CD9BCCC8-CFF6-40E7-BDFF-6ECC2EAE91CF}"/>
+                <a16:creationId xmlns:a16="http://schemas.microsoft.com/office/drawing/2014/main" xmlns="" id="{CD9BCCC8-CFF6-40E7-BDFF-6ECC2EAE91CF}"/>
               </a:ext>
             </a:extLst>
           </p:cNvPr>
@@ -6101,7 +6828,7 @@
         </p:spPr>
         <p:txBody>
           <a:bodyPr>
-            <a:normAutofit/>
+            <a:normAutofit fontScale="90000"/>
           </a:bodyPr>
           <a:lstStyle/>
           <a:p>
@@ -6117,7 +6844,7 @@
           <p:cNvPr id="3" name="Content Placeholder 2">
             <a:extLst>
               <a:ext uri="{FF2B5EF4-FFF2-40B4-BE49-F238E27FC236}">
-                <a16:creationId xmlns:a16="http://schemas.microsoft.com/office/drawing/2014/main" id="{5C036DD0-C26B-41E2-9DB0-39AFC1B5FF57}"/>
+                <a16:creationId xmlns:a16="http://schemas.microsoft.com/office/drawing/2014/main" xmlns="" id="{5C036DD0-C26B-41E2-9DB0-39AFC1B5FF57}"/>
               </a:ext>
             </a:extLst>
           </p:cNvPr>
@@ -6130,7 +6857,7 @@
         </p:nvSpPr>
         <p:spPr>
           <a:xfrm>
-            <a:off x="415636" y="1040956"/>
+            <a:off x="415636" y="1363685"/>
             <a:ext cx="4696691" cy="2020899"/>
           </a:xfrm>
         </p:spPr>
@@ -6203,7 +6930,7 @@
           <p:cNvPr id="2" name="Title 1">
             <a:extLst>
               <a:ext uri="{FF2B5EF4-FFF2-40B4-BE49-F238E27FC236}">
-                <a16:creationId xmlns:a16="http://schemas.microsoft.com/office/drawing/2014/main" id="{CD9BCCC8-CFF6-40E7-BDFF-6ECC2EAE91CF}"/>
+                <a16:creationId xmlns:a16="http://schemas.microsoft.com/office/drawing/2014/main" xmlns="" id="{CD9BCCC8-CFF6-40E7-BDFF-6ECC2EAE91CF}"/>
               </a:ext>
             </a:extLst>
           </p:cNvPr>
@@ -6221,7 +6948,9 @@
           </a:xfrm>
         </p:spPr>
         <p:txBody>
-          <a:bodyPr/>
+          <a:bodyPr>
+            <a:normAutofit fontScale="90000"/>
+          </a:bodyPr>
           <a:lstStyle/>
           <a:p>
             <a:r>
@@ -6236,7 +6965,7 @@
           <p:cNvPr id="3" name="Content Placeholder 2">
             <a:extLst>
               <a:ext uri="{FF2B5EF4-FFF2-40B4-BE49-F238E27FC236}">
-                <a16:creationId xmlns:a16="http://schemas.microsoft.com/office/drawing/2014/main" id="{5C036DD0-C26B-41E2-9DB0-39AFC1B5FF57}"/>
+                <a16:creationId xmlns:a16="http://schemas.microsoft.com/office/drawing/2014/main" xmlns="" id="{5C036DD0-C26B-41E2-9DB0-39AFC1B5FF57}"/>
               </a:ext>
             </a:extLst>
           </p:cNvPr>
@@ -6322,7 +7051,7 @@
           <p:cNvPr id="2" name="Title 1">
             <a:extLst>
               <a:ext uri="{FF2B5EF4-FFF2-40B4-BE49-F238E27FC236}">
-                <a16:creationId xmlns:a16="http://schemas.microsoft.com/office/drawing/2014/main" id="{CD9BCCC8-CFF6-40E7-BDFF-6ECC2EAE91CF}"/>
+                <a16:creationId xmlns:a16="http://schemas.microsoft.com/office/drawing/2014/main" xmlns="" id="{CD9BCCC8-CFF6-40E7-BDFF-6ECC2EAE91CF}"/>
               </a:ext>
             </a:extLst>
           </p:cNvPr>
@@ -6335,19 +7064,23 @@
         </p:nvSpPr>
         <p:spPr>
           <a:xfrm>
-            <a:off x="838200" y="92563"/>
-            <a:ext cx="10515600" cy="830629"/>
+            <a:off x="169803" y="672354"/>
+            <a:ext cx="9520518" cy="233082"/>
           </a:xfrm>
         </p:spPr>
         <p:txBody>
           <a:bodyPr>
-            <a:normAutofit/>
+            <a:normAutofit fontScale="90000"/>
           </a:bodyPr>
           <a:lstStyle/>
           <a:p>
             <a:r>
               <a:rPr lang="en-US" dirty="0"/>
-              <a:t>Scope of Improvement &amp; Expansion Potential</a:t>
+              <a:t>Scope of Improvement &amp; Expansion </a:t>
+            </a:r>
+            <a:r>
+              <a:rPr lang="en-US" dirty="0"/>
+              <a:t>Potential</a:t>
             </a:r>
           </a:p>
         </p:txBody>
@@ -6357,7 +7090,7 @@
           <p:cNvPr id="3" name="Content Placeholder 2">
             <a:extLst>
               <a:ext uri="{FF2B5EF4-FFF2-40B4-BE49-F238E27FC236}">
-                <a16:creationId xmlns:a16="http://schemas.microsoft.com/office/drawing/2014/main" id="{5C036DD0-C26B-41E2-9DB0-39AFC1B5FF57}"/>
+                <a16:creationId xmlns:a16="http://schemas.microsoft.com/office/drawing/2014/main" xmlns="" id="{5C036DD0-C26B-41E2-9DB0-39AFC1B5FF57}"/>
               </a:ext>
             </a:extLst>
           </p:cNvPr>
@@ -6370,7 +7103,7 @@
         </p:nvSpPr>
         <p:spPr>
           <a:xfrm>
-            <a:off x="169803" y="721632"/>
+            <a:off x="169803" y="1625098"/>
             <a:ext cx="11561618" cy="5734925"/>
           </a:xfrm>
         </p:spPr>
@@ -6483,9 +7216,9 @@
 </file>
 
 <file path=ppt/theme/theme1.xml><?xml version="1.0" encoding="utf-8"?>
-<a:theme xmlns:a="http://schemas.openxmlformats.org/drawingml/2006/main" name="Office Theme">
+<a:theme xmlns:a="http://schemas.openxmlformats.org/drawingml/2006/main" name="Wood Type">
   <a:themeElements>
-    <a:clrScheme name="Office">
+    <a:clrScheme name="Wood Type">
       <a:dk1>
         <a:sysClr val="windowText" lastClr="000000"/>
       </a:dk1>
@@ -6493,48 +7226,86 @@
         <a:sysClr val="window" lastClr="FFFFFF"/>
       </a:lt1>
       <a:dk2>
-        <a:srgbClr val="44546A"/>
+        <a:srgbClr val="696464"/>
       </a:dk2>
       <a:lt2>
-        <a:srgbClr val="E7E6E6"/>
+        <a:srgbClr val="E9E5DC"/>
       </a:lt2>
       <a:accent1>
-        <a:srgbClr val="4472C4"/>
+        <a:srgbClr val="D34817"/>
       </a:accent1>
       <a:accent2>
-        <a:srgbClr val="ED7D31"/>
+        <a:srgbClr val="9B2D1F"/>
       </a:accent2>
       <a:accent3>
-        <a:srgbClr val="A5A5A5"/>
+        <a:srgbClr val="A28E6A"/>
       </a:accent3>
       <a:accent4>
-        <a:srgbClr val="FFC000"/>
+        <a:srgbClr val="956251"/>
       </a:accent4>
       <a:accent5>
-        <a:srgbClr val="5B9BD5"/>
+        <a:srgbClr val="918485"/>
       </a:accent5>
       <a:accent6>
-        <a:srgbClr val="70AD47"/>
+        <a:srgbClr val="855D5D"/>
       </a:accent6>
       <a:hlink>
-        <a:srgbClr val="0563C1"/>
+        <a:srgbClr val="CC9900"/>
       </a:hlink>
       <a:folHlink>
-        <a:srgbClr val="954F72"/>
+        <a:srgbClr val="96A9A9"/>
       </a:folHlink>
     </a:clrScheme>
-    <a:fontScheme name="Office">
+    <a:fontScheme name="Wood Type">
       <a:majorFont>
-        <a:latin typeface="Calibri Light" panose="020F0302020204030204"/>
+        <a:latin typeface="Rockwell Condensed" panose="02060603050405020104"/>
         <a:ea typeface=""/>
         <a:cs typeface=""/>
-        <a:font script="Jpan" typeface="游ゴシック Light"/>
-        <a:font script="Hang" typeface="맑은 고딕"/>
-        <a:font script="Hans" typeface="等线 Light"/>
-        <a:font script="Hant" typeface="新細明體"/>
+        <a:font script="Grek" typeface="Cambria"/>
+        <a:font script="Cyrl" typeface="Cambria"/>
+        <a:font script="Jpan" typeface="HG明朝B"/>
+        <a:font script="Hang" typeface="바탕"/>
+        <a:font script="Hans" typeface="方正姚体"/>
+        <a:font script="Hant" typeface="微軟正黑體"/>
         <a:font script="Arab" typeface="Times New Roman"/>
-        <a:font script="Hebr" typeface="Times New Roman"/>
-        <a:font script="Thai" typeface="Angsana New"/>
+        <a:font script="Hebr" typeface="David"/>
+        <a:font script="Thai" typeface="JasmineUPC"/>
+        <a:font script="Ethi" typeface="Nyala"/>
+        <a:font script="Beng" typeface="Vrinda"/>
+        <a:font script="Gujr" typeface="Shruti"/>
+        <a:font script="Khmr" typeface="MoolBoran"/>
+        <a:font script="Knda" typeface="Tunga"/>
+        <a:font script="Guru" typeface="Raavi"/>
+        <a:font script="Cans" typeface="Euphemia"/>
+        <a:font script="Cher" typeface="Plantagenet Cherokee"/>
+        <a:font script="Yiii" typeface="Microsoft Yi Baiti"/>
+        <a:font script="Tibt" typeface="Microsoft Himalaya"/>
+        <a:font script="Thaa" typeface="MV Boli"/>
+        <a:font script="Deva" typeface="Mangal"/>
+        <a:font script="Telu" typeface="Gautami"/>
+        <a:font script="Taml" typeface="Latha"/>
+        <a:font script="Syrc" typeface="Estrangelo Edessa"/>
+        <a:font script="Orya" typeface="Kalinga"/>
+        <a:font script="Mlym" typeface="Kartika"/>
+        <a:font script="Laoo" typeface="DokChampa"/>
+        <a:font script="Sinh" typeface="Iskoola Pota"/>
+        <a:font script="Mong" typeface="Mongolian Baiti"/>
+        <a:font script="Viet" typeface="Arial"/>
+        <a:font script="Uigh" typeface="Microsoft Uighur"/>
+      </a:majorFont>
+      <a:minorFont>
+        <a:latin typeface="Rockwell" panose="02060603020205020403"/>
+        <a:ea typeface=""/>
+        <a:cs typeface=""/>
+        <a:font script="Grek" typeface="Cambria"/>
+        <a:font script="Cyrl" typeface="Cambria"/>
+        <a:font script="Jpan" typeface="HG明朝B"/>
+        <a:font script="Hang" typeface="바탕"/>
+        <a:font script="Hans" typeface="方正姚体"/>
+        <a:font script="Hant" typeface="標楷體"/>
+        <a:font script="Arab" typeface="Times New Roman"/>
+        <a:font script="Hebr" typeface="David"/>
+        <a:font script="Thai" typeface="JasmineUPC"/>
         <a:font script="Ethi" typeface="Nyala"/>
         <a:font script="Beng" typeface="Vrinda"/>
         <a:font script="Gujr" typeface="Shruti"/>
@@ -6557,135 +7328,42 @@
         <a:font script="Mong" typeface="Mongolian Baiti"/>
         <a:font script="Viet" typeface="Times New Roman"/>
         <a:font script="Uigh" typeface="Microsoft Uighur"/>
-        <a:font script="Geor" typeface="Sylfaen"/>
-        <a:font script="Armn" typeface="Arial"/>
-        <a:font script="Bugi" typeface="Leelawadee UI"/>
-        <a:font script="Bopo" typeface="Microsoft JhengHei"/>
-        <a:font script="Java" typeface="Javanese Text"/>
-        <a:font script="Lisu" typeface="Segoe UI"/>
-        <a:font script="Mymr" typeface="Myanmar Text"/>
-        <a:font script="Nkoo" typeface="Ebrima"/>
-        <a:font script="Olck" typeface="Nirmala UI"/>
-        <a:font script="Osma" typeface="Ebrima"/>
-        <a:font script="Phag" typeface="Phagspa"/>
-        <a:font script="Syrn" typeface="Estrangelo Edessa"/>
-        <a:font script="Syrj" typeface="Estrangelo Edessa"/>
-        <a:font script="Syre" typeface="Estrangelo Edessa"/>
-        <a:font script="Sora" typeface="Nirmala UI"/>
-        <a:font script="Tale" typeface="Microsoft Tai Le"/>
-        <a:font script="Talu" typeface="Microsoft New Tai Lue"/>
-        <a:font script="Tfng" typeface="Ebrima"/>
-      </a:majorFont>
-      <a:minorFont>
-        <a:latin typeface="Calibri" panose="020F0502020204030204"/>
-        <a:ea typeface=""/>
-        <a:cs typeface=""/>
-        <a:font script="Jpan" typeface="游ゴシック"/>
-        <a:font script="Hang" typeface="맑은 고딕"/>
-        <a:font script="Hans" typeface="等线"/>
-        <a:font script="Hant" typeface="新細明體"/>
-        <a:font script="Arab" typeface="Arial"/>
-        <a:font script="Hebr" typeface="Arial"/>
-        <a:font script="Thai" typeface="Cordia New"/>
-        <a:font script="Ethi" typeface="Nyala"/>
-        <a:font script="Beng" typeface="Vrinda"/>
-        <a:font script="Gujr" typeface="Shruti"/>
-        <a:font script="Khmr" typeface="DaunPenh"/>
-        <a:font script="Knda" typeface="Tunga"/>
-        <a:font script="Guru" typeface="Raavi"/>
-        <a:font script="Cans" typeface="Euphemia"/>
-        <a:font script="Cher" typeface="Plantagenet Cherokee"/>
-        <a:font script="Yiii" typeface="Microsoft Yi Baiti"/>
-        <a:font script="Tibt" typeface="Microsoft Himalaya"/>
-        <a:font script="Thaa" typeface="MV Boli"/>
-        <a:font script="Deva" typeface="Mangal"/>
-        <a:font script="Telu" typeface="Gautami"/>
-        <a:font script="Taml" typeface="Latha"/>
-        <a:font script="Syrc" typeface="Estrangelo Edessa"/>
-        <a:font script="Orya" typeface="Kalinga"/>
-        <a:font script="Mlym" typeface="Kartika"/>
-        <a:font script="Laoo" typeface="DokChampa"/>
-        <a:font script="Sinh" typeface="Iskoola Pota"/>
-        <a:font script="Mong" typeface="Mongolian Baiti"/>
-        <a:font script="Viet" typeface="Arial"/>
-        <a:font script="Uigh" typeface="Microsoft Uighur"/>
-        <a:font script="Geor" typeface="Sylfaen"/>
-        <a:font script="Armn" typeface="Arial"/>
-        <a:font script="Bugi" typeface="Leelawadee UI"/>
-        <a:font script="Bopo" typeface="Microsoft JhengHei"/>
-        <a:font script="Java" typeface="Javanese Text"/>
-        <a:font script="Lisu" typeface="Segoe UI"/>
-        <a:font script="Mymr" typeface="Myanmar Text"/>
-        <a:font script="Nkoo" typeface="Ebrima"/>
-        <a:font script="Olck" typeface="Nirmala UI"/>
-        <a:font script="Osma" typeface="Ebrima"/>
-        <a:font script="Phag" typeface="Phagspa"/>
-        <a:font script="Syrn" typeface="Estrangelo Edessa"/>
-        <a:font script="Syrj" typeface="Estrangelo Edessa"/>
-        <a:font script="Syre" typeface="Estrangelo Edessa"/>
-        <a:font script="Sora" typeface="Nirmala UI"/>
-        <a:font script="Tale" typeface="Microsoft Tai Le"/>
-        <a:font script="Talu" typeface="Microsoft New Tai Lue"/>
-        <a:font script="Tfng" typeface="Ebrima"/>
       </a:minorFont>
     </a:fontScheme>
-    <a:fmtScheme name="Office">
+    <a:fmtScheme name="Wood Type">
       <a:fillStyleLst>
         <a:solidFill>
           <a:schemeClr val="phClr"/>
         </a:solidFill>
-        <a:gradFill rotWithShape="1">
-          <a:gsLst>
-            <a:gs pos="0">
+        <a:blipFill rotWithShape="1">
+          <a:blip xmlns:r="http://schemas.openxmlformats.org/officeDocument/2006/relationships" r:embed="rId1">
+            <a:duotone>
               <a:schemeClr val="phClr">
-                <a:lumMod val="110000"/>
-                <a:satMod val="105000"/>
-                <a:tint val="67000"/>
+                <a:tint val="70000"/>
+                <a:shade val="63000"/>
               </a:schemeClr>
-            </a:gs>
-            <a:gs pos="50000">
               <a:schemeClr val="phClr">
-                <a:lumMod val="105000"/>
-                <a:satMod val="103000"/>
-                <a:tint val="73000"/>
+                <a:tint val="10000"/>
+                <a:satMod val="150000"/>
               </a:schemeClr>
-            </a:gs>
-            <a:gs pos="100000">
+            </a:duotone>
+          </a:blip>
+          <a:tile tx="0" ty="0" sx="60000" sy="59000" flip="none" algn="tl"/>
+        </a:blipFill>
+        <a:blipFill rotWithShape="1">
+          <a:blip xmlns:r="http://schemas.openxmlformats.org/officeDocument/2006/relationships" r:embed="rId1">
+            <a:duotone>
               <a:schemeClr val="phClr">
-                <a:lumMod val="105000"/>
-                <a:satMod val="109000"/>
-                <a:tint val="81000"/>
+                <a:shade val="36000"/>
+                <a:satMod val="120000"/>
               </a:schemeClr>
-            </a:gs>
-          </a:gsLst>
-          <a:lin ang="5400000" scaled="0"/>
-        </a:gradFill>
-        <a:gradFill rotWithShape="1">
-          <a:gsLst>
-            <a:gs pos="0">
               <a:schemeClr val="phClr">
-                <a:satMod val="103000"/>
-                <a:lumMod val="102000"/>
-                <a:tint val="94000"/>
+                <a:tint val="40000"/>
               </a:schemeClr>
-            </a:gs>
-            <a:gs pos="50000">
-              <a:schemeClr val="phClr">
-                <a:satMod val="110000"/>
-                <a:lumMod val="100000"/>
-                <a:shade val="100000"/>
-              </a:schemeClr>
-            </a:gs>
-            <a:gs pos="100000">
-              <a:schemeClr val="phClr">
-                <a:lumMod val="99000"/>
-                <a:satMod val="120000"/>
-                <a:shade val="78000"/>
-              </a:schemeClr>
-            </a:gs>
-          </a:gsLst>
-          <a:lin ang="5400000" scaled="0"/>
-        </a:gradFill>
+            </a:duotone>
+          </a:blip>
+          <a:tile tx="0" ty="0" sx="60000" sy="59000" flip="none" algn="tl"/>
+        </a:blipFill>
       </a:fillStyleLst>
       <a:lnStyleLst>
         <a:ln w="6350" cap="flat" cmpd="sng" algn="ctr">
@@ -6693,21 +7371,18 @@
             <a:schemeClr val="phClr"/>
           </a:solidFill>
           <a:prstDash val="solid"/>
-          <a:miter lim="800000"/>
         </a:ln>
         <a:ln w="12700" cap="flat" cmpd="sng" algn="ctr">
           <a:solidFill>
             <a:schemeClr val="phClr"/>
           </a:solidFill>
           <a:prstDash val="solid"/>
-          <a:miter lim="800000"/>
         </a:ln>
         <a:ln w="19050" cap="flat" cmpd="sng" algn="ctr">
           <a:solidFill>
             <a:schemeClr val="phClr"/>
           </a:solidFill>
           <a:prstDash val="solid"/>
-          <a:miter lim="800000"/>
         </a:ln>
       </a:lnStyleLst>
       <a:effectStyleLst>
@@ -6715,15 +7390,18 @@
           <a:effectLst/>
         </a:effectStyle>
         <a:effectStyle>
-          <a:effectLst/>
+          <a:effectLst>
+            <a:softEdge rad="12700"/>
+          </a:effectLst>
         </a:effectStyle>
         <a:effectStyle>
           <a:effectLst>
-            <a:outerShdw blurRad="57150" dist="19050" dir="5400000" algn="ctr" rotWithShape="0">
+            <a:outerShdw blurRad="50800" dist="19050" dir="5400000" algn="tl" rotWithShape="0">
               <a:srgbClr val="000000">
-                <a:alpha val="63000"/>
+                <a:alpha val="60000"/>
               </a:srgbClr>
             </a:outerShdw>
+            <a:softEdge rad="12700"/>
           </a:effectLst>
         </a:effectStyle>
       </a:effectStyleLst>
@@ -6733,37 +7411,26 @@
         </a:solidFill>
         <a:solidFill>
           <a:schemeClr val="phClr">
-            <a:tint val="95000"/>
-            <a:satMod val="170000"/>
+            <a:shade val="97000"/>
+            <a:satMod val="150000"/>
           </a:schemeClr>
         </a:solidFill>
-        <a:gradFill rotWithShape="1">
-          <a:gsLst>
-            <a:gs pos="0">
+        <a:blipFill rotWithShape="1">
+          <a:blip xmlns:r="http://schemas.openxmlformats.org/officeDocument/2006/relationships" r:embed="rId1">
+            <a:duotone>
               <a:schemeClr val="phClr">
-                <a:tint val="93000"/>
-                <a:satMod val="150000"/>
-                <a:shade val="98000"/>
-                <a:lumMod val="102000"/>
-              </a:schemeClr>
-            </a:gs>
-            <a:gs pos="50000">
-              <a:schemeClr val="phClr">
-                <a:tint val="98000"/>
-                <a:satMod val="130000"/>
-                <a:shade val="90000"/>
-                <a:lumMod val="103000"/>
-              </a:schemeClr>
-            </a:gs>
-            <a:gs pos="100000">
-              <a:schemeClr val="phClr">
-                <a:shade val="63000"/>
+                <a:tint val="75000"/>
+                <a:shade val="58000"/>
                 <a:satMod val="120000"/>
               </a:schemeClr>
-            </a:gs>
-          </a:gsLst>
-          <a:lin ang="5400000" scaled="0"/>
-        </a:gradFill>
+              <a:schemeClr val="phClr">
+                <a:tint val="50000"/>
+                <a:shade val="96000"/>
+              </a:schemeClr>
+            </a:duotone>
+          </a:blip>
+          <a:tile tx="0" ty="0" sx="100000" sy="100000" flip="none" algn="tl"/>
+        </a:blipFill>
       </a:bgFillStyleLst>
     </a:fmtScheme>
   </a:themeElements>
@@ -6771,7 +7438,7 @@
   <a:extraClrSchemeLst/>
   <a:extLst>
     <a:ext uri="{05A4C25C-085E-4340-85A3-A5531E510DB2}">
-      <thm15:themeFamily xmlns:thm15="http://schemas.microsoft.com/office/thememl/2012/main" name="Office Theme" id="{62F939B6-93AF-4DB8-9C6B-D6C7DFDC589F}" vid="{4A3C46E8-61CC-4603-A589-7422A47A8E4A}"/>
+      <thm15:themeFamily xmlns:thm15="http://schemas.microsoft.com/office/thememl/2012/main" name="Wood Type" id="{7ACABC62-BF99-48CF-A9DC-4DB89C7B13DC}" vid="{142A1326-48AB-42A9-8428-CB14AA30176D}"/>
     </a:ext>
   </a:extLst>
 </a:theme>
